--- a/docs/example/example.pptx
+++ b/docs/example/example.pptx
@@ -247,7 +247,7 @@
           <a:p>
             <a:fld id="{4F9D234B-BA72-4F4D-8FEF-1D89CC837754}" type="datetimeFigureOut">
               <a:rPr lang="en-GB" smtClean="0"/>
-              <a:t>20/05/2025</a:t>
+              <a:t>11/08/2025</a:t>
             </a:fld>
             <a:endParaRPr lang="en-GB"/>
           </a:p>
@@ -417,7 +417,7 @@
           <a:p>
             <a:fld id="{4F9D234B-BA72-4F4D-8FEF-1D89CC837754}" type="datetimeFigureOut">
               <a:rPr lang="en-GB" smtClean="0"/>
-              <a:t>20/05/2025</a:t>
+              <a:t>11/08/2025</a:t>
             </a:fld>
             <a:endParaRPr lang="en-GB"/>
           </a:p>
@@ -597,7 +597,7 @@
           <a:p>
             <a:fld id="{4F9D234B-BA72-4F4D-8FEF-1D89CC837754}" type="datetimeFigureOut">
               <a:rPr lang="en-GB" smtClean="0"/>
-              <a:t>20/05/2025</a:t>
+              <a:t>11/08/2025</a:t>
             </a:fld>
             <a:endParaRPr lang="en-GB"/>
           </a:p>
@@ -767,7 +767,7 @@
           <a:p>
             <a:fld id="{4F9D234B-BA72-4F4D-8FEF-1D89CC837754}" type="datetimeFigureOut">
               <a:rPr lang="en-GB" smtClean="0"/>
-              <a:t>20/05/2025</a:t>
+              <a:t>11/08/2025</a:t>
             </a:fld>
             <a:endParaRPr lang="en-GB"/>
           </a:p>
@@ -1013,7 +1013,7 @@
           <a:p>
             <a:fld id="{4F9D234B-BA72-4F4D-8FEF-1D89CC837754}" type="datetimeFigureOut">
               <a:rPr lang="en-GB" smtClean="0"/>
-              <a:t>20/05/2025</a:t>
+              <a:t>11/08/2025</a:t>
             </a:fld>
             <a:endParaRPr lang="en-GB"/>
           </a:p>
@@ -1245,7 +1245,7 @@
           <a:p>
             <a:fld id="{4F9D234B-BA72-4F4D-8FEF-1D89CC837754}" type="datetimeFigureOut">
               <a:rPr lang="en-GB" smtClean="0"/>
-              <a:t>20/05/2025</a:t>
+              <a:t>11/08/2025</a:t>
             </a:fld>
             <a:endParaRPr lang="en-GB"/>
           </a:p>
@@ -1612,7 +1612,7 @@
           <a:p>
             <a:fld id="{4F9D234B-BA72-4F4D-8FEF-1D89CC837754}" type="datetimeFigureOut">
               <a:rPr lang="en-GB" smtClean="0"/>
-              <a:t>20/05/2025</a:t>
+              <a:t>11/08/2025</a:t>
             </a:fld>
             <a:endParaRPr lang="en-GB"/>
           </a:p>
@@ -1730,7 +1730,7 @@
           <a:p>
             <a:fld id="{4F9D234B-BA72-4F4D-8FEF-1D89CC837754}" type="datetimeFigureOut">
               <a:rPr lang="en-GB" smtClean="0"/>
-              <a:t>20/05/2025</a:t>
+              <a:t>11/08/2025</a:t>
             </a:fld>
             <a:endParaRPr lang="en-GB"/>
           </a:p>
@@ -1825,7 +1825,7 @@
           <a:p>
             <a:fld id="{4F9D234B-BA72-4F4D-8FEF-1D89CC837754}" type="datetimeFigureOut">
               <a:rPr lang="en-GB" smtClean="0"/>
-              <a:t>20/05/2025</a:t>
+              <a:t>11/08/2025</a:t>
             </a:fld>
             <a:endParaRPr lang="en-GB"/>
           </a:p>
@@ -2102,7 +2102,7 @@
           <a:p>
             <a:fld id="{4F9D234B-BA72-4F4D-8FEF-1D89CC837754}" type="datetimeFigureOut">
               <a:rPr lang="en-GB" smtClean="0"/>
-              <a:t>20/05/2025</a:t>
+              <a:t>11/08/2025</a:t>
             </a:fld>
             <a:endParaRPr lang="en-GB"/>
           </a:p>
@@ -2359,7 +2359,7 @@
           <a:p>
             <a:fld id="{4F9D234B-BA72-4F4D-8FEF-1D89CC837754}" type="datetimeFigureOut">
               <a:rPr lang="en-GB" smtClean="0"/>
-              <a:t>20/05/2025</a:t>
+              <a:t>11/08/2025</a:t>
             </a:fld>
             <a:endParaRPr lang="en-GB"/>
           </a:p>
@@ -2572,7 +2572,7 @@
           <a:p>
             <a:fld id="{4F9D234B-BA72-4F4D-8FEF-1D89CC837754}" type="datetimeFigureOut">
               <a:rPr lang="en-GB" smtClean="0"/>
-              <a:t>20/05/2025</a:t>
+              <a:t>11/08/2025</a:t>
             </a:fld>
             <a:endParaRPr lang="en-GB"/>
           </a:p>
@@ -3986,36 +3986,36 @@
 <file path=ppt/tags/tag1.xml><?xml version="1.0" encoding="utf-8"?>
 <p:tagLst xmlns:a="http://schemas.openxmlformats.org/drawingml/2006/main" xmlns:r="http://schemas.openxmlformats.org/officeDocument/2006/relationships" xmlns:p="http://schemas.openxmlformats.org/presentationml/2006/main">
   <p:tag name="_I2P_DUMMY_" val="true"/>
-  <p:tag name="_I2P_IMPORT_SETTINGS_" val="-W 1 -c 1 255,255,255"/>
   <p:tag name="_I2P_PATH_RELATIVE_" val="true"/>
   <p:tag name="_I2P_PATH_" val="ai_glass.itd"/>
+  <p:tag name="_I2P_IMPORT_SETTINGS_" val="-W 1 -c 1 255,255,255 ai_glass.itd"/>
 </p:tagLst>
 </file>
 
 <file path=ppt/tags/tag2.xml><?xml version="1.0" encoding="utf-8"?>
 <p:tagLst xmlns:a="http://schemas.openxmlformats.org/drawingml/2006/main" xmlns:r="http://schemas.openxmlformats.org/officeDocument/2006/relationships" xmlns:p="http://schemas.openxmlformats.org/presentationml/2006/main">
   <p:tag name="_I2P_DUMMY_" val="true"/>
-  <p:tag name="_I2P_IMPORT_SETTINGS_" val="-P"/>
   <p:tag name="_I2P_PATH_RELATIVE_" val="true"/>
   <p:tag name="_I2P_PATH_" val="ai_tea.itd"/>
+  <p:tag name="_I2P_IMPORT_SETTINGS_" val="-P ai_tea.itd"/>
 </p:tagLst>
 </file>
 
 <file path=ppt/tags/tag3.xml><?xml version="1.0" encoding="utf-8"?>
 <p:tagLst xmlns:a="http://schemas.openxmlformats.org/drawingml/2006/main" xmlns:r="http://schemas.openxmlformats.org/officeDocument/2006/relationships" xmlns:p="http://schemas.openxmlformats.org/presentationml/2006/main">
-  <p:tag name="_I2P_IMPORT_SETTINGS_" val="-P -W 1"/>
   <p:tag name="_I2P_DUMMY_" val="true"/>
   <p:tag name="_I2P_PATH_RELATIVE_" val="true"/>
   <p:tag name="_I2P_PATH_" val="fltrtest.itd"/>
+  <p:tag name="_I2P_IMPORT_SETTINGS_" val="-P -W 1 fltrtest.itd"/>
 </p:tagLst>
 </file>
 
 <file path=ppt/tags/tag4.xml><?xml version="1.0" encoding="utf-8"?>
 <p:tagLst xmlns:a="http://schemas.openxmlformats.org/drawingml/2006/main" xmlns:r="http://schemas.openxmlformats.org/officeDocument/2006/relationships" xmlns:p="http://schemas.openxmlformats.org/presentationml/2006/main">
   <p:tag name="_I2P_DUMMY_" val="true"/>
-  <p:tag name="_I2P_IMPORT_SETTINGS_" val="-P"/>
   <p:tag name="_I2P_PATH_RELATIVE_" val="true"/>
-  <p:tag name="_I2P_PATH_" val="ai_glass.itd"/>
+  <p:tag name="_I2P_IMPORT_SETTINGS_" val="-P ai_tea.itd"/>
+  <p:tag name="_I2P_PATH_" val="ai_tea.itd"/>
 </p:tagLst>
 </file>
 

--- a/docs/example/example.pptx
+++ b/docs/example/example.pptx
@@ -247,7 +247,7 @@
           <a:p>
             <a:fld id="{4F9D234B-BA72-4F4D-8FEF-1D89CC837754}" type="datetimeFigureOut">
               <a:rPr lang="en-GB" smtClean="0"/>
-              <a:t>11/08/2025</a:t>
+              <a:t>03/09/2025</a:t>
             </a:fld>
             <a:endParaRPr lang="en-GB"/>
           </a:p>
@@ -417,7 +417,7 @@
           <a:p>
             <a:fld id="{4F9D234B-BA72-4F4D-8FEF-1D89CC837754}" type="datetimeFigureOut">
               <a:rPr lang="en-GB" smtClean="0"/>
-              <a:t>11/08/2025</a:t>
+              <a:t>03/09/2025</a:t>
             </a:fld>
             <a:endParaRPr lang="en-GB"/>
           </a:p>
@@ -597,7 +597,7 @@
           <a:p>
             <a:fld id="{4F9D234B-BA72-4F4D-8FEF-1D89CC837754}" type="datetimeFigureOut">
               <a:rPr lang="en-GB" smtClean="0"/>
-              <a:t>11/08/2025</a:t>
+              <a:t>03/09/2025</a:t>
             </a:fld>
             <a:endParaRPr lang="en-GB"/>
           </a:p>
@@ -767,7 +767,7 @@
           <a:p>
             <a:fld id="{4F9D234B-BA72-4F4D-8FEF-1D89CC837754}" type="datetimeFigureOut">
               <a:rPr lang="en-GB" smtClean="0"/>
-              <a:t>11/08/2025</a:t>
+              <a:t>03/09/2025</a:t>
             </a:fld>
             <a:endParaRPr lang="en-GB"/>
           </a:p>
@@ -1013,7 +1013,7 @@
           <a:p>
             <a:fld id="{4F9D234B-BA72-4F4D-8FEF-1D89CC837754}" type="datetimeFigureOut">
               <a:rPr lang="en-GB" smtClean="0"/>
-              <a:t>11/08/2025</a:t>
+              <a:t>03/09/2025</a:t>
             </a:fld>
             <a:endParaRPr lang="en-GB"/>
           </a:p>
@@ -1245,7 +1245,7 @@
           <a:p>
             <a:fld id="{4F9D234B-BA72-4F4D-8FEF-1D89CC837754}" type="datetimeFigureOut">
               <a:rPr lang="en-GB" smtClean="0"/>
-              <a:t>11/08/2025</a:t>
+              <a:t>03/09/2025</a:t>
             </a:fld>
             <a:endParaRPr lang="en-GB"/>
           </a:p>
@@ -1612,7 +1612,7 @@
           <a:p>
             <a:fld id="{4F9D234B-BA72-4F4D-8FEF-1D89CC837754}" type="datetimeFigureOut">
               <a:rPr lang="en-GB" smtClean="0"/>
-              <a:t>11/08/2025</a:t>
+              <a:t>03/09/2025</a:t>
             </a:fld>
             <a:endParaRPr lang="en-GB"/>
           </a:p>
@@ -1730,7 +1730,7 @@
           <a:p>
             <a:fld id="{4F9D234B-BA72-4F4D-8FEF-1D89CC837754}" type="datetimeFigureOut">
               <a:rPr lang="en-GB" smtClean="0"/>
-              <a:t>11/08/2025</a:t>
+              <a:t>03/09/2025</a:t>
             </a:fld>
             <a:endParaRPr lang="en-GB"/>
           </a:p>
@@ -1825,7 +1825,7 @@
           <a:p>
             <a:fld id="{4F9D234B-BA72-4F4D-8FEF-1D89CC837754}" type="datetimeFigureOut">
               <a:rPr lang="en-GB" smtClean="0"/>
-              <a:t>11/08/2025</a:t>
+              <a:t>03/09/2025</a:t>
             </a:fld>
             <a:endParaRPr lang="en-GB"/>
           </a:p>
@@ -2102,7 +2102,7 @@
           <a:p>
             <a:fld id="{4F9D234B-BA72-4F4D-8FEF-1D89CC837754}" type="datetimeFigureOut">
               <a:rPr lang="en-GB" smtClean="0"/>
-              <a:t>11/08/2025</a:t>
+              <a:t>03/09/2025</a:t>
             </a:fld>
             <a:endParaRPr lang="en-GB"/>
           </a:p>
@@ -2359,7 +2359,7 @@
           <a:p>
             <a:fld id="{4F9D234B-BA72-4F4D-8FEF-1D89CC837754}" type="datetimeFigureOut">
               <a:rPr lang="en-GB" smtClean="0"/>
-              <a:t>11/08/2025</a:t>
+              <a:t>03/09/2025</a:t>
             </a:fld>
             <a:endParaRPr lang="en-GB"/>
           </a:p>
@@ -2572,7 +2572,7 @@
           <a:p>
             <a:fld id="{4F9D234B-BA72-4F4D-8FEF-1D89CC837754}" type="datetimeFigureOut">
               <a:rPr lang="en-GB" smtClean="0"/>
-              <a:t>11/08/2025</a:t>
+              <a:t>03/09/2025</a:t>
             </a:fld>
             <a:endParaRPr lang="en-GB"/>
           </a:p>

--- a/docs/example/example.pptx
+++ b/docs/example/example.pptx
@@ -2,14 +2,10 @@
 <file path=ppt/presentation.xml><?xml version="1.0" encoding="utf-8"?>
 <p:presentation xmlns:a="http://schemas.openxmlformats.org/drawingml/2006/main" xmlns:r="http://schemas.openxmlformats.org/officeDocument/2006/relationships" xmlns:p="http://schemas.openxmlformats.org/presentationml/2006/main" saveSubsetFonts="1">
   <p:sldMasterIdLst>
-    <p:sldMasterId id="2147483672" r:id="rId1"/>
+    <p:sldMasterId id="2147483660" r:id="rId1"/>
   </p:sldMasterIdLst>
   <p:sldIdLst>
-    <p:sldId id="256" r:id="rId2"/>
-    <p:sldId id="257" r:id="rId3"/>
-    <p:sldId id="258" r:id="rId4"/>
-    <p:sldId id="259" r:id="rId5"/>
-    <p:sldId id="260" r:id="rId6"/>
+    <p:sldId id="260" r:id="rId2"/>
   </p:sldIdLst>
   <p:sldSz cx="12192000" cy="6858000"/>
   <p:notesSz cx="6858000" cy="9144000"/>
@@ -133,6 +129,145 @@
           <a:chExt cx="0" cy="0"/>
         </a:xfrm>
       </p:grpSpPr>
+      <p:pic>
+        <p:nvPicPr>
+          <p:cNvPr id="7" name="Picture 6" descr="HD-ShadowLong.png"/>
+          <p:cNvPicPr>
+            <a:picLocks noChangeAspect="1"/>
+          </p:cNvPicPr>
+          <p:nvPr/>
+        </p:nvPicPr>
+        <p:blipFill>
+          <a:blip r:embed="rId2">
+            <a:extLst>
+              <a:ext uri="{28A0092B-C50C-407E-A947-70E740481C1C}">
+                <a14:useLocalDpi xmlns:a14="http://schemas.microsoft.com/office/drawing/2010/main" val="0"/>
+              </a:ext>
+            </a:extLst>
+          </a:blip>
+          <a:stretch>
+            <a:fillRect/>
+          </a:stretch>
+        </p:blipFill>
+        <p:spPr>
+          <a:xfrm>
+            <a:off x="1" y="4242851"/>
+            <a:ext cx="8968084" cy="275942"/>
+          </a:xfrm>
+          <a:prstGeom prst="rect">
+            <a:avLst/>
+          </a:prstGeom>
+        </p:spPr>
+      </p:pic>
+      <p:pic>
+        <p:nvPicPr>
+          <p:cNvPr id="8" name="Picture 7" descr="HD-ShadowShort.png"/>
+          <p:cNvPicPr>
+            <a:picLocks noChangeAspect="1"/>
+          </p:cNvPicPr>
+          <p:nvPr/>
+        </p:nvPicPr>
+        <p:blipFill>
+          <a:blip r:embed="rId3">
+            <a:extLst>
+              <a:ext uri="{28A0092B-C50C-407E-A947-70E740481C1C}">
+                <a14:useLocalDpi xmlns:a14="http://schemas.microsoft.com/office/drawing/2010/main" val="0"/>
+              </a:ext>
+            </a:extLst>
+          </a:blip>
+          <a:stretch>
+            <a:fillRect/>
+          </a:stretch>
+        </p:blipFill>
+        <p:spPr>
+          <a:xfrm>
+            <a:off x="9111716" y="4243845"/>
+            <a:ext cx="3077108" cy="276940"/>
+          </a:xfrm>
+          <a:prstGeom prst="rect">
+            <a:avLst/>
+          </a:prstGeom>
+        </p:spPr>
+      </p:pic>
+      <p:sp>
+        <p:nvSpPr>
+          <p:cNvPr id="9" name="Rectangle 8"/>
+          <p:cNvSpPr/>
+          <p:nvPr/>
+        </p:nvSpPr>
+        <p:spPr bwMode="ltGray">
+          <a:xfrm>
+            <a:off x="0" y="2590078"/>
+            <a:ext cx="8968085" cy="1660332"/>
+          </a:xfrm>
+          <a:prstGeom prst="rect">
+            <a:avLst/>
+          </a:prstGeom>
+          <a:solidFill>
+            <a:schemeClr val="bg1">
+              <a:lumMod val="85000"/>
+              <a:lumOff val="15000"/>
+            </a:schemeClr>
+          </a:solidFill>
+          <a:ln>
+            <a:noFill/>
+          </a:ln>
+        </p:spPr>
+        <p:style>
+          <a:lnRef idx="2">
+            <a:schemeClr val="accent1">
+              <a:shade val="50000"/>
+            </a:schemeClr>
+          </a:lnRef>
+          <a:fillRef idx="1">
+            <a:schemeClr val="accent1"/>
+          </a:fillRef>
+          <a:effectRef idx="0">
+            <a:schemeClr val="accent1"/>
+          </a:effectRef>
+          <a:fontRef idx="minor">
+            <a:schemeClr val="lt1"/>
+          </a:fontRef>
+        </p:style>
+      </p:sp>
+      <p:sp>
+        <p:nvSpPr>
+          <p:cNvPr id="10" name="Rectangle 9"/>
+          <p:cNvSpPr/>
+          <p:nvPr/>
+        </p:nvSpPr>
+        <p:spPr>
+          <a:xfrm>
+            <a:off x="9111715" y="2590078"/>
+            <a:ext cx="3077109" cy="1660332"/>
+          </a:xfrm>
+          <a:prstGeom prst="rect">
+            <a:avLst/>
+          </a:prstGeom>
+          <a:solidFill>
+            <a:schemeClr val="accent1"/>
+          </a:solidFill>
+          <a:ln>
+            <a:noFill/>
+          </a:ln>
+        </p:spPr>
+        <p:style>
+          <a:lnRef idx="2">
+            <a:schemeClr val="accent1">
+              <a:shade val="50000"/>
+            </a:schemeClr>
+          </a:lnRef>
+          <a:fillRef idx="1">
+            <a:schemeClr val="accent1"/>
+          </a:fillRef>
+          <a:effectRef idx="0">
+            <a:schemeClr val="accent1"/>
+          </a:effectRef>
+          <a:fontRef idx="minor">
+            <a:schemeClr val="lt1"/>
+          </a:fontRef>
+        </p:style>
+      </p:sp>
       <p:sp>
         <p:nvSpPr>
           <p:cNvPr id="2" name="Title 1"/>
@@ -145,15 +280,17 @@
         </p:nvSpPr>
         <p:spPr>
           <a:xfrm>
-            <a:off x="1524000" y="1122363"/>
-            <a:ext cx="9144000" cy="2387600"/>
-          </a:xfrm>
-        </p:spPr>
-        <p:txBody>
-          <a:bodyPr anchor="b"/>
+            <a:off x="680322" y="2733709"/>
+            <a:ext cx="8144134" cy="1373070"/>
+          </a:xfrm>
+        </p:spPr>
+        <p:txBody>
+          <a:bodyPr anchor="b">
+            <a:noAutofit/>
+          </a:bodyPr>
           <a:lstStyle>
-            <a:lvl1pPr algn="ctr">
-              <a:defRPr sz="6000"/>
+            <a:lvl1pPr algn="r">
+              <a:defRPr sz="5400"/>
             </a:lvl1pPr>
           </a:lstStyle>
           <a:p>
@@ -177,16 +314,18 @@
         </p:nvSpPr>
         <p:spPr>
           <a:xfrm>
-            <a:off x="1524000" y="3602038"/>
-            <a:ext cx="9144000" cy="1655762"/>
-          </a:xfrm>
-        </p:spPr>
-        <p:txBody>
-          <a:bodyPr/>
+            <a:off x="680322" y="4394039"/>
+            <a:ext cx="8144134" cy="1117687"/>
+          </a:xfrm>
+        </p:spPr>
+        <p:txBody>
+          <a:bodyPr>
+            <a:normAutofit/>
+          </a:bodyPr>
           <a:lstStyle>
-            <a:lvl1pPr marL="0" indent="0" algn="ctr">
-              <a:buNone/>
-              <a:defRPr sz="2400"/>
+            <a:lvl1pPr marL="0" indent="0" algn="r">
+              <a:buNone/>
+              <a:defRPr sz="2000"/>
             </a:lvl1pPr>
             <a:lvl2pPr marL="457200" indent="0" algn="ctr">
               <a:buNone/>
@@ -245,11 +384,11 @@
           <a:bodyPr/>
           <a:lstStyle/>
           <a:p>
-            <a:fld id="{4F9D234B-BA72-4F4D-8FEF-1D89CC837754}" type="datetimeFigureOut">
-              <a:rPr lang="en-GB" smtClean="0"/>
-              <a:t>03/09/2025</a:t>
+            <a:fld id="{2D72B13E-33E1-4518-9566-D50598226E4B}" type="datetimeFigureOut">
+              <a:rPr lang="en-IL" smtClean="0"/>
+              <a:t>25/09/2025</a:t>
             </a:fld>
-            <a:endParaRPr lang="en-GB"/>
+            <a:endParaRPr lang="en-IL"/>
           </a:p>
         </p:txBody>
       </p:sp>
@@ -268,7 +407,7 @@
           <a:bodyPr/>
           <a:lstStyle/>
           <a:p>
-            <a:endParaRPr lang="en-GB"/>
+            <a:endParaRPr lang="en-IL"/>
           </a:p>
         </p:txBody>
       </p:sp>
@@ -282,23 +421,28 @@
             <p:ph type="sldNum" sz="quarter" idx="12"/>
           </p:nvPr>
         </p:nvSpPr>
-        <p:spPr/>
+        <p:spPr>
+          <a:xfrm>
+            <a:off x="9255346" y="2750337"/>
+            <a:ext cx="1171888" cy="1356442"/>
+          </a:xfrm>
+        </p:spPr>
         <p:txBody>
           <a:bodyPr/>
           <a:lstStyle/>
           <a:p>
-            <a:fld id="{3681FAB0-5468-4722-9741-171A7029CF2B}" type="slidenum">
-              <a:rPr lang="en-GB" smtClean="0"/>
+            <a:fld id="{1BA5EC1C-4E08-4775-A2B3-6A693CC6E631}" type="slidenum">
+              <a:rPr lang="en-IL" smtClean="0"/>
               <a:t>‹#›</a:t>
             </a:fld>
-            <a:endParaRPr lang="en-GB"/>
+            <a:endParaRPr lang="en-IL"/>
           </a:p>
         </p:txBody>
       </p:sp>
     </p:spTree>
     <p:extLst>
       <p:ext uri="{BB962C8B-B14F-4D97-AF65-F5344CB8AC3E}">
-        <p14:creationId xmlns:p14="http://schemas.microsoft.com/office/powerpoint/2010/main" val="3706203761"/>
+        <p14:creationId xmlns:p14="http://schemas.microsoft.com/office/powerpoint/2010/main" val="11052517"/>
       </p:ext>
     </p:extLst>
   </p:cSld>
@@ -309,6 +453,3318 @@
 </file>
 
 <file path=ppt/slideLayouts/slideLayout10.xml><?xml version="1.0" encoding="utf-8"?>
+<p:sldLayout xmlns:a="http://schemas.openxmlformats.org/drawingml/2006/main" xmlns:r="http://schemas.openxmlformats.org/officeDocument/2006/relationships" xmlns:p="http://schemas.openxmlformats.org/presentationml/2006/main" preserve="1">
+  <p:cSld name="Panoramic Picture with Caption">
+    <p:spTree>
+      <p:nvGrpSpPr>
+        <p:cNvPr id="1" name=""/>
+        <p:cNvGrpSpPr/>
+        <p:nvPr/>
+      </p:nvGrpSpPr>
+      <p:grpSpPr>
+        <a:xfrm>
+          <a:off x="0" y="0"/>
+          <a:ext cx="0" cy="0"/>
+          <a:chOff x="0" y="0"/>
+          <a:chExt cx="0" cy="0"/>
+        </a:xfrm>
+      </p:grpSpPr>
+      <p:pic>
+        <p:nvPicPr>
+          <p:cNvPr id="8" name="Picture 7" descr="HD-ShadowLong.png"/>
+          <p:cNvPicPr>
+            <a:picLocks noChangeAspect="1"/>
+          </p:cNvPicPr>
+          <p:nvPr/>
+        </p:nvPicPr>
+        <p:blipFill>
+          <a:blip r:embed="rId2">
+            <a:extLst>
+              <a:ext uri="{28A0092B-C50C-407E-A947-70E740481C1C}">
+                <a14:useLocalDpi xmlns:a14="http://schemas.microsoft.com/office/drawing/2010/main" val="0"/>
+              </a:ext>
+            </a:extLst>
+          </a:blip>
+          <a:stretch>
+            <a:fillRect/>
+          </a:stretch>
+        </p:blipFill>
+        <p:spPr>
+          <a:xfrm>
+            <a:off x="1" y="5928628"/>
+            <a:ext cx="10437812" cy="321164"/>
+          </a:xfrm>
+          <a:prstGeom prst="rect">
+            <a:avLst/>
+          </a:prstGeom>
+        </p:spPr>
+      </p:pic>
+      <p:pic>
+        <p:nvPicPr>
+          <p:cNvPr id="9" name="Picture 8" descr="HD-ShadowShort.png"/>
+          <p:cNvPicPr>
+            <a:picLocks noChangeAspect="1"/>
+          </p:cNvPicPr>
+          <p:nvPr/>
+        </p:nvPicPr>
+        <p:blipFill>
+          <a:blip r:embed="rId3">
+            <a:extLst>
+              <a:ext uri="{28A0092B-C50C-407E-A947-70E740481C1C}">
+                <a14:useLocalDpi xmlns:a14="http://schemas.microsoft.com/office/drawing/2010/main" val="0"/>
+              </a:ext>
+            </a:extLst>
+          </a:blip>
+          <a:stretch>
+            <a:fillRect/>
+          </a:stretch>
+        </p:blipFill>
+        <p:spPr>
+          <a:xfrm>
+            <a:off x="10585826" y="5929622"/>
+            <a:ext cx="1602997" cy="144270"/>
+          </a:xfrm>
+          <a:prstGeom prst="rect">
+            <a:avLst/>
+          </a:prstGeom>
+        </p:spPr>
+      </p:pic>
+      <p:sp>
+        <p:nvSpPr>
+          <p:cNvPr id="10" name="Rectangle 9"/>
+          <p:cNvSpPr/>
+          <p:nvPr/>
+        </p:nvSpPr>
+        <p:spPr bwMode="ltGray">
+          <a:xfrm>
+            <a:off x="0" y="4567988"/>
+            <a:ext cx="10437812" cy="1368198"/>
+          </a:xfrm>
+          <a:prstGeom prst="rect">
+            <a:avLst/>
+          </a:prstGeom>
+          <a:solidFill>
+            <a:schemeClr val="bg1">
+              <a:lumMod val="85000"/>
+              <a:lumOff val="15000"/>
+            </a:schemeClr>
+          </a:solidFill>
+          <a:ln>
+            <a:noFill/>
+          </a:ln>
+        </p:spPr>
+        <p:style>
+          <a:lnRef idx="2">
+            <a:schemeClr val="accent1">
+              <a:shade val="50000"/>
+            </a:schemeClr>
+          </a:lnRef>
+          <a:fillRef idx="1">
+            <a:schemeClr val="accent1"/>
+          </a:fillRef>
+          <a:effectRef idx="0">
+            <a:schemeClr val="accent1"/>
+          </a:effectRef>
+          <a:fontRef idx="minor">
+            <a:schemeClr val="lt1"/>
+          </a:fontRef>
+        </p:style>
+      </p:sp>
+      <p:sp>
+        <p:nvSpPr>
+          <p:cNvPr id="11" name="Rectangle 10"/>
+          <p:cNvSpPr/>
+          <p:nvPr/>
+        </p:nvSpPr>
+        <p:spPr>
+          <a:xfrm>
+            <a:off x="10585827" y="4567988"/>
+            <a:ext cx="1602997" cy="1368198"/>
+          </a:xfrm>
+          <a:prstGeom prst="rect">
+            <a:avLst/>
+          </a:prstGeom>
+          <a:solidFill>
+            <a:schemeClr val="accent1"/>
+          </a:solidFill>
+          <a:ln>
+            <a:noFill/>
+          </a:ln>
+        </p:spPr>
+        <p:style>
+          <a:lnRef idx="2">
+            <a:schemeClr val="accent1">
+              <a:shade val="50000"/>
+            </a:schemeClr>
+          </a:lnRef>
+          <a:fillRef idx="1">
+            <a:schemeClr val="accent1"/>
+          </a:fillRef>
+          <a:effectRef idx="0">
+            <a:schemeClr val="accent1"/>
+          </a:effectRef>
+          <a:fontRef idx="minor">
+            <a:schemeClr val="lt1"/>
+          </a:fontRef>
+        </p:style>
+      </p:sp>
+      <p:sp>
+        <p:nvSpPr>
+          <p:cNvPr id="2" name="Title 1"/>
+          <p:cNvSpPr>
+            <a:spLocks noGrp="1"/>
+          </p:cNvSpPr>
+          <p:nvPr>
+            <p:ph type="title"/>
+          </p:nvPr>
+        </p:nvSpPr>
+        <p:spPr>
+          <a:xfrm>
+            <a:off x="680322" y="4711616"/>
+            <a:ext cx="9613859" cy="453051"/>
+          </a:xfrm>
+        </p:spPr>
+        <p:txBody>
+          <a:bodyPr anchor="b">
+            <a:normAutofit/>
+          </a:bodyPr>
+          <a:lstStyle>
+            <a:lvl1pPr>
+              <a:defRPr sz="2400"/>
+            </a:lvl1pPr>
+          </a:lstStyle>
+          <a:p>
+            <a:r>
+              <a:rPr lang="en-US"/>
+              <a:t>Click to edit Master title style</a:t>
+            </a:r>
+            <a:endParaRPr lang="en-US" dirty="0"/>
+          </a:p>
+        </p:txBody>
+      </p:sp>
+      <p:sp>
+        <p:nvSpPr>
+          <p:cNvPr id="3" name="Picture Placeholder 2"/>
+          <p:cNvSpPr>
+            <a:spLocks noGrp="1" noChangeAspect="1"/>
+          </p:cNvSpPr>
+          <p:nvPr>
+            <p:ph type="pic" idx="1"/>
+          </p:nvPr>
+        </p:nvSpPr>
+        <p:spPr>
+          <a:xfrm>
+            <a:off x="680322" y="609597"/>
+            <a:ext cx="9613859" cy="3589575"/>
+          </a:xfrm>
+          <a:noFill/>
+          <a:ln>
+            <a:noFill/>
+          </a:ln>
+          <a:effectLst>
+            <a:outerShdw blurRad="76200" dist="63500" dir="5040000" algn="tl" rotWithShape="0">
+              <a:srgbClr val="000000">
+                <a:alpha val="41000"/>
+              </a:srgbClr>
+            </a:outerShdw>
+          </a:effectLst>
+        </p:spPr>
+        <p:txBody>
+          <a:bodyPr anchor="t"/>
+          <a:lstStyle>
+            <a:lvl1pPr marL="0" indent="0">
+              <a:buNone/>
+              <a:defRPr sz="3200"/>
+            </a:lvl1pPr>
+            <a:lvl2pPr marL="457200" indent="0">
+              <a:buNone/>
+              <a:defRPr sz="2800"/>
+            </a:lvl2pPr>
+            <a:lvl3pPr marL="914400" indent="0">
+              <a:buNone/>
+              <a:defRPr sz="2400"/>
+            </a:lvl3pPr>
+            <a:lvl4pPr marL="1371600" indent="0">
+              <a:buNone/>
+              <a:defRPr sz="2000"/>
+            </a:lvl4pPr>
+            <a:lvl5pPr marL="1828800" indent="0">
+              <a:buNone/>
+              <a:defRPr sz="2000"/>
+            </a:lvl5pPr>
+            <a:lvl6pPr marL="2286000" indent="0">
+              <a:buNone/>
+              <a:defRPr sz="2000"/>
+            </a:lvl6pPr>
+            <a:lvl7pPr marL="2743200" indent="0">
+              <a:buNone/>
+              <a:defRPr sz="2000"/>
+            </a:lvl7pPr>
+            <a:lvl8pPr marL="3200400" indent="0">
+              <a:buNone/>
+              <a:defRPr sz="2000"/>
+            </a:lvl8pPr>
+            <a:lvl9pPr marL="3657600" indent="0">
+              <a:buNone/>
+              <a:defRPr sz="2000"/>
+            </a:lvl9pPr>
+          </a:lstStyle>
+          <a:p>
+            <a:r>
+              <a:rPr lang="en-US"/>
+              <a:t>Click icon to add picture</a:t>
+            </a:r>
+            <a:endParaRPr lang="en-US" dirty="0"/>
+          </a:p>
+        </p:txBody>
+      </p:sp>
+      <p:sp>
+        <p:nvSpPr>
+          <p:cNvPr id="4" name="Text Placeholder 3"/>
+          <p:cNvSpPr>
+            <a:spLocks noGrp="1"/>
+          </p:cNvSpPr>
+          <p:nvPr>
+            <p:ph type="body" sz="half" idx="2"/>
+          </p:nvPr>
+        </p:nvSpPr>
+        <p:spPr>
+          <a:xfrm>
+            <a:off x="680319" y="5169583"/>
+            <a:ext cx="9613862" cy="622971"/>
+          </a:xfrm>
+        </p:spPr>
+        <p:txBody>
+          <a:bodyPr/>
+          <a:lstStyle>
+            <a:lvl1pPr marL="0" indent="0">
+              <a:buNone/>
+              <a:defRPr sz="1600"/>
+            </a:lvl1pPr>
+            <a:lvl2pPr marL="457200" indent="0">
+              <a:buNone/>
+              <a:defRPr sz="1400"/>
+            </a:lvl2pPr>
+            <a:lvl3pPr marL="914400" indent="0">
+              <a:buNone/>
+              <a:defRPr sz="1200"/>
+            </a:lvl3pPr>
+            <a:lvl4pPr marL="1371600" indent="0">
+              <a:buNone/>
+              <a:defRPr sz="1000"/>
+            </a:lvl4pPr>
+            <a:lvl5pPr marL="1828800" indent="0">
+              <a:buNone/>
+              <a:defRPr sz="1000"/>
+            </a:lvl5pPr>
+            <a:lvl6pPr marL="2286000" indent="0">
+              <a:buNone/>
+              <a:defRPr sz="1000"/>
+            </a:lvl6pPr>
+            <a:lvl7pPr marL="2743200" indent="0">
+              <a:buNone/>
+              <a:defRPr sz="1000"/>
+            </a:lvl7pPr>
+            <a:lvl8pPr marL="3200400" indent="0">
+              <a:buNone/>
+              <a:defRPr sz="1000"/>
+            </a:lvl8pPr>
+            <a:lvl9pPr marL="3657600" indent="0">
+              <a:buNone/>
+              <a:defRPr sz="1000"/>
+            </a:lvl9pPr>
+          </a:lstStyle>
+          <a:p>
+            <a:pPr lvl="0"/>
+            <a:r>
+              <a:rPr lang="en-US"/>
+              <a:t>Click to edit Master text styles</a:t>
+            </a:r>
+          </a:p>
+        </p:txBody>
+      </p:sp>
+      <p:sp>
+        <p:nvSpPr>
+          <p:cNvPr id="5" name="Date Placeholder 4"/>
+          <p:cNvSpPr>
+            <a:spLocks noGrp="1"/>
+          </p:cNvSpPr>
+          <p:nvPr>
+            <p:ph type="dt" sz="half" idx="10"/>
+          </p:nvPr>
+        </p:nvSpPr>
+        <p:spPr/>
+        <p:txBody>
+          <a:bodyPr/>
+          <a:lstStyle/>
+          <a:p>
+            <a:fld id="{2D72B13E-33E1-4518-9566-D50598226E4B}" type="datetimeFigureOut">
+              <a:rPr lang="en-IL" smtClean="0"/>
+              <a:t>25/09/2025</a:t>
+            </a:fld>
+            <a:endParaRPr lang="en-IL"/>
+          </a:p>
+        </p:txBody>
+      </p:sp>
+      <p:sp>
+        <p:nvSpPr>
+          <p:cNvPr id="6" name="Footer Placeholder 5"/>
+          <p:cNvSpPr>
+            <a:spLocks noGrp="1"/>
+          </p:cNvSpPr>
+          <p:nvPr>
+            <p:ph type="ftr" sz="quarter" idx="11"/>
+          </p:nvPr>
+        </p:nvSpPr>
+        <p:spPr/>
+        <p:txBody>
+          <a:bodyPr/>
+          <a:lstStyle/>
+          <a:p>
+            <a:endParaRPr lang="en-IL"/>
+          </a:p>
+        </p:txBody>
+      </p:sp>
+      <p:sp>
+        <p:nvSpPr>
+          <p:cNvPr id="7" name="Slide Number Placeholder 6"/>
+          <p:cNvSpPr>
+            <a:spLocks noGrp="1"/>
+          </p:cNvSpPr>
+          <p:nvPr>
+            <p:ph type="sldNum" sz="quarter" idx="12"/>
+          </p:nvPr>
+        </p:nvSpPr>
+        <p:spPr>
+          <a:xfrm>
+            <a:off x="10729455" y="4711309"/>
+            <a:ext cx="1154151" cy="1090789"/>
+          </a:xfrm>
+        </p:spPr>
+        <p:txBody>
+          <a:bodyPr/>
+          <a:lstStyle/>
+          <a:p>
+            <a:fld id="{1BA5EC1C-4E08-4775-A2B3-6A693CC6E631}" type="slidenum">
+              <a:rPr lang="en-IL" smtClean="0"/>
+              <a:t>‹#›</a:t>
+            </a:fld>
+            <a:endParaRPr lang="en-IL"/>
+          </a:p>
+        </p:txBody>
+      </p:sp>
+    </p:spTree>
+    <p:extLst>
+      <p:ext uri="{BB962C8B-B14F-4D97-AF65-F5344CB8AC3E}">
+        <p14:creationId xmlns:p14="http://schemas.microsoft.com/office/powerpoint/2010/main" val="532607690"/>
+      </p:ext>
+    </p:extLst>
+  </p:cSld>
+  <p:clrMapOvr>
+    <a:masterClrMapping/>
+  </p:clrMapOvr>
+</p:sldLayout>
+</file>
+
+<file path=ppt/slideLayouts/slideLayout11.xml><?xml version="1.0" encoding="utf-8"?>
+<p:sldLayout xmlns:a="http://schemas.openxmlformats.org/drawingml/2006/main" xmlns:r="http://schemas.openxmlformats.org/officeDocument/2006/relationships" xmlns:p="http://schemas.openxmlformats.org/presentationml/2006/main" preserve="1">
+  <p:cSld name="Title and Caption">
+    <p:spTree>
+      <p:nvGrpSpPr>
+        <p:cNvPr id="1" name=""/>
+        <p:cNvGrpSpPr/>
+        <p:nvPr/>
+      </p:nvGrpSpPr>
+      <p:grpSpPr>
+        <a:xfrm>
+          <a:off x="0" y="0"/>
+          <a:ext cx="0" cy="0"/>
+          <a:chOff x="0" y="0"/>
+          <a:chExt cx="0" cy="0"/>
+        </a:xfrm>
+      </p:grpSpPr>
+      <p:pic>
+        <p:nvPicPr>
+          <p:cNvPr id="8" name="Picture 7" descr="HD-ShadowLong.png"/>
+          <p:cNvPicPr>
+            <a:picLocks noChangeAspect="1"/>
+          </p:cNvPicPr>
+          <p:nvPr/>
+        </p:nvPicPr>
+        <p:blipFill>
+          <a:blip r:embed="rId2">
+            <a:extLst>
+              <a:ext uri="{28A0092B-C50C-407E-A947-70E740481C1C}">
+                <a14:useLocalDpi xmlns:a14="http://schemas.microsoft.com/office/drawing/2010/main" val="0"/>
+              </a:ext>
+            </a:extLst>
+          </a:blip>
+          <a:stretch>
+            <a:fillRect/>
+          </a:stretch>
+        </p:blipFill>
+        <p:spPr>
+          <a:xfrm>
+            <a:off x="1" y="5928628"/>
+            <a:ext cx="10437812" cy="321164"/>
+          </a:xfrm>
+          <a:prstGeom prst="rect">
+            <a:avLst/>
+          </a:prstGeom>
+        </p:spPr>
+      </p:pic>
+      <p:pic>
+        <p:nvPicPr>
+          <p:cNvPr id="9" name="Picture 8" descr="HD-ShadowShort.png"/>
+          <p:cNvPicPr>
+            <a:picLocks noChangeAspect="1"/>
+          </p:cNvPicPr>
+          <p:nvPr/>
+        </p:nvPicPr>
+        <p:blipFill>
+          <a:blip r:embed="rId3">
+            <a:extLst>
+              <a:ext uri="{28A0092B-C50C-407E-A947-70E740481C1C}">
+                <a14:useLocalDpi xmlns:a14="http://schemas.microsoft.com/office/drawing/2010/main" val="0"/>
+              </a:ext>
+            </a:extLst>
+          </a:blip>
+          <a:stretch>
+            <a:fillRect/>
+          </a:stretch>
+        </p:blipFill>
+        <p:spPr>
+          <a:xfrm>
+            <a:off x="10585826" y="5929622"/>
+            <a:ext cx="1602997" cy="144270"/>
+          </a:xfrm>
+          <a:prstGeom prst="rect">
+            <a:avLst/>
+          </a:prstGeom>
+        </p:spPr>
+      </p:pic>
+      <p:sp>
+        <p:nvSpPr>
+          <p:cNvPr id="10" name="Rectangle 9"/>
+          <p:cNvSpPr/>
+          <p:nvPr/>
+        </p:nvSpPr>
+        <p:spPr bwMode="ltGray">
+          <a:xfrm>
+            <a:off x="0" y="4567988"/>
+            <a:ext cx="10437812" cy="1368198"/>
+          </a:xfrm>
+          <a:prstGeom prst="rect">
+            <a:avLst/>
+          </a:prstGeom>
+          <a:solidFill>
+            <a:schemeClr val="bg1">
+              <a:lumMod val="85000"/>
+              <a:lumOff val="15000"/>
+            </a:schemeClr>
+          </a:solidFill>
+          <a:ln>
+            <a:noFill/>
+          </a:ln>
+        </p:spPr>
+        <p:style>
+          <a:lnRef idx="2">
+            <a:schemeClr val="accent1">
+              <a:shade val="50000"/>
+            </a:schemeClr>
+          </a:lnRef>
+          <a:fillRef idx="1">
+            <a:schemeClr val="accent1"/>
+          </a:fillRef>
+          <a:effectRef idx="0">
+            <a:schemeClr val="accent1"/>
+          </a:effectRef>
+          <a:fontRef idx="minor">
+            <a:schemeClr val="lt1"/>
+          </a:fontRef>
+        </p:style>
+      </p:sp>
+      <p:sp>
+        <p:nvSpPr>
+          <p:cNvPr id="11" name="Rectangle 10"/>
+          <p:cNvSpPr/>
+          <p:nvPr/>
+        </p:nvSpPr>
+        <p:spPr>
+          <a:xfrm>
+            <a:off x="10585827" y="4567988"/>
+            <a:ext cx="1602997" cy="1368198"/>
+          </a:xfrm>
+          <a:prstGeom prst="rect">
+            <a:avLst/>
+          </a:prstGeom>
+          <a:solidFill>
+            <a:schemeClr val="accent1"/>
+          </a:solidFill>
+          <a:ln>
+            <a:noFill/>
+          </a:ln>
+        </p:spPr>
+        <p:style>
+          <a:lnRef idx="2">
+            <a:schemeClr val="accent1">
+              <a:shade val="50000"/>
+            </a:schemeClr>
+          </a:lnRef>
+          <a:fillRef idx="1">
+            <a:schemeClr val="accent1"/>
+          </a:fillRef>
+          <a:effectRef idx="0">
+            <a:schemeClr val="accent1"/>
+          </a:effectRef>
+          <a:fontRef idx="minor">
+            <a:schemeClr val="lt1"/>
+          </a:fontRef>
+        </p:style>
+      </p:sp>
+      <p:sp>
+        <p:nvSpPr>
+          <p:cNvPr id="2" name="Title 1"/>
+          <p:cNvSpPr>
+            <a:spLocks noGrp="1"/>
+          </p:cNvSpPr>
+          <p:nvPr>
+            <p:ph type="title"/>
+          </p:nvPr>
+        </p:nvSpPr>
+        <p:spPr>
+          <a:xfrm>
+            <a:off x="680322" y="609597"/>
+            <a:ext cx="9613858" cy="3592750"/>
+          </a:xfrm>
+        </p:spPr>
+        <p:txBody>
+          <a:bodyPr anchor="ctr"/>
+          <a:lstStyle>
+            <a:lvl1pPr>
+              <a:defRPr sz="3200"/>
+            </a:lvl1pPr>
+          </a:lstStyle>
+          <a:p>
+            <a:r>
+              <a:rPr lang="en-US"/>
+              <a:t>Click to edit Master title style</a:t>
+            </a:r>
+            <a:endParaRPr lang="en-US" dirty="0"/>
+          </a:p>
+        </p:txBody>
+      </p:sp>
+      <p:sp>
+        <p:nvSpPr>
+          <p:cNvPr id="4" name="Text Placeholder 3"/>
+          <p:cNvSpPr>
+            <a:spLocks noGrp="1"/>
+          </p:cNvSpPr>
+          <p:nvPr>
+            <p:ph type="body" sz="half" idx="2"/>
+          </p:nvPr>
+        </p:nvSpPr>
+        <p:spPr>
+          <a:xfrm>
+            <a:off x="680322" y="4711615"/>
+            <a:ext cx="9613859" cy="1090789"/>
+          </a:xfrm>
+        </p:spPr>
+        <p:txBody>
+          <a:bodyPr anchor="ctr"/>
+          <a:lstStyle>
+            <a:lvl1pPr marL="0" indent="0">
+              <a:buNone/>
+              <a:defRPr sz="1600"/>
+            </a:lvl1pPr>
+            <a:lvl2pPr marL="457200" indent="0">
+              <a:buNone/>
+              <a:defRPr sz="1400"/>
+            </a:lvl2pPr>
+            <a:lvl3pPr marL="914400" indent="0">
+              <a:buNone/>
+              <a:defRPr sz="1200"/>
+            </a:lvl3pPr>
+            <a:lvl4pPr marL="1371600" indent="0">
+              <a:buNone/>
+              <a:defRPr sz="1000"/>
+            </a:lvl4pPr>
+            <a:lvl5pPr marL="1828800" indent="0">
+              <a:buNone/>
+              <a:defRPr sz="1000"/>
+            </a:lvl5pPr>
+            <a:lvl6pPr marL="2286000" indent="0">
+              <a:buNone/>
+              <a:defRPr sz="1000"/>
+            </a:lvl6pPr>
+            <a:lvl7pPr marL="2743200" indent="0">
+              <a:buNone/>
+              <a:defRPr sz="1000"/>
+            </a:lvl7pPr>
+            <a:lvl8pPr marL="3200400" indent="0">
+              <a:buNone/>
+              <a:defRPr sz="1000"/>
+            </a:lvl8pPr>
+            <a:lvl9pPr marL="3657600" indent="0">
+              <a:buNone/>
+              <a:defRPr sz="1000"/>
+            </a:lvl9pPr>
+          </a:lstStyle>
+          <a:p>
+            <a:pPr lvl="0"/>
+            <a:r>
+              <a:rPr lang="en-US"/>
+              <a:t>Click to edit Master text styles</a:t>
+            </a:r>
+          </a:p>
+        </p:txBody>
+      </p:sp>
+      <p:sp>
+        <p:nvSpPr>
+          <p:cNvPr id="5" name="Date Placeholder 4"/>
+          <p:cNvSpPr>
+            <a:spLocks noGrp="1"/>
+          </p:cNvSpPr>
+          <p:nvPr>
+            <p:ph type="dt" sz="half" idx="10"/>
+          </p:nvPr>
+        </p:nvSpPr>
+        <p:spPr/>
+        <p:txBody>
+          <a:bodyPr/>
+          <a:lstStyle/>
+          <a:p>
+            <a:fld id="{2D72B13E-33E1-4518-9566-D50598226E4B}" type="datetimeFigureOut">
+              <a:rPr lang="en-IL" smtClean="0"/>
+              <a:t>25/09/2025</a:t>
+            </a:fld>
+            <a:endParaRPr lang="en-IL"/>
+          </a:p>
+        </p:txBody>
+      </p:sp>
+      <p:sp>
+        <p:nvSpPr>
+          <p:cNvPr id="6" name="Footer Placeholder 5"/>
+          <p:cNvSpPr>
+            <a:spLocks noGrp="1"/>
+          </p:cNvSpPr>
+          <p:nvPr>
+            <p:ph type="ftr" sz="quarter" idx="11"/>
+          </p:nvPr>
+        </p:nvSpPr>
+        <p:spPr/>
+        <p:txBody>
+          <a:bodyPr/>
+          <a:lstStyle/>
+          <a:p>
+            <a:endParaRPr lang="en-IL"/>
+          </a:p>
+        </p:txBody>
+      </p:sp>
+      <p:sp>
+        <p:nvSpPr>
+          <p:cNvPr id="7" name="Slide Number Placeholder 6"/>
+          <p:cNvSpPr>
+            <a:spLocks noGrp="1"/>
+          </p:cNvSpPr>
+          <p:nvPr>
+            <p:ph type="sldNum" sz="quarter" idx="12"/>
+          </p:nvPr>
+        </p:nvSpPr>
+        <p:spPr>
+          <a:xfrm>
+            <a:off x="10729455" y="4711615"/>
+            <a:ext cx="1154151" cy="1090789"/>
+          </a:xfrm>
+        </p:spPr>
+        <p:txBody>
+          <a:bodyPr/>
+          <a:lstStyle/>
+          <a:p>
+            <a:fld id="{1BA5EC1C-4E08-4775-A2B3-6A693CC6E631}" type="slidenum">
+              <a:rPr lang="en-IL" smtClean="0"/>
+              <a:t>‹#›</a:t>
+            </a:fld>
+            <a:endParaRPr lang="en-IL"/>
+          </a:p>
+        </p:txBody>
+      </p:sp>
+    </p:spTree>
+    <p:extLst>
+      <p:ext uri="{BB962C8B-B14F-4D97-AF65-F5344CB8AC3E}">
+        <p14:creationId xmlns:p14="http://schemas.microsoft.com/office/powerpoint/2010/main" val="868192768"/>
+      </p:ext>
+    </p:extLst>
+  </p:cSld>
+  <p:clrMapOvr>
+    <a:masterClrMapping/>
+  </p:clrMapOvr>
+</p:sldLayout>
+</file>
+
+<file path=ppt/slideLayouts/slideLayout12.xml><?xml version="1.0" encoding="utf-8"?>
+<p:sldLayout xmlns:a="http://schemas.openxmlformats.org/drawingml/2006/main" xmlns:r="http://schemas.openxmlformats.org/officeDocument/2006/relationships" xmlns:p="http://schemas.openxmlformats.org/presentationml/2006/main" preserve="1">
+  <p:cSld name="Quote with Caption">
+    <p:spTree>
+      <p:nvGrpSpPr>
+        <p:cNvPr id="1" name=""/>
+        <p:cNvGrpSpPr/>
+        <p:nvPr/>
+      </p:nvGrpSpPr>
+      <p:grpSpPr>
+        <a:xfrm>
+          <a:off x="0" y="0"/>
+          <a:ext cx="0" cy="0"/>
+          <a:chOff x="0" y="0"/>
+          <a:chExt cx="0" cy="0"/>
+        </a:xfrm>
+      </p:grpSpPr>
+      <p:pic>
+        <p:nvPicPr>
+          <p:cNvPr id="11" name="Picture 10" descr="HD-ShadowLong.png"/>
+          <p:cNvPicPr>
+            <a:picLocks noChangeAspect="1"/>
+          </p:cNvPicPr>
+          <p:nvPr/>
+        </p:nvPicPr>
+        <p:blipFill>
+          <a:blip r:embed="rId2">
+            <a:extLst>
+              <a:ext uri="{28A0092B-C50C-407E-A947-70E740481C1C}">
+                <a14:useLocalDpi xmlns:a14="http://schemas.microsoft.com/office/drawing/2010/main" val="0"/>
+              </a:ext>
+            </a:extLst>
+          </a:blip>
+          <a:stretch>
+            <a:fillRect/>
+          </a:stretch>
+        </p:blipFill>
+        <p:spPr>
+          <a:xfrm>
+            <a:off x="1" y="5928628"/>
+            <a:ext cx="10437812" cy="321164"/>
+          </a:xfrm>
+          <a:prstGeom prst="rect">
+            <a:avLst/>
+          </a:prstGeom>
+        </p:spPr>
+      </p:pic>
+      <p:pic>
+        <p:nvPicPr>
+          <p:cNvPr id="13" name="Picture 12" descr="HD-ShadowShort.png"/>
+          <p:cNvPicPr>
+            <a:picLocks noChangeAspect="1"/>
+          </p:cNvPicPr>
+          <p:nvPr/>
+        </p:nvPicPr>
+        <p:blipFill>
+          <a:blip r:embed="rId3">
+            <a:extLst>
+              <a:ext uri="{28A0092B-C50C-407E-A947-70E740481C1C}">
+                <a14:useLocalDpi xmlns:a14="http://schemas.microsoft.com/office/drawing/2010/main" val="0"/>
+              </a:ext>
+            </a:extLst>
+          </a:blip>
+          <a:stretch>
+            <a:fillRect/>
+          </a:stretch>
+        </p:blipFill>
+        <p:spPr>
+          <a:xfrm>
+            <a:off x="10585826" y="5929622"/>
+            <a:ext cx="1602997" cy="144270"/>
+          </a:xfrm>
+          <a:prstGeom prst="rect">
+            <a:avLst/>
+          </a:prstGeom>
+        </p:spPr>
+      </p:pic>
+      <p:sp>
+        <p:nvSpPr>
+          <p:cNvPr id="14" name="Rectangle 13"/>
+          <p:cNvSpPr/>
+          <p:nvPr/>
+        </p:nvSpPr>
+        <p:spPr bwMode="ltGray">
+          <a:xfrm>
+            <a:off x="0" y="4567988"/>
+            <a:ext cx="10437812" cy="1368198"/>
+          </a:xfrm>
+          <a:prstGeom prst="rect">
+            <a:avLst/>
+          </a:prstGeom>
+          <a:solidFill>
+            <a:schemeClr val="bg1">
+              <a:lumMod val="85000"/>
+              <a:lumOff val="15000"/>
+            </a:schemeClr>
+          </a:solidFill>
+          <a:ln>
+            <a:noFill/>
+          </a:ln>
+        </p:spPr>
+        <p:style>
+          <a:lnRef idx="2">
+            <a:schemeClr val="accent1">
+              <a:shade val="50000"/>
+            </a:schemeClr>
+          </a:lnRef>
+          <a:fillRef idx="1">
+            <a:schemeClr val="accent1"/>
+          </a:fillRef>
+          <a:effectRef idx="0">
+            <a:schemeClr val="accent1"/>
+          </a:effectRef>
+          <a:fontRef idx="minor">
+            <a:schemeClr val="lt1"/>
+          </a:fontRef>
+        </p:style>
+      </p:sp>
+      <p:sp>
+        <p:nvSpPr>
+          <p:cNvPr id="15" name="Rectangle 14"/>
+          <p:cNvSpPr/>
+          <p:nvPr/>
+        </p:nvSpPr>
+        <p:spPr>
+          <a:xfrm>
+            <a:off x="10585827" y="4567988"/>
+            <a:ext cx="1602997" cy="1368198"/>
+          </a:xfrm>
+          <a:prstGeom prst="rect">
+            <a:avLst/>
+          </a:prstGeom>
+          <a:solidFill>
+            <a:schemeClr val="accent1"/>
+          </a:solidFill>
+          <a:ln>
+            <a:noFill/>
+          </a:ln>
+        </p:spPr>
+        <p:style>
+          <a:lnRef idx="2">
+            <a:schemeClr val="accent1">
+              <a:shade val="50000"/>
+            </a:schemeClr>
+          </a:lnRef>
+          <a:fillRef idx="1">
+            <a:schemeClr val="accent1"/>
+          </a:fillRef>
+          <a:effectRef idx="0">
+            <a:schemeClr val="accent1"/>
+          </a:effectRef>
+          <a:fontRef idx="minor">
+            <a:schemeClr val="lt1"/>
+          </a:fontRef>
+        </p:style>
+      </p:sp>
+      <p:sp>
+        <p:nvSpPr>
+          <p:cNvPr id="2" name="Title 1"/>
+          <p:cNvSpPr>
+            <a:spLocks noGrp="1"/>
+          </p:cNvSpPr>
+          <p:nvPr>
+            <p:ph type="title"/>
+          </p:nvPr>
+        </p:nvSpPr>
+        <p:spPr>
+          <a:xfrm>
+            <a:off x="1127856" y="609598"/>
+            <a:ext cx="8718877" cy="3036061"/>
+          </a:xfrm>
+        </p:spPr>
+        <p:txBody>
+          <a:bodyPr anchor="ctr"/>
+          <a:lstStyle>
+            <a:lvl1pPr>
+              <a:defRPr sz="3200"/>
+            </a:lvl1pPr>
+          </a:lstStyle>
+          <a:p>
+            <a:r>
+              <a:rPr lang="en-US"/>
+              <a:t>Click to edit Master title style</a:t>
+            </a:r>
+            <a:endParaRPr lang="en-US" dirty="0"/>
+          </a:p>
+        </p:txBody>
+      </p:sp>
+      <p:sp>
+        <p:nvSpPr>
+          <p:cNvPr id="12" name="Text Placeholder 3"/>
+          <p:cNvSpPr>
+            <a:spLocks noGrp="1"/>
+          </p:cNvSpPr>
+          <p:nvPr>
+            <p:ph type="body" sz="half" idx="13"/>
+          </p:nvPr>
+        </p:nvSpPr>
+        <p:spPr>
+          <a:xfrm>
+            <a:off x="1402288" y="3653379"/>
+            <a:ext cx="8156579" cy="548968"/>
+          </a:xfrm>
+        </p:spPr>
+        <p:txBody>
+          <a:bodyPr anchor="t">
+            <a:normAutofit/>
+          </a:bodyPr>
+          <a:lstStyle>
+            <a:lvl1pPr marL="0" indent="0">
+              <a:buNone/>
+              <a:defRPr sz="1400"/>
+            </a:lvl1pPr>
+            <a:lvl2pPr marL="457200" indent="0">
+              <a:buNone/>
+              <a:defRPr sz="1400"/>
+            </a:lvl2pPr>
+            <a:lvl3pPr marL="914400" indent="0">
+              <a:buNone/>
+              <a:defRPr sz="1200"/>
+            </a:lvl3pPr>
+            <a:lvl4pPr marL="1371600" indent="0">
+              <a:buNone/>
+              <a:defRPr sz="1000"/>
+            </a:lvl4pPr>
+            <a:lvl5pPr marL="1828800" indent="0">
+              <a:buNone/>
+              <a:defRPr sz="1000"/>
+            </a:lvl5pPr>
+            <a:lvl6pPr marL="2286000" indent="0">
+              <a:buNone/>
+              <a:defRPr sz="1000"/>
+            </a:lvl6pPr>
+            <a:lvl7pPr marL="2743200" indent="0">
+              <a:buNone/>
+              <a:defRPr sz="1000"/>
+            </a:lvl7pPr>
+            <a:lvl8pPr marL="3200400" indent="0">
+              <a:buNone/>
+              <a:defRPr sz="1000"/>
+            </a:lvl8pPr>
+            <a:lvl9pPr marL="3657600" indent="0">
+              <a:buNone/>
+              <a:defRPr sz="1000"/>
+            </a:lvl9pPr>
+          </a:lstStyle>
+          <a:p>
+            <a:pPr lvl="0"/>
+            <a:r>
+              <a:rPr lang="en-US"/>
+              <a:t>Click to edit Master text styles</a:t>
+            </a:r>
+          </a:p>
+        </p:txBody>
+      </p:sp>
+      <p:sp>
+        <p:nvSpPr>
+          <p:cNvPr id="4" name="Text Placeholder 3"/>
+          <p:cNvSpPr>
+            <a:spLocks noGrp="1"/>
+          </p:cNvSpPr>
+          <p:nvPr>
+            <p:ph type="body" sz="half" idx="2"/>
+          </p:nvPr>
+        </p:nvSpPr>
+        <p:spPr>
+          <a:xfrm>
+            <a:off x="680322" y="4711615"/>
+            <a:ext cx="9613859" cy="1090789"/>
+          </a:xfrm>
+        </p:spPr>
+        <p:txBody>
+          <a:bodyPr anchor="ctr">
+            <a:normAutofit/>
+          </a:bodyPr>
+          <a:lstStyle>
+            <a:lvl1pPr marL="0" indent="0">
+              <a:buNone/>
+              <a:defRPr sz="1600"/>
+            </a:lvl1pPr>
+            <a:lvl2pPr marL="457200" indent="0">
+              <a:buNone/>
+              <a:defRPr sz="1400"/>
+            </a:lvl2pPr>
+            <a:lvl3pPr marL="914400" indent="0">
+              <a:buNone/>
+              <a:defRPr sz="1200"/>
+            </a:lvl3pPr>
+            <a:lvl4pPr marL="1371600" indent="0">
+              <a:buNone/>
+              <a:defRPr sz="1000"/>
+            </a:lvl4pPr>
+            <a:lvl5pPr marL="1828800" indent="0">
+              <a:buNone/>
+              <a:defRPr sz="1000"/>
+            </a:lvl5pPr>
+            <a:lvl6pPr marL="2286000" indent="0">
+              <a:buNone/>
+              <a:defRPr sz="1000"/>
+            </a:lvl6pPr>
+            <a:lvl7pPr marL="2743200" indent="0">
+              <a:buNone/>
+              <a:defRPr sz="1000"/>
+            </a:lvl7pPr>
+            <a:lvl8pPr marL="3200400" indent="0">
+              <a:buNone/>
+              <a:defRPr sz="1000"/>
+            </a:lvl8pPr>
+            <a:lvl9pPr marL="3657600" indent="0">
+              <a:buNone/>
+              <a:defRPr sz="1000"/>
+            </a:lvl9pPr>
+          </a:lstStyle>
+          <a:p>
+            <a:pPr lvl="0"/>
+            <a:r>
+              <a:rPr lang="en-US"/>
+              <a:t>Click to edit Master text styles</a:t>
+            </a:r>
+          </a:p>
+        </p:txBody>
+      </p:sp>
+      <p:sp>
+        <p:nvSpPr>
+          <p:cNvPr id="5" name="Date Placeholder 4"/>
+          <p:cNvSpPr>
+            <a:spLocks noGrp="1"/>
+          </p:cNvSpPr>
+          <p:nvPr>
+            <p:ph type="dt" sz="half" idx="10"/>
+          </p:nvPr>
+        </p:nvSpPr>
+        <p:spPr/>
+        <p:txBody>
+          <a:bodyPr/>
+          <a:lstStyle/>
+          <a:p>
+            <a:fld id="{2D72B13E-33E1-4518-9566-D50598226E4B}" type="datetimeFigureOut">
+              <a:rPr lang="en-IL" smtClean="0"/>
+              <a:t>25/09/2025</a:t>
+            </a:fld>
+            <a:endParaRPr lang="en-IL"/>
+          </a:p>
+        </p:txBody>
+      </p:sp>
+      <p:sp>
+        <p:nvSpPr>
+          <p:cNvPr id="6" name="Footer Placeholder 5"/>
+          <p:cNvSpPr>
+            <a:spLocks noGrp="1"/>
+          </p:cNvSpPr>
+          <p:nvPr>
+            <p:ph type="ftr" sz="quarter" idx="11"/>
+          </p:nvPr>
+        </p:nvSpPr>
+        <p:spPr/>
+        <p:txBody>
+          <a:bodyPr/>
+          <a:lstStyle/>
+          <a:p>
+            <a:endParaRPr lang="en-IL"/>
+          </a:p>
+        </p:txBody>
+      </p:sp>
+      <p:sp>
+        <p:nvSpPr>
+          <p:cNvPr id="7" name="Slide Number Placeholder 6"/>
+          <p:cNvSpPr>
+            <a:spLocks noGrp="1"/>
+          </p:cNvSpPr>
+          <p:nvPr>
+            <p:ph type="sldNum" sz="quarter" idx="12"/>
+          </p:nvPr>
+        </p:nvSpPr>
+        <p:spPr>
+          <a:xfrm>
+            <a:off x="10729455" y="4709925"/>
+            <a:ext cx="1154151" cy="1090789"/>
+          </a:xfrm>
+        </p:spPr>
+        <p:txBody>
+          <a:bodyPr/>
+          <a:lstStyle/>
+          <a:p>
+            <a:fld id="{1BA5EC1C-4E08-4775-A2B3-6A693CC6E631}" type="slidenum">
+              <a:rPr lang="en-IL" smtClean="0"/>
+              <a:t>‹#›</a:t>
+            </a:fld>
+            <a:endParaRPr lang="en-IL"/>
+          </a:p>
+        </p:txBody>
+      </p:sp>
+      <p:sp>
+        <p:nvSpPr>
+          <p:cNvPr id="16" name="TextBox 15"/>
+          <p:cNvSpPr txBox="1"/>
+          <p:nvPr/>
+        </p:nvSpPr>
+        <p:spPr>
+          <a:xfrm>
+            <a:off x="583572" y="748116"/>
+            <a:ext cx="609600" cy="584776"/>
+          </a:xfrm>
+          <a:prstGeom prst="rect">
+            <a:avLst/>
+          </a:prstGeom>
+        </p:spPr>
+        <p:txBody>
+          <a:bodyPr vert="horz" lIns="91440" tIns="45720" rIns="91440" bIns="45720" rtlCol="0" anchor="ctr">
+            <a:noAutofit/>
+          </a:bodyPr>
+          <a:lstStyle>
+            <a:lvl1pPr>
+              <a:spcBef>
+                <a:spcPct val="0"/>
+              </a:spcBef>
+              <a:buNone/>
+              <a:defRPr sz="3200" b="0" cap="all">
+                <a:ln w="3175" cmpd="sng">
+                  <a:noFill/>
+                </a:ln>
+                <a:effectLst>
+                  <a:glow rad="38100">
+                    <a:schemeClr val="bg1">
+                      <a:lumMod val="65000"/>
+                      <a:lumOff val="35000"/>
+                      <a:alpha val="40000"/>
+                    </a:schemeClr>
+                  </a:glow>
+                  <a:outerShdw blurRad="28575" dist="38100" dir="14040000" algn="tl" rotWithShape="0">
+                    <a:srgbClr val="000000">
+                      <a:alpha val="25000"/>
+                    </a:srgbClr>
+                  </a:outerShdw>
+                </a:effectLst>
+              </a:defRPr>
+            </a:lvl1pPr>
+            <a:lvl2pPr>
+              <a:defRPr>
+                <a:solidFill>
+                  <a:schemeClr val="tx2"/>
+                </a:solidFill>
+              </a:defRPr>
+            </a:lvl2pPr>
+            <a:lvl3pPr>
+              <a:defRPr>
+                <a:solidFill>
+                  <a:schemeClr val="tx2"/>
+                </a:solidFill>
+              </a:defRPr>
+            </a:lvl3pPr>
+            <a:lvl4pPr>
+              <a:defRPr>
+                <a:solidFill>
+                  <a:schemeClr val="tx2"/>
+                </a:solidFill>
+              </a:defRPr>
+            </a:lvl4pPr>
+            <a:lvl5pPr>
+              <a:defRPr>
+                <a:solidFill>
+                  <a:schemeClr val="tx2"/>
+                </a:solidFill>
+              </a:defRPr>
+            </a:lvl5pPr>
+            <a:lvl6pPr>
+              <a:defRPr>
+                <a:solidFill>
+                  <a:schemeClr val="tx2"/>
+                </a:solidFill>
+              </a:defRPr>
+            </a:lvl6pPr>
+            <a:lvl7pPr>
+              <a:defRPr>
+                <a:solidFill>
+                  <a:schemeClr val="tx2"/>
+                </a:solidFill>
+              </a:defRPr>
+            </a:lvl7pPr>
+            <a:lvl8pPr>
+              <a:defRPr>
+                <a:solidFill>
+                  <a:schemeClr val="tx2"/>
+                </a:solidFill>
+              </a:defRPr>
+            </a:lvl8pPr>
+            <a:lvl9pPr>
+              <a:defRPr>
+                <a:solidFill>
+                  <a:schemeClr val="tx2"/>
+                </a:solidFill>
+              </a:defRPr>
+            </a:lvl9pPr>
+          </a:lstStyle>
+          <a:p>
+            <a:pPr lvl="0"/>
+            <a:r>
+              <a:rPr lang="en-US" sz="7200" dirty="0">
+                <a:solidFill>
+                  <a:schemeClr val="tx1"/>
+                </a:solidFill>
+                <a:effectLst/>
+              </a:rPr>
+              <a:t>“</a:t>
+            </a:r>
+          </a:p>
+        </p:txBody>
+      </p:sp>
+      <p:sp>
+        <p:nvSpPr>
+          <p:cNvPr id="17" name="TextBox 16"/>
+          <p:cNvSpPr txBox="1"/>
+          <p:nvPr/>
+        </p:nvSpPr>
+        <p:spPr>
+          <a:xfrm>
+            <a:off x="9662809" y="3033524"/>
+            <a:ext cx="609600" cy="584776"/>
+          </a:xfrm>
+          <a:prstGeom prst="rect">
+            <a:avLst/>
+          </a:prstGeom>
+        </p:spPr>
+        <p:txBody>
+          <a:bodyPr vert="horz" lIns="91440" tIns="45720" rIns="91440" bIns="45720" rtlCol="0" anchor="ctr">
+            <a:noAutofit/>
+          </a:bodyPr>
+          <a:lstStyle>
+            <a:lvl1pPr>
+              <a:spcBef>
+                <a:spcPct val="0"/>
+              </a:spcBef>
+              <a:buNone/>
+              <a:defRPr sz="3200" b="0" cap="all">
+                <a:ln w="3175" cmpd="sng">
+                  <a:noFill/>
+                </a:ln>
+                <a:effectLst>
+                  <a:glow rad="38100">
+                    <a:schemeClr val="bg1">
+                      <a:lumMod val="65000"/>
+                      <a:lumOff val="35000"/>
+                      <a:alpha val="40000"/>
+                    </a:schemeClr>
+                  </a:glow>
+                  <a:outerShdw blurRad="28575" dist="38100" dir="14040000" algn="tl" rotWithShape="0">
+                    <a:srgbClr val="000000">
+                      <a:alpha val="25000"/>
+                    </a:srgbClr>
+                  </a:outerShdw>
+                </a:effectLst>
+              </a:defRPr>
+            </a:lvl1pPr>
+            <a:lvl2pPr>
+              <a:defRPr>
+                <a:solidFill>
+                  <a:schemeClr val="tx2"/>
+                </a:solidFill>
+              </a:defRPr>
+            </a:lvl2pPr>
+            <a:lvl3pPr>
+              <a:defRPr>
+                <a:solidFill>
+                  <a:schemeClr val="tx2"/>
+                </a:solidFill>
+              </a:defRPr>
+            </a:lvl3pPr>
+            <a:lvl4pPr>
+              <a:defRPr>
+                <a:solidFill>
+                  <a:schemeClr val="tx2"/>
+                </a:solidFill>
+              </a:defRPr>
+            </a:lvl4pPr>
+            <a:lvl5pPr>
+              <a:defRPr>
+                <a:solidFill>
+                  <a:schemeClr val="tx2"/>
+                </a:solidFill>
+              </a:defRPr>
+            </a:lvl5pPr>
+            <a:lvl6pPr>
+              <a:defRPr>
+                <a:solidFill>
+                  <a:schemeClr val="tx2"/>
+                </a:solidFill>
+              </a:defRPr>
+            </a:lvl6pPr>
+            <a:lvl7pPr>
+              <a:defRPr>
+                <a:solidFill>
+                  <a:schemeClr val="tx2"/>
+                </a:solidFill>
+              </a:defRPr>
+            </a:lvl7pPr>
+            <a:lvl8pPr>
+              <a:defRPr>
+                <a:solidFill>
+                  <a:schemeClr val="tx2"/>
+                </a:solidFill>
+              </a:defRPr>
+            </a:lvl8pPr>
+            <a:lvl9pPr>
+              <a:defRPr>
+                <a:solidFill>
+                  <a:schemeClr val="tx2"/>
+                </a:solidFill>
+              </a:defRPr>
+            </a:lvl9pPr>
+          </a:lstStyle>
+          <a:p>
+            <a:pPr lvl="0" algn="r"/>
+            <a:r>
+              <a:rPr lang="en-US" sz="7200" dirty="0">
+                <a:solidFill>
+                  <a:schemeClr val="tx1"/>
+                </a:solidFill>
+                <a:effectLst/>
+              </a:rPr>
+              <a:t>”</a:t>
+            </a:r>
+          </a:p>
+        </p:txBody>
+      </p:sp>
+    </p:spTree>
+    <p:extLst>
+      <p:ext uri="{BB962C8B-B14F-4D97-AF65-F5344CB8AC3E}">
+        <p14:creationId xmlns:p14="http://schemas.microsoft.com/office/powerpoint/2010/main" val="2494969179"/>
+      </p:ext>
+    </p:extLst>
+  </p:cSld>
+  <p:clrMapOvr>
+    <a:masterClrMapping/>
+  </p:clrMapOvr>
+</p:sldLayout>
+</file>
+
+<file path=ppt/slideLayouts/slideLayout13.xml><?xml version="1.0" encoding="utf-8"?>
+<p:sldLayout xmlns:a="http://schemas.openxmlformats.org/drawingml/2006/main" xmlns:r="http://schemas.openxmlformats.org/officeDocument/2006/relationships" xmlns:p="http://schemas.openxmlformats.org/presentationml/2006/main" preserve="1">
+  <p:cSld name="Name Card">
+    <p:spTree>
+      <p:nvGrpSpPr>
+        <p:cNvPr id="1" name=""/>
+        <p:cNvGrpSpPr/>
+        <p:nvPr/>
+      </p:nvGrpSpPr>
+      <p:grpSpPr>
+        <a:xfrm>
+          <a:off x="0" y="0"/>
+          <a:ext cx="0" cy="0"/>
+          <a:chOff x="0" y="0"/>
+          <a:chExt cx="0" cy="0"/>
+        </a:xfrm>
+      </p:grpSpPr>
+      <p:pic>
+        <p:nvPicPr>
+          <p:cNvPr id="9" name="Picture 8" descr="HD-ShadowLong.png"/>
+          <p:cNvPicPr>
+            <a:picLocks noChangeAspect="1"/>
+          </p:cNvPicPr>
+          <p:nvPr/>
+        </p:nvPicPr>
+        <p:blipFill>
+          <a:blip r:embed="rId2">
+            <a:extLst>
+              <a:ext uri="{28A0092B-C50C-407E-A947-70E740481C1C}">
+                <a14:useLocalDpi xmlns:a14="http://schemas.microsoft.com/office/drawing/2010/main" val="0"/>
+              </a:ext>
+            </a:extLst>
+          </a:blip>
+          <a:stretch>
+            <a:fillRect/>
+          </a:stretch>
+        </p:blipFill>
+        <p:spPr>
+          <a:xfrm>
+            <a:off x="1" y="5928628"/>
+            <a:ext cx="10437812" cy="321164"/>
+          </a:xfrm>
+          <a:prstGeom prst="rect">
+            <a:avLst/>
+          </a:prstGeom>
+        </p:spPr>
+      </p:pic>
+      <p:pic>
+        <p:nvPicPr>
+          <p:cNvPr id="10" name="Picture 9" descr="HD-ShadowShort.png"/>
+          <p:cNvPicPr>
+            <a:picLocks noChangeAspect="1"/>
+          </p:cNvPicPr>
+          <p:nvPr/>
+        </p:nvPicPr>
+        <p:blipFill>
+          <a:blip r:embed="rId3">
+            <a:extLst>
+              <a:ext uri="{28A0092B-C50C-407E-A947-70E740481C1C}">
+                <a14:useLocalDpi xmlns:a14="http://schemas.microsoft.com/office/drawing/2010/main" val="0"/>
+              </a:ext>
+            </a:extLst>
+          </a:blip>
+          <a:stretch>
+            <a:fillRect/>
+          </a:stretch>
+        </p:blipFill>
+        <p:spPr>
+          <a:xfrm>
+            <a:off x="10585826" y="5929622"/>
+            <a:ext cx="1602997" cy="144270"/>
+          </a:xfrm>
+          <a:prstGeom prst="rect">
+            <a:avLst/>
+          </a:prstGeom>
+        </p:spPr>
+      </p:pic>
+      <p:sp>
+        <p:nvSpPr>
+          <p:cNvPr id="11" name="Rectangle 10"/>
+          <p:cNvSpPr/>
+          <p:nvPr/>
+        </p:nvSpPr>
+        <p:spPr bwMode="ltGray">
+          <a:xfrm>
+            <a:off x="0" y="4567988"/>
+            <a:ext cx="10437812" cy="1368198"/>
+          </a:xfrm>
+          <a:prstGeom prst="rect">
+            <a:avLst/>
+          </a:prstGeom>
+          <a:solidFill>
+            <a:schemeClr val="bg1">
+              <a:lumMod val="85000"/>
+              <a:lumOff val="15000"/>
+            </a:schemeClr>
+          </a:solidFill>
+          <a:ln>
+            <a:noFill/>
+          </a:ln>
+        </p:spPr>
+        <p:style>
+          <a:lnRef idx="2">
+            <a:schemeClr val="accent1">
+              <a:shade val="50000"/>
+            </a:schemeClr>
+          </a:lnRef>
+          <a:fillRef idx="1">
+            <a:schemeClr val="accent1"/>
+          </a:fillRef>
+          <a:effectRef idx="0">
+            <a:schemeClr val="accent1"/>
+          </a:effectRef>
+          <a:fontRef idx="minor">
+            <a:schemeClr val="lt1"/>
+          </a:fontRef>
+        </p:style>
+      </p:sp>
+      <p:sp>
+        <p:nvSpPr>
+          <p:cNvPr id="12" name="Rectangle 11"/>
+          <p:cNvSpPr/>
+          <p:nvPr/>
+        </p:nvSpPr>
+        <p:spPr>
+          <a:xfrm>
+            <a:off x="10585827" y="4567988"/>
+            <a:ext cx="1602997" cy="1368198"/>
+          </a:xfrm>
+          <a:prstGeom prst="rect">
+            <a:avLst/>
+          </a:prstGeom>
+          <a:solidFill>
+            <a:schemeClr val="accent1"/>
+          </a:solidFill>
+          <a:ln>
+            <a:noFill/>
+          </a:ln>
+        </p:spPr>
+        <p:style>
+          <a:lnRef idx="2">
+            <a:schemeClr val="accent1">
+              <a:shade val="50000"/>
+            </a:schemeClr>
+          </a:lnRef>
+          <a:fillRef idx="1">
+            <a:schemeClr val="accent1"/>
+          </a:fillRef>
+          <a:effectRef idx="0">
+            <a:schemeClr val="accent1"/>
+          </a:effectRef>
+          <a:fontRef idx="minor">
+            <a:schemeClr val="lt1"/>
+          </a:fontRef>
+        </p:style>
+      </p:sp>
+      <p:sp>
+        <p:nvSpPr>
+          <p:cNvPr id="2" name="Title 1"/>
+          <p:cNvSpPr>
+            <a:spLocks noGrp="1"/>
+          </p:cNvSpPr>
+          <p:nvPr>
+            <p:ph type="title"/>
+          </p:nvPr>
+        </p:nvSpPr>
+        <p:spPr>
+          <a:xfrm>
+            <a:off x="680319" y="4711615"/>
+            <a:ext cx="9613862" cy="588535"/>
+          </a:xfrm>
+        </p:spPr>
+        <p:txBody>
+          <a:bodyPr anchor="b"/>
+          <a:lstStyle>
+            <a:lvl1pPr>
+              <a:defRPr sz="3200"/>
+            </a:lvl1pPr>
+          </a:lstStyle>
+          <a:p>
+            <a:r>
+              <a:rPr lang="en-US"/>
+              <a:t>Click to edit Master title style</a:t>
+            </a:r>
+            <a:endParaRPr lang="en-US" dirty="0"/>
+          </a:p>
+        </p:txBody>
+      </p:sp>
+      <p:sp>
+        <p:nvSpPr>
+          <p:cNvPr id="4" name="Text Placeholder 3"/>
+          <p:cNvSpPr>
+            <a:spLocks noGrp="1"/>
+          </p:cNvSpPr>
+          <p:nvPr>
+            <p:ph type="body" sz="half" idx="2"/>
+          </p:nvPr>
+        </p:nvSpPr>
+        <p:spPr>
+          <a:xfrm>
+            <a:off x="680320" y="5300149"/>
+            <a:ext cx="9613862" cy="502255"/>
+          </a:xfrm>
+        </p:spPr>
+        <p:txBody>
+          <a:bodyPr anchor="t"/>
+          <a:lstStyle>
+            <a:lvl1pPr marL="0" indent="0">
+              <a:buNone/>
+              <a:defRPr sz="1600"/>
+            </a:lvl1pPr>
+            <a:lvl2pPr marL="457200" indent="0">
+              <a:buNone/>
+              <a:defRPr sz="1400"/>
+            </a:lvl2pPr>
+            <a:lvl3pPr marL="914400" indent="0">
+              <a:buNone/>
+              <a:defRPr sz="1200"/>
+            </a:lvl3pPr>
+            <a:lvl4pPr marL="1371600" indent="0">
+              <a:buNone/>
+              <a:defRPr sz="1000"/>
+            </a:lvl4pPr>
+            <a:lvl5pPr marL="1828800" indent="0">
+              <a:buNone/>
+              <a:defRPr sz="1000"/>
+            </a:lvl5pPr>
+            <a:lvl6pPr marL="2286000" indent="0">
+              <a:buNone/>
+              <a:defRPr sz="1000"/>
+            </a:lvl6pPr>
+            <a:lvl7pPr marL="2743200" indent="0">
+              <a:buNone/>
+              <a:defRPr sz="1000"/>
+            </a:lvl7pPr>
+            <a:lvl8pPr marL="3200400" indent="0">
+              <a:buNone/>
+              <a:defRPr sz="1000"/>
+            </a:lvl8pPr>
+            <a:lvl9pPr marL="3657600" indent="0">
+              <a:buNone/>
+              <a:defRPr sz="1000"/>
+            </a:lvl9pPr>
+          </a:lstStyle>
+          <a:p>
+            <a:pPr lvl="0"/>
+            <a:r>
+              <a:rPr lang="en-US"/>
+              <a:t>Click to edit Master text styles</a:t>
+            </a:r>
+          </a:p>
+        </p:txBody>
+      </p:sp>
+      <p:sp>
+        <p:nvSpPr>
+          <p:cNvPr id="5" name="Date Placeholder 4"/>
+          <p:cNvSpPr>
+            <a:spLocks noGrp="1"/>
+          </p:cNvSpPr>
+          <p:nvPr>
+            <p:ph type="dt" sz="half" idx="10"/>
+          </p:nvPr>
+        </p:nvSpPr>
+        <p:spPr/>
+        <p:txBody>
+          <a:bodyPr/>
+          <a:lstStyle/>
+          <a:p>
+            <a:fld id="{2D72B13E-33E1-4518-9566-D50598226E4B}" type="datetimeFigureOut">
+              <a:rPr lang="en-IL" smtClean="0"/>
+              <a:t>25/09/2025</a:t>
+            </a:fld>
+            <a:endParaRPr lang="en-IL"/>
+          </a:p>
+        </p:txBody>
+      </p:sp>
+      <p:sp>
+        <p:nvSpPr>
+          <p:cNvPr id="6" name="Footer Placeholder 5"/>
+          <p:cNvSpPr>
+            <a:spLocks noGrp="1"/>
+          </p:cNvSpPr>
+          <p:nvPr>
+            <p:ph type="ftr" sz="quarter" idx="11"/>
+          </p:nvPr>
+        </p:nvSpPr>
+        <p:spPr/>
+        <p:txBody>
+          <a:bodyPr/>
+          <a:lstStyle/>
+          <a:p>
+            <a:endParaRPr lang="en-IL"/>
+          </a:p>
+        </p:txBody>
+      </p:sp>
+      <p:sp>
+        <p:nvSpPr>
+          <p:cNvPr id="7" name="Slide Number Placeholder 6"/>
+          <p:cNvSpPr>
+            <a:spLocks noGrp="1"/>
+          </p:cNvSpPr>
+          <p:nvPr>
+            <p:ph type="sldNum" sz="quarter" idx="12"/>
+          </p:nvPr>
+        </p:nvSpPr>
+        <p:spPr>
+          <a:xfrm>
+            <a:off x="10729455" y="4709925"/>
+            <a:ext cx="1154151" cy="1090789"/>
+          </a:xfrm>
+        </p:spPr>
+        <p:txBody>
+          <a:bodyPr/>
+          <a:lstStyle/>
+          <a:p>
+            <a:fld id="{1BA5EC1C-4E08-4775-A2B3-6A693CC6E631}" type="slidenum">
+              <a:rPr lang="en-IL" smtClean="0"/>
+              <a:t>‹#›</a:t>
+            </a:fld>
+            <a:endParaRPr lang="en-IL"/>
+          </a:p>
+        </p:txBody>
+      </p:sp>
+    </p:spTree>
+    <p:extLst>
+      <p:ext uri="{BB962C8B-B14F-4D97-AF65-F5344CB8AC3E}">
+        <p14:creationId xmlns:p14="http://schemas.microsoft.com/office/powerpoint/2010/main" val="1085003301"/>
+      </p:ext>
+    </p:extLst>
+  </p:cSld>
+  <p:clrMapOvr>
+    <a:masterClrMapping/>
+  </p:clrMapOvr>
+</p:sldLayout>
+</file>
+
+<file path=ppt/slideLayouts/slideLayout14.xml><?xml version="1.0" encoding="utf-8"?>
+<p:sldLayout xmlns:a="http://schemas.openxmlformats.org/drawingml/2006/main" xmlns:r="http://schemas.openxmlformats.org/officeDocument/2006/relationships" xmlns:p="http://schemas.openxmlformats.org/presentationml/2006/main" preserve="1">
+  <p:cSld name="3 Column">
+    <p:spTree>
+      <p:nvGrpSpPr>
+        <p:cNvPr id="1" name=""/>
+        <p:cNvGrpSpPr/>
+        <p:nvPr/>
+      </p:nvGrpSpPr>
+      <p:grpSpPr>
+        <a:xfrm>
+          <a:off x="0" y="0"/>
+          <a:ext cx="0" cy="0"/>
+          <a:chOff x="0" y="0"/>
+          <a:chExt cx="0" cy="0"/>
+        </a:xfrm>
+      </p:grpSpPr>
+      <p:pic>
+        <p:nvPicPr>
+          <p:cNvPr id="13" name="Picture 12" descr="HD-ShadowLong.png"/>
+          <p:cNvPicPr>
+            <a:picLocks noChangeAspect="1"/>
+          </p:cNvPicPr>
+          <p:nvPr/>
+        </p:nvPicPr>
+        <p:blipFill>
+          <a:blip r:embed="rId2">
+            <a:extLst>
+              <a:ext uri="{28A0092B-C50C-407E-A947-70E740481C1C}">
+                <a14:useLocalDpi xmlns:a14="http://schemas.microsoft.com/office/drawing/2010/main" val="0"/>
+              </a:ext>
+            </a:extLst>
+          </a:blip>
+          <a:stretch>
+            <a:fillRect/>
+          </a:stretch>
+        </p:blipFill>
+        <p:spPr>
+          <a:xfrm>
+            <a:off x="1" y="1970240"/>
+            <a:ext cx="10437812" cy="321164"/>
+          </a:xfrm>
+          <a:prstGeom prst="rect">
+            <a:avLst/>
+          </a:prstGeom>
+        </p:spPr>
+      </p:pic>
+      <p:pic>
+        <p:nvPicPr>
+          <p:cNvPr id="14" name="Picture 13" descr="HD-ShadowShort.png"/>
+          <p:cNvPicPr>
+            <a:picLocks noChangeAspect="1"/>
+          </p:cNvPicPr>
+          <p:nvPr/>
+        </p:nvPicPr>
+        <p:blipFill>
+          <a:blip r:embed="rId3">
+            <a:extLst>
+              <a:ext uri="{28A0092B-C50C-407E-A947-70E740481C1C}">
+                <a14:useLocalDpi xmlns:a14="http://schemas.microsoft.com/office/drawing/2010/main" val="0"/>
+              </a:ext>
+            </a:extLst>
+          </a:blip>
+          <a:stretch>
+            <a:fillRect/>
+          </a:stretch>
+        </p:blipFill>
+        <p:spPr>
+          <a:xfrm>
+            <a:off x="10585826" y="1971234"/>
+            <a:ext cx="1602997" cy="144270"/>
+          </a:xfrm>
+          <a:prstGeom prst="rect">
+            <a:avLst/>
+          </a:prstGeom>
+        </p:spPr>
+      </p:pic>
+      <p:sp>
+        <p:nvSpPr>
+          <p:cNvPr id="16" name="Rectangle 15"/>
+          <p:cNvSpPr/>
+          <p:nvPr/>
+        </p:nvSpPr>
+        <p:spPr bwMode="ltGray">
+          <a:xfrm>
+            <a:off x="0" y="609600"/>
+            <a:ext cx="10437812" cy="1368198"/>
+          </a:xfrm>
+          <a:prstGeom prst="rect">
+            <a:avLst/>
+          </a:prstGeom>
+          <a:solidFill>
+            <a:schemeClr val="bg1">
+              <a:lumMod val="85000"/>
+              <a:lumOff val="15000"/>
+            </a:schemeClr>
+          </a:solidFill>
+          <a:ln>
+            <a:noFill/>
+          </a:ln>
+        </p:spPr>
+        <p:style>
+          <a:lnRef idx="2">
+            <a:schemeClr val="accent1">
+              <a:shade val="50000"/>
+            </a:schemeClr>
+          </a:lnRef>
+          <a:fillRef idx="1">
+            <a:schemeClr val="accent1"/>
+          </a:fillRef>
+          <a:effectRef idx="0">
+            <a:schemeClr val="accent1"/>
+          </a:effectRef>
+          <a:fontRef idx="minor">
+            <a:schemeClr val="lt1"/>
+          </a:fontRef>
+        </p:style>
+      </p:sp>
+      <p:sp>
+        <p:nvSpPr>
+          <p:cNvPr id="17" name="Rectangle 16"/>
+          <p:cNvSpPr/>
+          <p:nvPr/>
+        </p:nvSpPr>
+        <p:spPr>
+          <a:xfrm>
+            <a:off x="10585827" y="609600"/>
+            <a:ext cx="1602997" cy="1368198"/>
+          </a:xfrm>
+          <a:prstGeom prst="rect">
+            <a:avLst/>
+          </a:prstGeom>
+          <a:solidFill>
+            <a:schemeClr val="accent1"/>
+          </a:solidFill>
+          <a:ln>
+            <a:noFill/>
+          </a:ln>
+        </p:spPr>
+        <p:style>
+          <a:lnRef idx="2">
+            <a:schemeClr val="accent1">
+              <a:shade val="50000"/>
+            </a:schemeClr>
+          </a:lnRef>
+          <a:fillRef idx="1">
+            <a:schemeClr val="accent1"/>
+          </a:fillRef>
+          <a:effectRef idx="0">
+            <a:schemeClr val="accent1"/>
+          </a:effectRef>
+          <a:fontRef idx="minor">
+            <a:schemeClr val="lt1"/>
+          </a:fontRef>
+        </p:style>
+      </p:sp>
+      <p:sp>
+        <p:nvSpPr>
+          <p:cNvPr id="15" name="Title 1"/>
+          <p:cNvSpPr>
+            <a:spLocks noGrp="1"/>
+          </p:cNvSpPr>
+          <p:nvPr>
+            <p:ph type="title"/>
+          </p:nvPr>
+        </p:nvSpPr>
+        <p:spPr>
+          <a:xfrm>
+            <a:off x="669222" y="753228"/>
+            <a:ext cx="9624960" cy="1080938"/>
+          </a:xfrm>
+        </p:spPr>
+        <p:txBody>
+          <a:bodyPr/>
+          <a:lstStyle/>
+          <a:p>
+            <a:r>
+              <a:rPr lang="en-US"/>
+              <a:t>Click to edit Master title style</a:t>
+            </a:r>
+            <a:endParaRPr lang="en-US" dirty="0"/>
+          </a:p>
+        </p:txBody>
+      </p:sp>
+      <p:sp>
+        <p:nvSpPr>
+          <p:cNvPr id="7" name="Text Placeholder 2"/>
+          <p:cNvSpPr>
+            <a:spLocks noGrp="1"/>
+          </p:cNvSpPr>
+          <p:nvPr>
+            <p:ph type="body" idx="1"/>
+          </p:nvPr>
+        </p:nvSpPr>
+        <p:spPr>
+          <a:xfrm>
+            <a:off x="660946" y="2336873"/>
+            <a:ext cx="3070034" cy="576262"/>
+          </a:xfrm>
+        </p:spPr>
+        <p:txBody>
+          <a:bodyPr anchor="b">
+            <a:noAutofit/>
+          </a:bodyPr>
+          <a:lstStyle>
+            <a:lvl1pPr marL="0" indent="0">
+              <a:buNone/>
+              <a:defRPr sz="2400" b="0">
+                <a:solidFill>
+                  <a:schemeClr val="tx1"/>
+                </a:solidFill>
+              </a:defRPr>
+            </a:lvl1pPr>
+            <a:lvl2pPr marL="457200" indent="0">
+              <a:buNone/>
+              <a:defRPr sz="2000" b="1"/>
+            </a:lvl2pPr>
+            <a:lvl3pPr marL="914400" indent="0">
+              <a:buNone/>
+              <a:defRPr sz="1800" b="1"/>
+            </a:lvl3pPr>
+            <a:lvl4pPr marL="1371600" indent="0">
+              <a:buNone/>
+              <a:defRPr sz="1600" b="1"/>
+            </a:lvl4pPr>
+            <a:lvl5pPr marL="1828800" indent="0">
+              <a:buNone/>
+              <a:defRPr sz="1600" b="1"/>
+            </a:lvl5pPr>
+            <a:lvl6pPr marL="2286000" indent="0">
+              <a:buNone/>
+              <a:defRPr sz="1600" b="1"/>
+            </a:lvl6pPr>
+            <a:lvl7pPr marL="2743200" indent="0">
+              <a:buNone/>
+              <a:defRPr sz="1600" b="1"/>
+            </a:lvl7pPr>
+            <a:lvl8pPr marL="3200400" indent="0">
+              <a:buNone/>
+              <a:defRPr sz="1600" b="1"/>
+            </a:lvl8pPr>
+            <a:lvl9pPr marL="3657600" indent="0">
+              <a:buNone/>
+              <a:defRPr sz="1600" b="1"/>
+            </a:lvl9pPr>
+          </a:lstStyle>
+          <a:p>
+            <a:pPr lvl="0"/>
+            <a:r>
+              <a:rPr lang="en-US"/>
+              <a:t>Click to edit Master text styles</a:t>
+            </a:r>
+          </a:p>
+        </p:txBody>
+      </p:sp>
+      <p:sp>
+        <p:nvSpPr>
+          <p:cNvPr id="8" name="Text Placeholder 3"/>
+          <p:cNvSpPr>
+            <a:spLocks noGrp="1"/>
+          </p:cNvSpPr>
+          <p:nvPr>
+            <p:ph type="body" sz="half" idx="15"/>
+          </p:nvPr>
+        </p:nvSpPr>
+        <p:spPr>
+          <a:xfrm>
+            <a:off x="680322" y="3022673"/>
+            <a:ext cx="3049702" cy="2913513"/>
+          </a:xfrm>
+        </p:spPr>
+        <p:txBody>
+          <a:bodyPr anchor="t">
+            <a:normAutofit/>
+          </a:bodyPr>
+          <a:lstStyle>
+            <a:lvl1pPr marL="0" indent="0">
+              <a:buNone/>
+              <a:defRPr sz="1400"/>
+            </a:lvl1pPr>
+            <a:lvl2pPr marL="457200" indent="0">
+              <a:buNone/>
+              <a:defRPr sz="1200"/>
+            </a:lvl2pPr>
+            <a:lvl3pPr marL="914400" indent="0">
+              <a:buNone/>
+              <a:defRPr sz="1000"/>
+            </a:lvl3pPr>
+            <a:lvl4pPr marL="1371600" indent="0">
+              <a:buNone/>
+              <a:defRPr sz="900"/>
+            </a:lvl4pPr>
+            <a:lvl5pPr marL="1828800" indent="0">
+              <a:buNone/>
+              <a:defRPr sz="900"/>
+            </a:lvl5pPr>
+            <a:lvl6pPr marL="2286000" indent="0">
+              <a:buNone/>
+              <a:defRPr sz="900"/>
+            </a:lvl6pPr>
+            <a:lvl7pPr marL="2743200" indent="0">
+              <a:buNone/>
+              <a:defRPr sz="900"/>
+            </a:lvl7pPr>
+            <a:lvl8pPr marL="3200400" indent="0">
+              <a:buNone/>
+              <a:defRPr sz="900"/>
+            </a:lvl8pPr>
+            <a:lvl9pPr marL="3657600" indent="0">
+              <a:buNone/>
+              <a:defRPr sz="900"/>
+            </a:lvl9pPr>
+          </a:lstStyle>
+          <a:p>
+            <a:pPr lvl="0"/>
+            <a:r>
+              <a:rPr lang="en-US"/>
+              <a:t>Click to edit Master text styles</a:t>
+            </a:r>
+          </a:p>
+        </p:txBody>
+      </p:sp>
+      <p:sp>
+        <p:nvSpPr>
+          <p:cNvPr id="9" name="Text Placeholder 4"/>
+          <p:cNvSpPr>
+            <a:spLocks noGrp="1"/>
+          </p:cNvSpPr>
+          <p:nvPr>
+            <p:ph type="body" sz="quarter" idx="3"/>
+          </p:nvPr>
+        </p:nvSpPr>
+        <p:spPr>
+          <a:xfrm>
+            <a:off x="3956025" y="2336873"/>
+            <a:ext cx="3063240" cy="576262"/>
+          </a:xfrm>
+        </p:spPr>
+        <p:txBody>
+          <a:bodyPr anchor="b">
+            <a:noAutofit/>
+          </a:bodyPr>
+          <a:lstStyle>
+            <a:lvl1pPr marL="0" indent="0">
+              <a:buNone/>
+              <a:defRPr sz="2400" b="0">
+                <a:solidFill>
+                  <a:schemeClr val="tx1"/>
+                </a:solidFill>
+              </a:defRPr>
+            </a:lvl1pPr>
+            <a:lvl2pPr marL="457200" indent="0">
+              <a:buNone/>
+              <a:defRPr sz="2000" b="1"/>
+            </a:lvl2pPr>
+            <a:lvl3pPr marL="914400" indent="0">
+              <a:buNone/>
+              <a:defRPr sz="1800" b="1"/>
+            </a:lvl3pPr>
+            <a:lvl4pPr marL="1371600" indent="0">
+              <a:buNone/>
+              <a:defRPr sz="1600" b="1"/>
+            </a:lvl4pPr>
+            <a:lvl5pPr marL="1828800" indent="0">
+              <a:buNone/>
+              <a:defRPr sz="1600" b="1"/>
+            </a:lvl5pPr>
+            <a:lvl6pPr marL="2286000" indent="0">
+              <a:buNone/>
+              <a:defRPr sz="1600" b="1"/>
+            </a:lvl6pPr>
+            <a:lvl7pPr marL="2743200" indent="0">
+              <a:buNone/>
+              <a:defRPr sz="1600" b="1"/>
+            </a:lvl7pPr>
+            <a:lvl8pPr marL="3200400" indent="0">
+              <a:buNone/>
+              <a:defRPr sz="1600" b="1"/>
+            </a:lvl8pPr>
+            <a:lvl9pPr marL="3657600" indent="0">
+              <a:buNone/>
+              <a:defRPr sz="1600" b="1"/>
+            </a:lvl9pPr>
+          </a:lstStyle>
+          <a:p>
+            <a:pPr lvl="0"/>
+            <a:r>
+              <a:rPr lang="en-US"/>
+              <a:t>Click to edit Master text styles</a:t>
+            </a:r>
+          </a:p>
+        </p:txBody>
+      </p:sp>
+      <p:sp>
+        <p:nvSpPr>
+          <p:cNvPr id="10" name="Text Placeholder 3"/>
+          <p:cNvSpPr>
+            <a:spLocks noGrp="1"/>
+          </p:cNvSpPr>
+          <p:nvPr>
+            <p:ph type="body" sz="half" idx="16"/>
+          </p:nvPr>
+        </p:nvSpPr>
+        <p:spPr>
+          <a:xfrm>
+            <a:off x="3945470" y="3022673"/>
+            <a:ext cx="3063240" cy="2913513"/>
+          </a:xfrm>
+        </p:spPr>
+        <p:txBody>
+          <a:bodyPr anchor="t">
+            <a:normAutofit/>
+          </a:bodyPr>
+          <a:lstStyle>
+            <a:lvl1pPr marL="0" indent="0">
+              <a:buNone/>
+              <a:defRPr sz="1400"/>
+            </a:lvl1pPr>
+            <a:lvl2pPr marL="457200" indent="0">
+              <a:buNone/>
+              <a:defRPr sz="1200"/>
+            </a:lvl2pPr>
+            <a:lvl3pPr marL="914400" indent="0">
+              <a:buNone/>
+              <a:defRPr sz="1000"/>
+            </a:lvl3pPr>
+            <a:lvl4pPr marL="1371600" indent="0">
+              <a:buNone/>
+              <a:defRPr sz="900"/>
+            </a:lvl4pPr>
+            <a:lvl5pPr marL="1828800" indent="0">
+              <a:buNone/>
+              <a:defRPr sz="900"/>
+            </a:lvl5pPr>
+            <a:lvl6pPr marL="2286000" indent="0">
+              <a:buNone/>
+              <a:defRPr sz="900"/>
+            </a:lvl6pPr>
+            <a:lvl7pPr marL="2743200" indent="0">
+              <a:buNone/>
+              <a:defRPr sz="900"/>
+            </a:lvl7pPr>
+            <a:lvl8pPr marL="3200400" indent="0">
+              <a:buNone/>
+              <a:defRPr sz="900"/>
+            </a:lvl8pPr>
+            <a:lvl9pPr marL="3657600" indent="0">
+              <a:buNone/>
+              <a:defRPr sz="900"/>
+            </a:lvl9pPr>
+          </a:lstStyle>
+          <a:p>
+            <a:pPr lvl="0"/>
+            <a:r>
+              <a:rPr lang="en-US"/>
+              <a:t>Click to edit Master text styles</a:t>
+            </a:r>
+          </a:p>
+        </p:txBody>
+      </p:sp>
+      <p:sp>
+        <p:nvSpPr>
+          <p:cNvPr id="11" name="Text Placeholder 4"/>
+          <p:cNvSpPr>
+            <a:spLocks noGrp="1"/>
+          </p:cNvSpPr>
+          <p:nvPr>
+            <p:ph type="body" sz="quarter" idx="13"/>
+          </p:nvPr>
+        </p:nvSpPr>
+        <p:spPr>
+          <a:xfrm>
+            <a:off x="7224156" y="2336873"/>
+            <a:ext cx="3070025" cy="576262"/>
+          </a:xfrm>
+        </p:spPr>
+        <p:txBody>
+          <a:bodyPr anchor="b">
+            <a:noAutofit/>
+          </a:bodyPr>
+          <a:lstStyle>
+            <a:lvl1pPr marL="0" indent="0">
+              <a:buNone/>
+              <a:defRPr sz="2400" b="0">
+                <a:solidFill>
+                  <a:schemeClr val="tx1"/>
+                </a:solidFill>
+              </a:defRPr>
+            </a:lvl1pPr>
+            <a:lvl2pPr marL="457200" indent="0">
+              <a:buNone/>
+              <a:defRPr sz="2000" b="1"/>
+            </a:lvl2pPr>
+            <a:lvl3pPr marL="914400" indent="0">
+              <a:buNone/>
+              <a:defRPr sz="1800" b="1"/>
+            </a:lvl3pPr>
+            <a:lvl4pPr marL="1371600" indent="0">
+              <a:buNone/>
+              <a:defRPr sz="1600" b="1"/>
+            </a:lvl4pPr>
+            <a:lvl5pPr marL="1828800" indent="0">
+              <a:buNone/>
+              <a:defRPr sz="1600" b="1"/>
+            </a:lvl5pPr>
+            <a:lvl6pPr marL="2286000" indent="0">
+              <a:buNone/>
+              <a:defRPr sz="1600" b="1"/>
+            </a:lvl6pPr>
+            <a:lvl7pPr marL="2743200" indent="0">
+              <a:buNone/>
+              <a:defRPr sz="1600" b="1"/>
+            </a:lvl7pPr>
+            <a:lvl8pPr marL="3200400" indent="0">
+              <a:buNone/>
+              <a:defRPr sz="1600" b="1"/>
+            </a:lvl8pPr>
+            <a:lvl9pPr marL="3657600" indent="0">
+              <a:buNone/>
+              <a:defRPr sz="1600" b="1"/>
+            </a:lvl9pPr>
+          </a:lstStyle>
+          <a:p>
+            <a:pPr lvl="0"/>
+            <a:r>
+              <a:rPr lang="en-US"/>
+              <a:t>Click to edit Master text styles</a:t>
+            </a:r>
+          </a:p>
+        </p:txBody>
+      </p:sp>
+      <p:sp>
+        <p:nvSpPr>
+          <p:cNvPr id="12" name="Text Placeholder 3"/>
+          <p:cNvSpPr>
+            <a:spLocks noGrp="1"/>
+          </p:cNvSpPr>
+          <p:nvPr>
+            <p:ph type="body" sz="half" idx="17"/>
+          </p:nvPr>
+        </p:nvSpPr>
+        <p:spPr>
+          <a:xfrm>
+            <a:off x="7224156" y="3022673"/>
+            <a:ext cx="3070025" cy="2913513"/>
+          </a:xfrm>
+        </p:spPr>
+        <p:txBody>
+          <a:bodyPr anchor="t">
+            <a:normAutofit/>
+          </a:bodyPr>
+          <a:lstStyle>
+            <a:lvl1pPr marL="0" indent="0">
+              <a:buNone/>
+              <a:defRPr sz="1400"/>
+            </a:lvl1pPr>
+            <a:lvl2pPr marL="457200" indent="0">
+              <a:buNone/>
+              <a:defRPr sz="1200"/>
+            </a:lvl2pPr>
+            <a:lvl3pPr marL="914400" indent="0">
+              <a:buNone/>
+              <a:defRPr sz="1000"/>
+            </a:lvl3pPr>
+            <a:lvl4pPr marL="1371600" indent="0">
+              <a:buNone/>
+              <a:defRPr sz="900"/>
+            </a:lvl4pPr>
+            <a:lvl5pPr marL="1828800" indent="0">
+              <a:buNone/>
+              <a:defRPr sz="900"/>
+            </a:lvl5pPr>
+            <a:lvl6pPr marL="2286000" indent="0">
+              <a:buNone/>
+              <a:defRPr sz="900"/>
+            </a:lvl6pPr>
+            <a:lvl7pPr marL="2743200" indent="0">
+              <a:buNone/>
+              <a:defRPr sz="900"/>
+            </a:lvl7pPr>
+            <a:lvl8pPr marL="3200400" indent="0">
+              <a:buNone/>
+              <a:defRPr sz="900"/>
+            </a:lvl8pPr>
+            <a:lvl9pPr marL="3657600" indent="0">
+              <a:buNone/>
+              <a:defRPr sz="900"/>
+            </a:lvl9pPr>
+          </a:lstStyle>
+          <a:p>
+            <a:pPr lvl="0"/>
+            <a:r>
+              <a:rPr lang="en-US"/>
+              <a:t>Click to edit Master text styles</a:t>
+            </a:r>
+          </a:p>
+        </p:txBody>
+      </p:sp>
+      <p:sp>
+        <p:nvSpPr>
+          <p:cNvPr id="3" name="Date Placeholder 2"/>
+          <p:cNvSpPr>
+            <a:spLocks noGrp="1"/>
+          </p:cNvSpPr>
+          <p:nvPr>
+            <p:ph type="dt" sz="half" idx="10"/>
+          </p:nvPr>
+        </p:nvSpPr>
+        <p:spPr/>
+        <p:txBody>
+          <a:bodyPr/>
+          <a:lstStyle/>
+          <a:p>
+            <a:fld id="{2D72B13E-33E1-4518-9566-D50598226E4B}" type="datetimeFigureOut">
+              <a:rPr lang="en-IL" smtClean="0"/>
+              <a:t>25/09/2025</a:t>
+            </a:fld>
+            <a:endParaRPr lang="en-IL"/>
+          </a:p>
+        </p:txBody>
+      </p:sp>
+      <p:sp>
+        <p:nvSpPr>
+          <p:cNvPr id="4" name="Footer Placeholder 3"/>
+          <p:cNvSpPr>
+            <a:spLocks noGrp="1"/>
+          </p:cNvSpPr>
+          <p:nvPr>
+            <p:ph type="ftr" sz="quarter" idx="11"/>
+          </p:nvPr>
+        </p:nvSpPr>
+        <p:spPr/>
+        <p:txBody>
+          <a:bodyPr/>
+          <a:lstStyle/>
+          <a:p>
+            <a:endParaRPr lang="en-IL"/>
+          </a:p>
+        </p:txBody>
+      </p:sp>
+      <p:sp>
+        <p:nvSpPr>
+          <p:cNvPr id="5" name="Slide Number Placeholder 4"/>
+          <p:cNvSpPr>
+            <a:spLocks noGrp="1"/>
+          </p:cNvSpPr>
+          <p:nvPr>
+            <p:ph type="sldNum" sz="quarter" idx="12"/>
+          </p:nvPr>
+        </p:nvSpPr>
+        <p:spPr/>
+        <p:txBody>
+          <a:bodyPr/>
+          <a:lstStyle/>
+          <a:p>
+            <a:fld id="{1BA5EC1C-4E08-4775-A2B3-6A693CC6E631}" type="slidenum">
+              <a:rPr lang="en-IL" smtClean="0"/>
+              <a:t>‹#›</a:t>
+            </a:fld>
+            <a:endParaRPr lang="en-IL"/>
+          </a:p>
+        </p:txBody>
+      </p:sp>
+    </p:spTree>
+    <p:extLst>
+      <p:ext uri="{BB962C8B-B14F-4D97-AF65-F5344CB8AC3E}">
+        <p14:creationId xmlns:p14="http://schemas.microsoft.com/office/powerpoint/2010/main" val="145407150"/>
+      </p:ext>
+    </p:extLst>
+  </p:cSld>
+  <p:clrMapOvr>
+    <a:masterClrMapping/>
+  </p:clrMapOvr>
+</p:sldLayout>
+</file>
+
+<file path=ppt/slideLayouts/slideLayout15.xml><?xml version="1.0" encoding="utf-8"?>
+<p:sldLayout xmlns:a="http://schemas.openxmlformats.org/drawingml/2006/main" xmlns:r="http://schemas.openxmlformats.org/officeDocument/2006/relationships" xmlns:p="http://schemas.openxmlformats.org/presentationml/2006/main" preserve="1">
+  <p:cSld name="3 Picture Column">
+    <p:spTree>
+      <p:nvGrpSpPr>
+        <p:cNvPr id="1" name=""/>
+        <p:cNvGrpSpPr/>
+        <p:nvPr/>
+      </p:nvGrpSpPr>
+      <p:grpSpPr>
+        <a:xfrm>
+          <a:off x="0" y="0"/>
+          <a:ext cx="0" cy="0"/>
+          <a:chOff x="0" y="0"/>
+          <a:chExt cx="0" cy="0"/>
+        </a:xfrm>
+      </p:grpSpPr>
+      <p:pic>
+        <p:nvPicPr>
+          <p:cNvPr id="15" name="Picture 14" descr="HD-ShadowLong.png"/>
+          <p:cNvPicPr>
+            <a:picLocks noChangeAspect="1"/>
+          </p:cNvPicPr>
+          <p:nvPr/>
+        </p:nvPicPr>
+        <p:blipFill>
+          <a:blip r:embed="rId2">
+            <a:extLst>
+              <a:ext uri="{28A0092B-C50C-407E-A947-70E740481C1C}">
+                <a14:useLocalDpi xmlns:a14="http://schemas.microsoft.com/office/drawing/2010/main" val="0"/>
+              </a:ext>
+            </a:extLst>
+          </a:blip>
+          <a:stretch>
+            <a:fillRect/>
+          </a:stretch>
+        </p:blipFill>
+        <p:spPr>
+          <a:xfrm>
+            <a:off x="1" y="1970240"/>
+            <a:ext cx="10437812" cy="321164"/>
+          </a:xfrm>
+          <a:prstGeom prst="rect">
+            <a:avLst/>
+          </a:prstGeom>
+        </p:spPr>
+      </p:pic>
+      <p:pic>
+        <p:nvPicPr>
+          <p:cNvPr id="16" name="Picture 15" descr="HD-ShadowShort.png"/>
+          <p:cNvPicPr>
+            <a:picLocks noChangeAspect="1"/>
+          </p:cNvPicPr>
+          <p:nvPr/>
+        </p:nvPicPr>
+        <p:blipFill>
+          <a:blip r:embed="rId3">
+            <a:extLst>
+              <a:ext uri="{28A0092B-C50C-407E-A947-70E740481C1C}">
+                <a14:useLocalDpi xmlns:a14="http://schemas.microsoft.com/office/drawing/2010/main" val="0"/>
+              </a:ext>
+            </a:extLst>
+          </a:blip>
+          <a:stretch>
+            <a:fillRect/>
+          </a:stretch>
+        </p:blipFill>
+        <p:spPr>
+          <a:xfrm>
+            <a:off x="10585826" y="1971234"/>
+            <a:ext cx="1602997" cy="144270"/>
+          </a:xfrm>
+          <a:prstGeom prst="rect">
+            <a:avLst/>
+          </a:prstGeom>
+        </p:spPr>
+      </p:pic>
+      <p:sp>
+        <p:nvSpPr>
+          <p:cNvPr id="17" name="Rectangle 16"/>
+          <p:cNvSpPr/>
+          <p:nvPr/>
+        </p:nvSpPr>
+        <p:spPr bwMode="ltGray">
+          <a:xfrm>
+            <a:off x="0" y="609600"/>
+            <a:ext cx="10437812" cy="1368198"/>
+          </a:xfrm>
+          <a:prstGeom prst="rect">
+            <a:avLst/>
+          </a:prstGeom>
+          <a:solidFill>
+            <a:schemeClr val="bg1">
+              <a:lumMod val="85000"/>
+              <a:lumOff val="15000"/>
+            </a:schemeClr>
+          </a:solidFill>
+          <a:ln>
+            <a:noFill/>
+          </a:ln>
+        </p:spPr>
+        <p:style>
+          <a:lnRef idx="2">
+            <a:schemeClr val="accent1">
+              <a:shade val="50000"/>
+            </a:schemeClr>
+          </a:lnRef>
+          <a:fillRef idx="1">
+            <a:schemeClr val="accent1"/>
+          </a:fillRef>
+          <a:effectRef idx="0">
+            <a:schemeClr val="accent1"/>
+          </a:effectRef>
+          <a:fontRef idx="minor">
+            <a:schemeClr val="lt1"/>
+          </a:fontRef>
+        </p:style>
+      </p:sp>
+      <p:sp>
+        <p:nvSpPr>
+          <p:cNvPr id="18" name="Rectangle 17"/>
+          <p:cNvSpPr/>
+          <p:nvPr/>
+        </p:nvSpPr>
+        <p:spPr>
+          <a:xfrm>
+            <a:off x="10585827" y="609600"/>
+            <a:ext cx="1602997" cy="1368198"/>
+          </a:xfrm>
+          <a:prstGeom prst="rect">
+            <a:avLst/>
+          </a:prstGeom>
+          <a:solidFill>
+            <a:schemeClr val="accent1"/>
+          </a:solidFill>
+          <a:ln>
+            <a:noFill/>
+          </a:ln>
+        </p:spPr>
+        <p:style>
+          <a:lnRef idx="2">
+            <a:schemeClr val="accent1">
+              <a:shade val="50000"/>
+            </a:schemeClr>
+          </a:lnRef>
+          <a:fillRef idx="1">
+            <a:schemeClr val="accent1"/>
+          </a:fillRef>
+          <a:effectRef idx="0">
+            <a:schemeClr val="accent1"/>
+          </a:effectRef>
+          <a:fontRef idx="minor">
+            <a:schemeClr val="lt1"/>
+          </a:fontRef>
+        </p:style>
+      </p:sp>
+      <p:sp>
+        <p:nvSpPr>
+          <p:cNvPr id="30" name="Title 1"/>
+          <p:cNvSpPr>
+            <a:spLocks noGrp="1"/>
+          </p:cNvSpPr>
+          <p:nvPr>
+            <p:ph type="title"/>
+          </p:nvPr>
+        </p:nvSpPr>
+        <p:spPr>
+          <a:xfrm>
+            <a:off x="680322" y="753228"/>
+            <a:ext cx="9613860" cy="1080938"/>
+          </a:xfrm>
+        </p:spPr>
+        <p:txBody>
+          <a:bodyPr/>
+          <a:lstStyle/>
+          <a:p>
+            <a:r>
+              <a:rPr lang="en-US"/>
+              <a:t>Click to edit Master title style</a:t>
+            </a:r>
+            <a:endParaRPr lang="en-US" dirty="0"/>
+          </a:p>
+        </p:txBody>
+      </p:sp>
+      <p:sp>
+        <p:nvSpPr>
+          <p:cNvPr id="19" name="Text Placeholder 2"/>
+          <p:cNvSpPr>
+            <a:spLocks noGrp="1"/>
+          </p:cNvSpPr>
+          <p:nvPr>
+            <p:ph type="body" idx="1"/>
+          </p:nvPr>
+        </p:nvSpPr>
+        <p:spPr>
+          <a:xfrm>
+            <a:off x="680318" y="4297503"/>
+            <a:ext cx="3049705" cy="576262"/>
+          </a:xfrm>
+        </p:spPr>
+        <p:txBody>
+          <a:bodyPr anchor="b">
+            <a:noAutofit/>
+          </a:bodyPr>
+          <a:lstStyle>
+            <a:lvl1pPr marL="0" indent="0">
+              <a:buNone/>
+              <a:defRPr sz="2400" b="0">
+                <a:solidFill>
+                  <a:schemeClr val="tx1"/>
+                </a:solidFill>
+              </a:defRPr>
+            </a:lvl1pPr>
+            <a:lvl2pPr marL="457200" indent="0">
+              <a:buNone/>
+              <a:defRPr sz="2000" b="1"/>
+            </a:lvl2pPr>
+            <a:lvl3pPr marL="914400" indent="0">
+              <a:buNone/>
+              <a:defRPr sz="1800" b="1"/>
+            </a:lvl3pPr>
+            <a:lvl4pPr marL="1371600" indent="0">
+              <a:buNone/>
+              <a:defRPr sz="1600" b="1"/>
+            </a:lvl4pPr>
+            <a:lvl5pPr marL="1828800" indent="0">
+              <a:buNone/>
+              <a:defRPr sz="1600" b="1"/>
+            </a:lvl5pPr>
+            <a:lvl6pPr marL="2286000" indent="0">
+              <a:buNone/>
+              <a:defRPr sz="1600" b="1"/>
+            </a:lvl6pPr>
+            <a:lvl7pPr marL="2743200" indent="0">
+              <a:buNone/>
+              <a:defRPr sz="1600" b="1"/>
+            </a:lvl7pPr>
+            <a:lvl8pPr marL="3200400" indent="0">
+              <a:buNone/>
+              <a:defRPr sz="1600" b="1"/>
+            </a:lvl8pPr>
+            <a:lvl9pPr marL="3657600" indent="0">
+              <a:buNone/>
+              <a:defRPr sz="1600" b="1"/>
+            </a:lvl9pPr>
+          </a:lstStyle>
+          <a:p>
+            <a:pPr lvl="0"/>
+            <a:r>
+              <a:rPr lang="en-US"/>
+              <a:t>Click to edit Master text styles</a:t>
+            </a:r>
+          </a:p>
+        </p:txBody>
+      </p:sp>
+      <p:sp>
+        <p:nvSpPr>
+          <p:cNvPr id="20" name="Picture Placeholder 2"/>
+          <p:cNvSpPr>
+            <a:spLocks noGrp="1" noChangeAspect="1"/>
+          </p:cNvSpPr>
+          <p:nvPr>
+            <p:ph type="pic" idx="15"/>
+          </p:nvPr>
+        </p:nvSpPr>
+        <p:spPr>
+          <a:xfrm>
+            <a:off x="680318" y="2336873"/>
+            <a:ext cx="3049705" cy="1524000"/>
+          </a:xfrm>
+          <a:prstGeom prst="roundRect">
+            <a:avLst>
+              <a:gd name="adj" fmla="val 0"/>
+            </a:avLst>
+          </a:prstGeom>
+          <a:effectLst>
+            <a:outerShdw blurRad="50800" dist="50800" dir="5400000" algn="tl" rotWithShape="0">
+              <a:srgbClr val="000000">
+                <a:alpha val="43000"/>
+              </a:srgbClr>
+            </a:outerShdw>
+          </a:effectLst>
+        </p:spPr>
+        <p:txBody>
+          <a:bodyPr anchor="t">
+            <a:normAutofit/>
+          </a:bodyPr>
+          <a:lstStyle>
+            <a:lvl1pPr marL="0" indent="0" algn="ctr">
+              <a:buNone/>
+              <a:defRPr sz="1600"/>
+            </a:lvl1pPr>
+            <a:lvl2pPr marL="457200" indent="0">
+              <a:buNone/>
+              <a:defRPr sz="1600"/>
+            </a:lvl2pPr>
+            <a:lvl3pPr marL="914400" indent="0">
+              <a:buNone/>
+              <a:defRPr sz="1600"/>
+            </a:lvl3pPr>
+            <a:lvl4pPr marL="1371600" indent="0">
+              <a:buNone/>
+              <a:defRPr sz="1600"/>
+            </a:lvl4pPr>
+            <a:lvl5pPr marL="1828800" indent="0">
+              <a:buNone/>
+              <a:defRPr sz="1600"/>
+            </a:lvl5pPr>
+            <a:lvl6pPr marL="2286000" indent="0">
+              <a:buNone/>
+              <a:defRPr sz="1600"/>
+            </a:lvl6pPr>
+            <a:lvl7pPr marL="2743200" indent="0">
+              <a:buNone/>
+              <a:defRPr sz="1600"/>
+            </a:lvl7pPr>
+            <a:lvl8pPr marL="3200400" indent="0">
+              <a:buNone/>
+              <a:defRPr sz="1600"/>
+            </a:lvl8pPr>
+            <a:lvl9pPr marL="3657600" indent="0">
+              <a:buNone/>
+              <a:defRPr sz="1600"/>
+            </a:lvl9pPr>
+          </a:lstStyle>
+          <a:p>
+            <a:r>
+              <a:rPr lang="en-US"/>
+              <a:t>Click icon to add picture</a:t>
+            </a:r>
+            <a:endParaRPr lang="en-US" dirty="0"/>
+          </a:p>
+        </p:txBody>
+      </p:sp>
+      <p:sp>
+        <p:nvSpPr>
+          <p:cNvPr id="21" name="Text Placeholder 3"/>
+          <p:cNvSpPr>
+            <a:spLocks noGrp="1"/>
+          </p:cNvSpPr>
+          <p:nvPr>
+            <p:ph type="body" sz="half" idx="18"/>
+          </p:nvPr>
+        </p:nvSpPr>
+        <p:spPr>
+          <a:xfrm>
+            <a:off x="680318" y="4873765"/>
+            <a:ext cx="3049705" cy="1062422"/>
+          </a:xfrm>
+        </p:spPr>
+        <p:txBody>
+          <a:bodyPr anchor="t">
+            <a:normAutofit/>
+          </a:bodyPr>
+          <a:lstStyle>
+            <a:lvl1pPr marL="0" indent="0">
+              <a:buNone/>
+              <a:defRPr sz="1400"/>
+            </a:lvl1pPr>
+            <a:lvl2pPr marL="457200" indent="0">
+              <a:buNone/>
+              <a:defRPr sz="1200"/>
+            </a:lvl2pPr>
+            <a:lvl3pPr marL="914400" indent="0">
+              <a:buNone/>
+              <a:defRPr sz="1000"/>
+            </a:lvl3pPr>
+            <a:lvl4pPr marL="1371600" indent="0">
+              <a:buNone/>
+              <a:defRPr sz="900"/>
+            </a:lvl4pPr>
+            <a:lvl5pPr marL="1828800" indent="0">
+              <a:buNone/>
+              <a:defRPr sz="900"/>
+            </a:lvl5pPr>
+            <a:lvl6pPr marL="2286000" indent="0">
+              <a:buNone/>
+              <a:defRPr sz="900"/>
+            </a:lvl6pPr>
+            <a:lvl7pPr marL="2743200" indent="0">
+              <a:buNone/>
+              <a:defRPr sz="900"/>
+            </a:lvl7pPr>
+            <a:lvl8pPr marL="3200400" indent="0">
+              <a:buNone/>
+              <a:defRPr sz="900"/>
+            </a:lvl8pPr>
+            <a:lvl9pPr marL="3657600" indent="0">
+              <a:buNone/>
+              <a:defRPr sz="900"/>
+            </a:lvl9pPr>
+          </a:lstStyle>
+          <a:p>
+            <a:pPr lvl="0"/>
+            <a:r>
+              <a:rPr lang="en-US"/>
+              <a:t>Click to edit Master text styles</a:t>
+            </a:r>
+          </a:p>
+        </p:txBody>
+      </p:sp>
+      <p:sp>
+        <p:nvSpPr>
+          <p:cNvPr id="22" name="Text Placeholder 4"/>
+          <p:cNvSpPr>
+            <a:spLocks noGrp="1"/>
+          </p:cNvSpPr>
+          <p:nvPr>
+            <p:ph type="body" sz="quarter" idx="3"/>
+          </p:nvPr>
+        </p:nvSpPr>
+        <p:spPr>
+          <a:xfrm>
+            <a:off x="3945471" y="4297503"/>
+            <a:ext cx="3063240" cy="576262"/>
+          </a:xfrm>
+        </p:spPr>
+        <p:txBody>
+          <a:bodyPr anchor="b">
+            <a:noAutofit/>
+          </a:bodyPr>
+          <a:lstStyle>
+            <a:lvl1pPr marL="0" indent="0">
+              <a:buNone/>
+              <a:defRPr sz="2400" b="0">
+                <a:solidFill>
+                  <a:schemeClr val="tx1"/>
+                </a:solidFill>
+              </a:defRPr>
+            </a:lvl1pPr>
+            <a:lvl2pPr marL="457200" indent="0">
+              <a:buNone/>
+              <a:defRPr sz="2000" b="1"/>
+            </a:lvl2pPr>
+            <a:lvl3pPr marL="914400" indent="0">
+              <a:buNone/>
+              <a:defRPr sz="1800" b="1"/>
+            </a:lvl3pPr>
+            <a:lvl4pPr marL="1371600" indent="0">
+              <a:buNone/>
+              <a:defRPr sz="1600" b="1"/>
+            </a:lvl4pPr>
+            <a:lvl5pPr marL="1828800" indent="0">
+              <a:buNone/>
+              <a:defRPr sz="1600" b="1"/>
+            </a:lvl5pPr>
+            <a:lvl6pPr marL="2286000" indent="0">
+              <a:buNone/>
+              <a:defRPr sz="1600" b="1"/>
+            </a:lvl6pPr>
+            <a:lvl7pPr marL="2743200" indent="0">
+              <a:buNone/>
+              <a:defRPr sz="1600" b="1"/>
+            </a:lvl7pPr>
+            <a:lvl8pPr marL="3200400" indent="0">
+              <a:buNone/>
+              <a:defRPr sz="1600" b="1"/>
+            </a:lvl8pPr>
+            <a:lvl9pPr marL="3657600" indent="0">
+              <a:buNone/>
+              <a:defRPr sz="1600" b="1"/>
+            </a:lvl9pPr>
+          </a:lstStyle>
+          <a:p>
+            <a:pPr lvl="0"/>
+            <a:r>
+              <a:rPr lang="en-US"/>
+              <a:t>Click to edit Master text styles</a:t>
+            </a:r>
+          </a:p>
+        </p:txBody>
+      </p:sp>
+      <p:sp>
+        <p:nvSpPr>
+          <p:cNvPr id="23" name="Picture Placeholder 2"/>
+          <p:cNvSpPr>
+            <a:spLocks noGrp="1" noChangeAspect="1"/>
+          </p:cNvSpPr>
+          <p:nvPr>
+            <p:ph type="pic" idx="21"/>
+          </p:nvPr>
+        </p:nvSpPr>
+        <p:spPr>
+          <a:xfrm>
+            <a:off x="3945470" y="2336873"/>
+            <a:ext cx="3063240" cy="1524000"/>
+          </a:xfrm>
+          <a:prstGeom prst="roundRect">
+            <a:avLst>
+              <a:gd name="adj" fmla="val 0"/>
+            </a:avLst>
+          </a:prstGeom>
+          <a:effectLst>
+            <a:outerShdw blurRad="50800" dist="50800" dir="5400000" algn="tl" rotWithShape="0">
+              <a:srgbClr val="000000">
+                <a:alpha val="43000"/>
+              </a:srgbClr>
+            </a:outerShdw>
+          </a:effectLst>
+        </p:spPr>
+        <p:txBody>
+          <a:bodyPr anchor="t">
+            <a:normAutofit/>
+          </a:bodyPr>
+          <a:lstStyle>
+            <a:lvl1pPr marL="0" indent="0" algn="ctr">
+              <a:buNone/>
+              <a:defRPr sz="1600"/>
+            </a:lvl1pPr>
+            <a:lvl2pPr marL="457200" indent="0">
+              <a:buNone/>
+              <a:defRPr sz="1600"/>
+            </a:lvl2pPr>
+            <a:lvl3pPr marL="914400" indent="0">
+              <a:buNone/>
+              <a:defRPr sz="1600"/>
+            </a:lvl3pPr>
+            <a:lvl4pPr marL="1371600" indent="0">
+              <a:buNone/>
+              <a:defRPr sz="1600"/>
+            </a:lvl4pPr>
+            <a:lvl5pPr marL="1828800" indent="0">
+              <a:buNone/>
+              <a:defRPr sz="1600"/>
+            </a:lvl5pPr>
+            <a:lvl6pPr marL="2286000" indent="0">
+              <a:buNone/>
+              <a:defRPr sz="1600"/>
+            </a:lvl6pPr>
+            <a:lvl7pPr marL="2743200" indent="0">
+              <a:buNone/>
+              <a:defRPr sz="1600"/>
+            </a:lvl7pPr>
+            <a:lvl8pPr marL="3200400" indent="0">
+              <a:buNone/>
+              <a:defRPr sz="1600"/>
+            </a:lvl8pPr>
+            <a:lvl9pPr marL="3657600" indent="0">
+              <a:buNone/>
+              <a:defRPr sz="1600"/>
+            </a:lvl9pPr>
+          </a:lstStyle>
+          <a:p>
+            <a:r>
+              <a:rPr lang="en-US"/>
+              <a:t>Click icon to add picture</a:t>
+            </a:r>
+            <a:endParaRPr lang="en-US" dirty="0"/>
+          </a:p>
+        </p:txBody>
+      </p:sp>
+      <p:sp>
+        <p:nvSpPr>
+          <p:cNvPr id="24" name="Text Placeholder 3"/>
+          <p:cNvSpPr>
+            <a:spLocks noGrp="1"/>
+          </p:cNvSpPr>
+          <p:nvPr>
+            <p:ph type="body" sz="half" idx="19"/>
+          </p:nvPr>
+        </p:nvSpPr>
+        <p:spPr>
+          <a:xfrm>
+            <a:off x="3944117" y="4873764"/>
+            <a:ext cx="3067297" cy="1062422"/>
+          </a:xfrm>
+        </p:spPr>
+        <p:txBody>
+          <a:bodyPr anchor="t">
+            <a:normAutofit/>
+          </a:bodyPr>
+          <a:lstStyle>
+            <a:lvl1pPr marL="0" indent="0">
+              <a:buNone/>
+              <a:defRPr sz="1400"/>
+            </a:lvl1pPr>
+            <a:lvl2pPr marL="457200" indent="0">
+              <a:buNone/>
+              <a:defRPr sz="1200"/>
+            </a:lvl2pPr>
+            <a:lvl3pPr marL="914400" indent="0">
+              <a:buNone/>
+              <a:defRPr sz="1000"/>
+            </a:lvl3pPr>
+            <a:lvl4pPr marL="1371600" indent="0">
+              <a:buNone/>
+              <a:defRPr sz="900"/>
+            </a:lvl4pPr>
+            <a:lvl5pPr marL="1828800" indent="0">
+              <a:buNone/>
+              <a:defRPr sz="900"/>
+            </a:lvl5pPr>
+            <a:lvl6pPr marL="2286000" indent="0">
+              <a:buNone/>
+              <a:defRPr sz="900"/>
+            </a:lvl6pPr>
+            <a:lvl7pPr marL="2743200" indent="0">
+              <a:buNone/>
+              <a:defRPr sz="900"/>
+            </a:lvl7pPr>
+            <a:lvl8pPr marL="3200400" indent="0">
+              <a:buNone/>
+              <a:defRPr sz="900"/>
+            </a:lvl8pPr>
+            <a:lvl9pPr marL="3657600" indent="0">
+              <a:buNone/>
+              <a:defRPr sz="900"/>
+            </a:lvl9pPr>
+          </a:lstStyle>
+          <a:p>
+            <a:pPr lvl="0"/>
+            <a:r>
+              <a:rPr lang="en-US"/>
+              <a:t>Click to edit Master text styles</a:t>
+            </a:r>
+          </a:p>
+        </p:txBody>
+      </p:sp>
+      <p:sp>
+        <p:nvSpPr>
+          <p:cNvPr id="25" name="Text Placeholder 4"/>
+          <p:cNvSpPr>
+            <a:spLocks noGrp="1"/>
+          </p:cNvSpPr>
+          <p:nvPr>
+            <p:ph type="body" sz="quarter" idx="13"/>
+          </p:nvPr>
+        </p:nvSpPr>
+        <p:spPr>
+          <a:xfrm>
+            <a:off x="7230678" y="4297503"/>
+            <a:ext cx="3063505" cy="576262"/>
+          </a:xfrm>
+        </p:spPr>
+        <p:txBody>
+          <a:bodyPr anchor="b">
+            <a:noAutofit/>
+          </a:bodyPr>
+          <a:lstStyle>
+            <a:lvl1pPr marL="0" indent="0">
+              <a:buNone/>
+              <a:defRPr sz="2400" b="0">
+                <a:solidFill>
+                  <a:schemeClr val="tx1"/>
+                </a:solidFill>
+              </a:defRPr>
+            </a:lvl1pPr>
+            <a:lvl2pPr marL="457200" indent="0">
+              <a:buNone/>
+              <a:defRPr sz="2000" b="1"/>
+            </a:lvl2pPr>
+            <a:lvl3pPr marL="914400" indent="0">
+              <a:buNone/>
+              <a:defRPr sz="1800" b="1"/>
+            </a:lvl3pPr>
+            <a:lvl4pPr marL="1371600" indent="0">
+              <a:buNone/>
+              <a:defRPr sz="1600" b="1"/>
+            </a:lvl4pPr>
+            <a:lvl5pPr marL="1828800" indent="0">
+              <a:buNone/>
+              <a:defRPr sz="1600" b="1"/>
+            </a:lvl5pPr>
+            <a:lvl6pPr marL="2286000" indent="0">
+              <a:buNone/>
+              <a:defRPr sz="1600" b="1"/>
+            </a:lvl6pPr>
+            <a:lvl7pPr marL="2743200" indent="0">
+              <a:buNone/>
+              <a:defRPr sz="1600" b="1"/>
+            </a:lvl7pPr>
+            <a:lvl8pPr marL="3200400" indent="0">
+              <a:buNone/>
+              <a:defRPr sz="1600" b="1"/>
+            </a:lvl8pPr>
+            <a:lvl9pPr marL="3657600" indent="0">
+              <a:buNone/>
+              <a:defRPr sz="1600" b="1"/>
+            </a:lvl9pPr>
+          </a:lstStyle>
+          <a:p>
+            <a:pPr lvl="0"/>
+            <a:r>
+              <a:rPr lang="en-US"/>
+              <a:t>Click to edit Master text styles</a:t>
+            </a:r>
+          </a:p>
+        </p:txBody>
+      </p:sp>
+      <p:sp>
+        <p:nvSpPr>
+          <p:cNvPr id="26" name="Picture Placeholder 2"/>
+          <p:cNvSpPr>
+            <a:spLocks noGrp="1" noChangeAspect="1"/>
+          </p:cNvSpPr>
+          <p:nvPr>
+            <p:ph type="pic" idx="22"/>
+          </p:nvPr>
+        </p:nvSpPr>
+        <p:spPr>
+          <a:xfrm>
+            <a:off x="7230677" y="2336873"/>
+            <a:ext cx="3063505" cy="1524000"/>
+          </a:xfrm>
+          <a:prstGeom prst="roundRect">
+            <a:avLst>
+              <a:gd name="adj" fmla="val 0"/>
+            </a:avLst>
+          </a:prstGeom>
+          <a:effectLst>
+            <a:outerShdw blurRad="50800" dist="50800" dir="5400000" algn="tl" rotWithShape="0">
+              <a:srgbClr val="000000">
+                <a:alpha val="43000"/>
+              </a:srgbClr>
+            </a:outerShdw>
+          </a:effectLst>
+        </p:spPr>
+        <p:txBody>
+          <a:bodyPr anchor="t">
+            <a:normAutofit/>
+          </a:bodyPr>
+          <a:lstStyle>
+            <a:lvl1pPr marL="0" indent="0" algn="ctr">
+              <a:buNone/>
+              <a:defRPr sz="1600"/>
+            </a:lvl1pPr>
+            <a:lvl2pPr marL="457200" indent="0">
+              <a:buNone/>
+              <a:defRPr sz="1600"/>
+            </a:lvl2pPr>
+            <a:lvl3pPr marL="914400" indent="0">
+              <a:buNone/>
+              <a:defRPr sz="1600"/>
+            </a:lvl3pPr>
+            <a:lvl4pPr marL="1371600" indent="0">
+              <a:buNone/>
+              <a:defRPr sz="1600"/>
+            </a:lvl4pPr>
+            <a:lvl5pPr marL="1828800" indent="0">
+              <a:buNone/>
+              <a:defRPr sz="1600"/>
+            </a:lvl5pPr>
+            <a:lvl6pPr marL="2286000" indent="0">
+              <a:buNone/>
+              <a:defRPr sz="1600"/>
+            </a:lvl6pPr>
+            <a:lvl7pPr marL="2743200" indent="0">
+              <a:buNone/>
+              <a:defRPr sz="1600"/>
+            </a:lvl7pPr>
+            <a:lvl8pPr marL="3200400" indent="0">
+              <a:buNone/>
+              <a:defRPr sz="1600"/>
+            </a:lvl8pPr>
+            <a:lvl9pPr marL="3657600" indent="0">
+              <a:buNone/>
+              <a:defRPr sz="1600"/>
+            </a:lvl9pPr>
+          </a:lstStyle>
+          <a:p>
+            <a:r>
+              <a:rPr lang="en-US"/>
+              <a:t>Click icon to add picture</a:t>
+            </a:r>
+            <a:endParaRPr lang="en-US" dirty="0"/>
+          </a:p>
+        </p:txBody>
+      </p:sp>
+      <p:sp>
+        <p:nvSpPr>
+          <p:cNvPr id="27" name="Text Placeholder 3"/>
+          <p:cNvSpPr>
+            <a:spLocks noGrp="1"/>
+          </p:cNvSpPr>
+          <p:nvPr>
+            <p:ph type="body" sz="half" idx="20"/>
+          </p:nvPr>
+        </p:nvSpPr>
+        <p:spPr>
+          <a:xfrm>
+            <a:off x="7230553" y="4873762"/>
+            <a:ext cx="3067563" cy="1062422"/>
+          </a:xfrm>
+        </p:spPr>
+        <p:txBody>
+          <a:bodyPr anchor="t">
+            <a:normAutofit/>
+          </a:bodyPr>
+          <a:lstStyle>
+            <a:lvl1pPr marL="0" indent="0">
+              <a:buNone/>
+              <a:defRPr sz="1400"/>
+            </a:lvl1pPr>
+            <a:lvl2pPr marL="457200" indent="0">
+              <a:buNone/>
+              <a:defRPr sz="1200"/>
+            </a:lvl2pPr>
+            <a:lvl3pPr marL="914400" indent="0">
+              <a:buNone/>
+              <a:defRPr sz="1000"/>
+            </a:lvl3pPr>
+            <a:lvl4pPr marL="1371600" indent="0">
+              <a:buNone/>
+              <a:defRPr sz="900"/>
+            </a:lvl4pPr>
+            <a:lvl5pPr marL="1828800" indent="0">
+              <a:buNone/>
+              <a:defRPr sz="900"/>
+            </a:lvl5pPr>
+            <a:lvl6pPr marL="2286000" indent="0">
+              <a:buNone/>
+              <a:defRPr sz="900"/>
+            </a:lvl6pPr>
+            <a:lvl7pPr marL="2743200" indent="0">
+              <a:buNone/>
+              <a:defRPr sz="900"/>
+            </a:lvl7pPr>
+            <a:lvl8pPr marL="3200400" indent="0">
+              <a:buNone/>
+              <a:defRPr sz="900"/>
+            </a:lvl8pPr>
+            <a:lvl9pPr marL="3657600" indent="0">
+              <a:buNone/>
+              <a:defRPr sz="900"/>
+            </a:lvl9pPr>
+          </a:lstStyle>
+          <a:p>
+            <a:pPr lvl="0"/>
+            <a:r>
+              <a:rPr lang="en-US"/>
+              <a:t>Click to edit Master text styles</a:t>
+            </a:r>
+          </a:p>
+        </p:txBody>
+      </p:sp>
+      <p:sp>
+        <p:nvSpPr>
+          <p:cNvPr id="3" name="Date Placeholder 2"/>
+          <p:cNvSpPr>
+            <a:spLocks noGrp="1"/>
+          </p:cNvSpPr>
+          <p:nvPr>
+            <p:ph type="dt" sz="half" idx="10"/>
+          </p:nvPr>
+        </p:nvSpPr>
+        <p:spPr/>
+        <p:txBody>
+          <a:bodyPr/>
+          <a:lstStyle/>
+          <a:p>
+            <a:fld id="{2D72B13E-33E1-4518-9566-D50598226E4B}" type="datetimeFigureOut">
+              <a:rPr lang="en-IL" smtClean="0"/>
+              <a:t>25/09/2025</a:t>
+            </a:fld>
+            <a:endParaRPr lang="en-IL"/>
+          </a:p>
+        </p:txBody>
+      </p:sp>
+      <p:sp>
+        <p:nvSpPr>
+          <p:cNvPr id="4" name="Footer Placeholder 3"/>
+          <p:cNvSpPr>
+            <a:spLocks noGrp="1"/>
+          </p:cNvSpPr>
+          <p:nvPr>
+            <p:ph type="ftr" sz="quarter" idx="11"/>
+          </p:nvPr>
+        </p:nvSpPr>
+        <p:spPr/>
+        <p:txBody>
+          <a:bodyPr/>
+          <a:lstStyle/>
+          <a:p>
+            <a:endParaRPr lang="en-IL"/>
+          </a:p>
+        </p:txBody>
+      </p:sp>
+      <p:sp>
+        <p:nvSpPr>
+          <p:cNvPr id="5" name="Slide Number Placeholder 4"/>
+          <p:cNvSpPr>
+            <a:spLocks noGrp="1"/>
+          </p:cNvSpPr>
+          <p:nvPr>
+            <p:ph type="sldNum" sz="quarter" idx="12"/>
+          </p:nvPr>
+        </p:nvSpPr>
+        <p:spPr/>
+        <p:txBody>
+          <a:bodyPr/>
+          <a:lstStyle/>
+          <a:p>
+            <a:fld id="{1BA5EC1C-4E08-4775-A2B3-6A693CC6E631}" type="slidenum">
+              <a:rPr lang="en-IL" smtClean="0"/>
+              <a:t>‹#›</a:t>
+            </a:fld>
+            <a:endParaRPr lang="en-IL"/>
+          </a:p>
+        </p:txBody>
+      </p:sp>
+    </p:spTree>
+    <p:extLst>
+      <p:ext uri="{BB962C8B-B14F-4D97-AF65-F5344CB8AC3E}">
+        <p14:creationId xmlns:p14="http://schemas.microsoft.com/office/powerpoint/2010/main" val="1016487334"/>
+      </p:ext>
+    </p:extLst>
+  </p:cSld>
+  <p:clrMapOvr>
+    <a:masterClrMapping/>
+  </p:clrMapOvr>
+</p:sldLayout>
+</file>
+
+<file path=ppt/slideLayouts/slideLayout16.xml><?xml version="1.0" encoding="utf-8"?>
 <p:sldLayout xmlns:a="http://schemas.openxmlformats.org/drawingml/2006/main" xmlns:r="http://schemas.openxmlformats.org/officeDocument/2006/relationships" xmlns:p="http://schemas.openxmlformats.org/presentationml/2006/main" type="vertTx" preserve="1">
   <p:cSld name="Title and Vertical Text">
     <p:spTree>
@@ -325,6 +3781,145 @@
           <a:chExt cx="0" cy="0"/>
         </a:xfrm>
       </p:grpSpPr>
+      <p:pic>
+        <p:nvPicPr>
+          <p:cNvPr id="7" name="Picture 6" descr="HD-ShadowLong.png"/>
+          <p:cNvPicPr>
+            <a:picLocks noChangeAspect="1"/>
+          </p:cNvPicPr>
+          <p:nvPr/>
+        </p:nvPicPr>
+        <p:blipFill>
+          <a:blip r:embed="rId2">
+            <a:extLst>
+              <a:ext uri="{28A0092B-C50C-407E-A947-70E740481C1C}">
+                <a14:useLocalDpi xmlns:a14="http://schemas.microsoft.com/office/drawing/2010/main" val="0"/>
+              </a:ext>
+            </a:extLst>
+          </a:blip>
+          <a:stretch>
+            <a:fillRect/>
+          </a:stretch>
+        </p:blipFill>
+        <p:spPr>
+          <a:xfrm>
+            <a:off x="1" y="1970240"/>
+            <a:ext cx="10437812" cy="321164"/>
+          </a:xfrm>
+          <a:prstGeom prst="rect">
+            <a:avLst/>
+          </a:prstGeom>
+        </p:spPr>
+      </p:pic>
+      <p:pic>
+        <p:nvPicPr>
+          <p:cNvPr id="8" name="Picture 7" descr="HD-ShadowShort.png"/>
+          <p:cNvPicPr>
+            <a:picLocks noChangeAspect="1"/>
+          </p:cNvPicPr>
+          <p:nvPr/>
+        </p:nvPicPr>
+        <p:blipFill>
+          <a:blip r:embed="rId3">
+            <a:extLst>
+              <a:ext uri="{28A0092B-C50C-407E-A947-70E740481C1C}">
+                <a14:useLocalDpi xmlns:a14="http://schemas.microsoft.com/office/drawing/2010/main" val="0"/>
+              </a:ext>
+            </a:extLst>
+          </a:blip>
+          <a:stretch>
+            <a:fillRect/>
+          </a:stretch>
+        </p:blipFill>
+        <p:spPr>
+          <a:xfrm>
+            <a:off x="10585826" y="1971234"/>
+            <a:ext cx="1602997" cy="144270"/>
+          </a:xfrm>
+          <a:prstGeom prst="rect">
+            <a:avLst/>
+          </a:prstGeom>
+        </p:spPr>
+      </p:pic>
+      <p:sp>
+        <p:nvSpPr>
+          <p:cNvPr id="9" name="Rectangle 8"/>
+          <p:cNvSpPr/>
+          <p:nvPr/>
+        </p:nvSpPr>
+        <p:spPr bwMode="ltGray">
+          <a:xfrm>
+            <a:off x="0" y="609600"/>
+            <a:ext cx="10437812" cy="1368198"/>
+          </a:xfrm>
+          <a:prstGeom prst="rect">
+            <a:avLst/>
+          </a:prstGeom>
+          <a:solidFill>
+            <a:schemeClr val="bg1">
+              <a:lumMod val="85000"/>
+              <a:lumOff val="15000"/>
+            </a:schemeClr>
+          </a:solidFill>
+          <a:ln>
+            <a:noFill/>
+          </a:ln>
+        </p:spPr>
+        <p:style>
+          <a:lnRef idx="2">
+            <a:schemeClr val="accent1">
+              <a:shade val="50000"/>
+            </a:schemeClr>
+          </a:lnRef>
+          <a:fillRef idx="1">
+            <a:schemeClr val="accent1"/>
+          </a:fillRef>
+          <a:effectRef idx="0">
+            <a:schemeClr val="accent1"/>
+          </a:effectRef>
+          <a:fontRef idx="minor">
+            <a:schemeClr val="lt1"/>
+          </a:fontRef>
+        </p:style>
+      </p:sp>
+      <p:sp>
+        <p:nvSpPr>
+          <p:cNvPr id="10" name="Rectangle 9"/>
+          <p:cNvSpPr/>
+          <p:nvPr/>
+        </p:nvSpPr>
+        <p:spPr>
+          <a:xfrm>
+            <a:off x="10585827" y="609600"/>
+            <a:ext cx="1602997" cy="1368198"/>
+          </a:xfrm>
+          <a:prstGeom prst="rect">
+            <a:avLst/>
+          </a:prstGeom>
+          <a:solidFill>
+            <a:schemeClr val="accent1"/>
+          </a:solidFill>
+          <a:ln>
+            <a:noFill/>
+          </a:ln>
+        </p:spPr>
+        <p:style>
+          <a:lnRef idx="2">
+            <a:schemeClr val="accent1">
+              <a:shade val="50000"/>
+            </a:schemeClr>
+          </a:lnRef>
+          <a:fillRef idx="1">
+            <a:schemeClr val="accent1"/>
+          </a:fillRef>
+          <a:effectRef idx="0">
+            <a:schemeClr val="accent1"/>
+          </a:effectRef>
+          <a:fontRef idx="minor">
+            <a:schemeClr val="lt1"/>
+          </a:fontRef>
+        </p:style>
+      </p:sp>
       <p:sp>
         <p:nvSpPr>
           <p:cNvPr id="2" name="Title 1"/>
@@ -333,6 +3928,85 @@
           </p:cNvSpPr>
           <p:nvPr>
             <p:ph type="title"/>
+          </p:nvPr>
+        </p:nvSpPr>
+        <p:spPr/>
+        <p:txBody>
+          <a:bodyPr/>
+          <a:lstStyle>
+            <a:lvl1pPr algn="r">
+              <a:defRPr/>
+            </a:lvl1pPr>
+          </a:lstStyle>
+          <a:p>
+            <a:r>
+              <a:rPr lang="en-US"/>
+              <a:t>Click to edit Master title style</a:t>
+            </a:r>
+            <a:endParaRPr lang="en-US" dirty="0"/>
+          </a:p>
+        </p:txBody>
+      </p:sp>
+      <p:sp>
+        <p:nvSpPr>
+          <p:cNvPr id="3" name="Vertical Text Placeholder 2"/>
+          <p:cNvSpPr>
+            <a:spLocks noGrp="1"/>
+          </p:cNvSpPr>
+          <p:nvPr>
+            <p:ph type="body" orient="vert" idx="1"/>
+          </p:nvPr>
+        </p:nvSpPr>
+        <p:spPr/>
+        <p:txBody>
+          <a:bodyPr vert="eaVert"/>
+          <a:lstStyle/>
+          <a:p>
+            <a:pPr lvl="0"/>
+            <a:r>
+              <a:rPr lang="en-US"/>
+              <a:t>Click to edit Master text styles</a:t>
+            </a:r>
+          </a:p>
+          <a:p>
+            <a:pPr lvl="1"/>
+            <a:r>
+              <a:rPr lang="en-US"/>
+              <a:t>Second level</a:t>
+            </a:r>
+          </a:p>
+          <a:p>
+            <a:pPr lvl="2"/>
+            <a:r>
+              <a:rPr lang="en-US"/>
+              <a:t>Third level</a:t>
+            </a:r>
+          </a:p>
+          <a:p>
+            <a:pPr lvl="3"/>
+            <a:r>
+              <a:rPr lang="en-US"/>
+              <a:t>Fourth level</a:t>
+            </a:r>
+          </a:p>
+          <a:p>
+            <a:pPr lvl="4"/>
+            <a:r>
+              <a:rPr lang="en-US"/>
+              <a:t>Fifth level</a:t>
+            </a:r>
+            <a:endParaRPr lang="en-US" dirty="0"/>
+          </a:p>
+        </p:txBody>
+      </p:sp>
+      <p:sp>
+        <p:nvSpPr>
+          <p:cNvPr id="4" name="Date Placeholder 3"/>
+          <p:cNvSpPr>
+            <a:spLocks noGrp="1"/>
+          </p:cNvSpPr>
+          <p:nvPr>
+            <p:ph type="dt" sz="half" idx="10"/>
           </p:nvPr>
         </p:nvSpPr>
         <p:spPr/>
@@ -340,74 +4014,22 @@
           <a:bodyPr/>
           <a:lstStyle/>
           <a:p>
-            <a:r>
-              <a:rPr lang="en-US"/>
-              <a:t>Click to edit Master title style</a:t>
-            </a:r>
-            <a:endParaRPr lang="en-US" dirty="0"/>
-          </a:p>
-        </p:txBody>
-      </p:sp>
-      <p:sp>
-        <p:nvSpPr>
-          <p:cNvPr id="3" name="Vertical Text Placeholder 2"/>
-          <p:cNvSpPr>
-            <a:spLocks noGrp="1"/>
-          </p:cNvSpPr>
-          <p:nvPr>
-            <p:ph type="body" orient="vert" idx="1"/>
-          </p:nvPr>
-        </p:nvSpPr>
-        <p:spPr/>
-        <p:txBody>
-          <a:bodyPr vert="eaVert"/>
-          <a:lstStyle/>
-          <a:p>
-            <a:pPr lvl="0"/>
-            <a:r>
-              <a:rPr lang="en-US"/>
-              <a:t>Click to edit Master text styles</a:t>
-            </a:r>
-          </a:p>
-          <a:p>
-            <a:pPr lvl="1"/>
-            <a:r>
-              <a:rPr lang="en-US"/>
-              <a:t>Second level</a:t>
-            </a:r>
-          </a:p>
-          <a:p>
-            <a:pPr lvl="2"/>
-            <a:r>
-              <a:rPr lang="en-US"/>
-              <a:t>Third level</a:t>
-            </a:r>
-          </a:p>
-          <a:p>
-            <a:pPr lvl="3"/>
-            <a:r>
-              <a:rPr lang="en-US"/>
-              <a:t>Fourth level</a:t>
-            </a:r>
-          </a:p>
-          <a:p>
-            <a:pPr lvl="4"/>
-            <a:r>
-              <a:rPr lang="en-US"/>
-              <a:t>Fifth level</a:t>
-            </a:r>
-            <a:endParaRPr lang="en-US" dirty="0"/>
-          </a:p>
-        </p:txBody>
-      </p:sp>
-      <p:sp>
-        <p:nvSpPr>
-          <p:cNvPr id="4" name="Date Placeholder 3"/>
-          <p:cNvSpPr>
-            <a:spLocks noGrp="1"/>
-          </p:cNvSpPr>
-          <p:nvPr>
-            <p:ph type="dt" sz="half" idx="10"/>
+            <a:fld id="{2D72B13E-33E1-4518-9566-D50598226E4B}" type="datetimeFigureOut">
+              <a:rPr lang="en-IL" smtClean="0"/>
+              <a:t>25/09/2025</a:t>
+            </a:fld>
+            <a:endParaRPr lang="en-IL"/>
+          </a:p>
+        </p:txBody>
+      </p:sp>
+      <p:sp>
+        <p:nvSpPr>
+          <p:cNvPr id="5" name="Footer Placeholder 4"/>
+          <p:cNvSpPr>
+            <a:spLocks noGrp="1"/>
+          </p:cNvSpPr>
+          <p:nvPr>
+            <p:ph type="ftr" sz="quarter" idx="11"/>
           </p:nvPr>
         </p:nvSpPr>
         <p:spPr/>
@@ -415,22 +4037,18 @@
           <a:bodyPr/>
           <a:lstStyle/>
           <a:p>
-            <a:fld id="{4F9D234B-BA72-4F4D-8FEF-1D89CC837754}" type="datetimeFigureOut">
-              <a:rPr lang="en-GB" smtClean="0"/>
-              <a:t>03/09/2025</a:t>
-            </a:fld>
-            <a:endParaRPr lang="en-GB"/>
-          </a:p>
-        </p:txBody>
-      </p:sp>
-      <p:sp>
-        <p:nvSpPr>
-          <p:cNvPr id="5" name="Footer Placeholder 4"/>
-          <p:cNvSpPr>
-            <a:spLocks noGrp="1"/>
-          </p:cNvSpPr>
-          <p:nvPr>
-            <p:ph type="ftr" sz="quarter" idx="11"/>
+            <a:endParaRPr lang="en-IL"/>
+          </a:p>
+        </p:txBody>
+      </p:sp>
+      <p:sp>
+        <p:nvSpPr>
+          <p:cNvPr id="6" name="Slide Number Placeholder 5"/>
+          <p:cNvSpPr>
+            <a:spLocks noGrp="1"/>
+          </p:cNvSpPr>
+          <p:nvPr>
+            <p:ph type="sldNum" sz="quarter" idx="12"/>
           </p:nvPr>
         </p:nvSpPr>
         <p:spPr/>
@@ -438,37 +4056,18 @@
           <a:bodyPr/>
           <a:lstStyle/>
           <a:p>
-            <a:endParaRPr lang="en-GB"/>
-          </a:p>
-        </p:txBody>
-      </p:sp>
-      <p:sp>
-        <p:nvSpPr>
-          <p:cNvPr id="6" name="Slide Number Placeholder 5"/>
-          <p:cNvSpPr>
-            <a:spLocks noGrp="1"/>
-          </p:cNvSpPr>
-          <p:nvPr>
-            <p:ph type="sldNum" sz="quarter" idx="12"/>
-          </p:nvPr>
-        </p:nvSpPr>
-        <p:spPr/>
-        <p:txBody>
-          <a:bodyPr/>
-          <a:lstStyle/>
-          <a:p>
-            <a:fld id="{3681FAB0-5468-4722-9741-171A7029CF2B}" type="slidenum">
-              <a:rPr lang="en-GB" smtClean="0"/>
+            <a:fld id="{1BA5EC1C-4E08-4775-A2B3-6A693CC6E631}" type="slidenum">
+              <a:rPr lang="en-IL" smtClean="0"/>
               <a:t>‹#›</a:t>
             </a:fld>
-            <a:endParaRPr lang="en-GB"/>
+            <a:endParaRPr lang="en-IL"/>
           </a:p>
         </p:txBody>
       </p:sp>
     </p:spTree>
     <p:extLst>
       <p:ext uri="{BB962C8B-B14F-4D97-AF65-F5344CB8AC3E}">
-        <p14:creationId xmlns:p14="http://schemas.microsoft.com/office/powerpoint/2010/main" val="1167554638"/>
+        <p14:creationId xmlns:p14="http://schemas.microsoft.com/office/powerpoint/2010/main" val="2396971109"/>
       </p:ext>
     </p:extLst>
   </p:cSld>
@@ -478,7 +4077,7 @@
 </p:sldLayout>
 </file>
 
-<file path=ppt/slideLayouts/slideLayout11.xml><?xml version="1.0" encoding="utf-8"?>
+<file path=ppt/slideLayouts/slideLayout17.xml><?xml version="1.0" encoding="utf-8"?>
 <p:sldLayout xmlns:a="http://schemas.openxmlformats.org/drawingml/2006/main" xmlns:r="http://schemas.openxmlformats.org/officeDocument/2006/relationships" xmlns:p="http://schemas.openxmlformats.org/presentationml/2006/main" type="vertTitleAndTx" preserve="1">
   <p:cSld name="Vertical Title and Text">
     <p:spTree>
@@ -497,6 +4096,85 @@
       </p:grpSpPr>
       <p:sp>
         <p:nvSpPr>
+          <p:cNvPr id="7" name="Rectangle 6"/>
+          <p:cNvSpPr/>
+          <p:nvPr/>
+        </p:nvSpPr>
+        <p:spPr bwMode="ltGray">
+          <a:xfrm rot="5400000">
+            <a:off x="8116207" y="1869395"/>
+            <a:ext cx="5106988" cy="1368198"/>
+          </a:xfrm>
+          <a:prstGeom prst="rect">
+            <a:avLst/>
+          </a:prstGeom>
+          <a:solidFill>
+            <a:schemeClr val="bg1">
+              <a:lumMod val="85000"/>
+              <a:lumOff val="15000"/>
+            </a:schemeClr>
+          </a:solidFill>
+          <a:ln>
+            <a:noFill/>
+          </a:ln>
+        </p:spPr>
+        <p:style>
+          <a:lnRef idx="2">
+            <a:schemeClr val="accent1">
+              <a:shade val="50000"/>
+            </a:schemeClr>
+          </a:lnRef>
+          <a:fillRef idx="1">
+            <a:schemeClr val="accent1"/>
+          </a:fillRef>
+          <a:effectRef idx="0">
+            <a:schemeClr val="accent1"/>
+          </a:effectRef>
+          <a:fontRef idx="minor">
+            <a:schemeClr val="lt1"/>
+          </a:fontRef>
+        </p:style>
+      </p:sp>
+      <p:sp>
+        <p:nvSpPr>
+          <p:cNvPr id="8" name="Rectangle 7"/>
+          <p:cNvSpPr/>
+          <p:nvPr/>
+        </p:nvSpPr>
+        <p:spPr>
+          <a:xfrm rot="5400000">
+            <a:off x="9868202" y="5372403"/>
+            <a:ext cx="1602997" cy="1368198"/>
+          </a:xfrm>
+          <a:prstGeom prst="rect">
+            <a:avLst/>
+          </a:prstGeom>
+          <a:solidFill>
+            <a:schemeClr val="accent1"/>
+          </a:solidFill>
+          <a:ln>
+            <a:noFill/>
+          </a:ln>
+        </p:spPr>
+        <p:style>
+          <a:lnRef idx="2">
+            <a:schemeClr val="accent1">
+              <a:shade val="50000"/>
+            </a:schemeClr>
+          </a:lnRef>
+          <a:fillRef idx="1">
+            <a:schemeClr val="accent1"/>
+          </a:fillRef>
+          <a:effectRef idx="0">
+            <a:schemeClr val="accent1"/>
+          </a:effectRef>
+          <a:fontRef idx="minor">
+            <a:schemeClr val="lt1"/>
+          </a:fontRef>
+        </p:style>
+      </p:sp>
+      <p:sp>
+        <p:nvSpPr>
           <p:cNvPr id="2" name="Vertical Title 1"/>
           <p:cNvSpPr>
             <a:spLocks noGrp="1"/>
@@ -507,8 +4185,8 @@
         </p:nvSpPr>
         <p:spPr>
           <a:xfrm>
-            <a:off x="8724900" y="365125"/>
-            <a:ext cx="2628900" cy="5811838"/>
+            <a:off x="10129231" y="609597"/>
+            <a:ext cx="1073802" cy="4353760"/>
           </a:xfrm>
         </p:spPr>
         <p:txBody>
@@ -535,8 +4213,8 @@
         </p:nvSpPr>
         <p:spPr>
           <a:xfrm>
-            <a:off x="838200" y="365125"/>
-            <a:ext cx="7734300" cy="5811838"/>
+            <a:off x="680322" y="609597"/>
+            <a:ext cx="8870004" cy="5326589"/>
           </a:xfrm>
         </p:spPr>
         <p:txBody>
@@ -590,16 +4268,21 @@
             <p:ph type="dt" sz="half" idx="10"/>
           </p:nvPr>
         </p:nvSpPr>
-        <p:spPr/>
+        <p:spPr>
+          <a:xfrm>
+            <a:off x="6807126" y="5936187"/>
+            <a:ext cx="2743200" cy="365125"/>
+          </a:xfrm>
+        </p:spPr>
         <p:txBody>
           <a:bodyPr/>
           <a:lstStyle/>
           <a:p>
-            <a:fld id="{4F9D234B-BA72-4F4D-8FEF-1D89CC837754}" type="datetimeFigureOut">
-              <a:rPr lang="en-GB" smtClean="0"/>
-              <a:t>03/09/2025</a:t>
+            <a:fld id="{2D72B13E-33E1-4518-9566-D50598226E4B}" type="datetimeFigureOut">
+              <a:rPr lang="en-IL" smtClean="0"/>
+              <a:t>25/09/2025</a:t>
             </a:fld>
-            <a:endParaRPr lang="en-GB"/>
+            <a:endParaRPr lang="en-IL"/>
           </a:p>
         </p:txBody>
       </p:sp>
@@ -613,12 +4296,17 @@
             <p:ph type="ftr" sz="quarter" idx="11"/>
           </p:nvPr>
         </p:nvSpPr>
-        <p:spPr/>
+        <p:spPr>
+          <a:xfrm>
+            <a:off x="680321" y="5936188"/>
+            <a:ext cx="6126805" cy="365125"/>
+          </a:xfrm>
+        </p:spPr>
         <p:txBody>
           <a:bodyPr/>
           <a:lstStyle/>
           <a:p>
-            <a:endParaRPr lang="en-GB"/>
+            <a:endParaRPr lang="en-IL"/>
           </a:p>
         </p:txBody>
       </p:sp>
@@ -632,23 +4320,32 @@
             <p:ph type="sldNum" sz="quarter" idx="12"/>
           </p:nvPr>
         </p:nvSpPr>
-        <p:spPr/>
-        <p:txBody>
-          <a:bodyPr/>
-          <a:lstStyle/>
-          <a:p>
-            <a:fld id="{3681FAB0-5468-4722-9741-171A7029CF2B}" type="slidenum">
-              <a:rPr lang="en-GB" smtClean="0"/>
+        <p:spPr>
+          <a:xfrm>
+            <a:off x="10097550" y="5398633"/>
+            <a:ext cx="1154151" cy="1090789"/>
+          </a:xfrm>
+        </p:spPr>
+        <p:txBody>
+          <a:bodyPr anchor="t"/>
+          <a:lstStyle>
+            <a:lvl1pPr algn="ctr">
+              <a:defRPr/>
+            </a:lvl1pPr>
+          </a:lstStyle>
+          <a:p>
+            <a:fld id="{1BA5EC1C-4E08-4775-A2B3-6A693CC6E631}" type="slidenum">
+              <a:rPr lang="en-IL" smtClean="0"/>
               <a:t>‹#›</a:t>
             </a:fld>
-            <a:endParaRPr lang="en-GB"/>
+            <a:endParaRPr lang="en-IL"/>
           </a:p>
         </p:txBody>
       </p:sp>
     </p:spTree>
     <p:extLst>
       <p:ext uri="{BB962C8B-B14F-4D97-AF65-F5344CB8AC3E}">
-        <p14:creationId xmlns:p14="http://schemas.microsoft.com/office/powerpoint/2010/main" val="3277797845"/>
+        <p14:creationId xmlns:p14="http://schemas.microsoft.com/office/powerpoint/2010/main" val="64829568"/>
       </p:ext>
     </p:extLst>
   </p:cSld>
@@ -675,6 +4372,145 @@
           <a:chExt cx="0" cy="0"/>
         </a:xfrm>
       </p:grpSpPr>
+      <p:pic>
+        <p:nvPicPr>
+          <p:cNvPr id="15" name="Picture 14" descr="HD-ShadowLong.png"/>
+          <p:cNvPicPr>
+            <a:picLocks noChangeAspect="1"/>
+          </p:cNvPicPr>
+          <p:nvPr/>
+        </p:nvPicPr>
+        <p:blipFill>
+          <a:blip r:embed="rId2">
+            <a:extLst>
+              <a:ext uri="{28A0092B-C50C-407E-A947-70E740481C1C}">
+                <a14:useLocalDpi xmlns:a14="http://schemas.microsoft.com/office/drawing/2010/main" val="0"/>
+              </a:ext>
+            </a:extLst>
+          </a:blip>
+          <a:stretch>
+            <a:fillRect/>
+          </a:stretch>
+        </p:blipFill>
+        <p:spPr>
+          <a:xfrm>
+            <a:off x="1" y="1970240"/>
+            <a:ext cx="10437812" cy="321164"/>
+          </a:xfrm>
+          <a:prstGeom prst="rect">
+            <a:avLst/>
+          </a:prstGeom>
+        </p:spPr>
+      </p:pic>
+      <p:pic>
+        <p:nvPicPr>
+          <p:cNvPr id="16" name="Picture 15" descr="HD-ShadowShort.png"/>
+          <p:cNvPicPr>
+            <a:picLocks noChangeAspect="1"/>
+          </p:cNvPicPr>
+          <p:nvPr/>
+        </p:nvPicPr>
+        <p:blipFill>
+          <a:blip r:embed="rId3">
+            <a:extLst>
+              <a:ext uri="{28A0092B-C50C-407E-A947-70E740481C1C}">
+                <a14:useLocalDpi xmlns:a14="http://schemas.microsoft.com/office/drawing/2010/main" val="0"/>
+              </a:ext>
+            </a:extLst>
+          </a:blip>
+          <a:stretch>
+            <a:fillRect/>
+          </a:stretch>
+        </p:blipFill>
+        <p:spPr>
+          <a:xfrm>
+            <a:off x="10585826" y="1971234"/>
+            <a:ext cx="1602997" cy="144270"/>
+          </a:xfrm>
+          <a:prstGeom prst="rect">
+            <a:avLst/>
+          </a:prstGeom>
+        </p:spPr>
+      </p:pic>
+      <p:sp>
+        <p:nvSpPr>
+          <p:cNvPr id="17" name="Rectangle 16"/>
+          <p:cNvSpPr/>
+          <p:nvPr/>
+        </p:nvSpPr>
+        <p:spPr bwMode="ltGray">
+          <a:xfrm>
+            <a:off x="0" y="609600"/>
+            <a:ext cx="10437812" cy="1368198"/>
+          </a:xfrm>
+          <a:prstGeom prst="rect">
+            <a:avLst/>
+          </a:prstGeom>
+          <a:solidFill>
+            <a:schemeClr val="bg1">
+              <a:lumMod val="85000"/>
+              <a:lumOff val="15000"/>
+            </a:schemeClr>
+          </a:solidFill>
+          <a:ln>
+            <a:noFill/>
+          </a:ln>
+        </p:spPr>
+        <p:style>
+          <a:lnRef idx="2">
+            <a:schemeClr val="accent1">
+              <a:shade val="50000"/>
+            </a:schemeClr>
+          </a:lnRef>
+          <a:fillRef idx="1">
+            <a:schemeClr val="accent1"/>
+          </a:fillRef>
+          <a:effectRef idx="0">
+            <a:schemeClr val="accent1"/>
+          </a:effectRef>
+          <a:fontRef idx="minor">
+            <a:schemeClr val="lt1"/>
+          </a:fontRef>
+        </p:style>
+      </p:sp>
+      <p:sp>
+        <p:nvSpPr>
+          <p:cNvPr id="18" name="Rectangle 17"/>
+          <p:cNvSpPr/>
+          <p:nvPr/>
+        </p:nvSpPr>
+        <p:spPr>
+          <a:xfrm>
+            <a:off x="10585827" y="609600"/>
+            <a:ext cx="1602997" cy="1368198"/>
+          </a:xfrm>
+          <a:prstGeom prst="rect">
+            <a:avLst/>
+          </a:prstGeom>
+          <a:solidFill>
+            <a:schemeClr val="accent1"/>
+          </a:solidFill>
+          <a:ln>
+            <a:noFill/>
+          </a:ln>
+        </p:spPr>
+        <p:style>
+          <a:lnRef idx="2">
+            <a:schemeClr val="accent1">
+              <a:shade val="50000"/>
+            </a:schemeClr>
+          </a:lnRef>
+          <a:fillRef idx="1">
+            <a:schemeClr val="accent1"/>
+          </a:fillRef>
+          <a:effectRef idx="0">
+            <a:schemeClr val="accent1"/>
+          </a:effectRef>
+          <a:fontRef idx="minor">
+            <a:schemeClr val="lt1"/>
+          </a:fontRef>
+        </p:style>
+      </p:sp>
       <p:sp>
         <p:nvSpPr>
           <p:cNvPr id="2" name="Title 1"/>
@@ -765,11 +4601,11 @@
           <a:bodyPr/>
           <a:lstStyle/>
           <a:p>
-            <a:fld id="{4F9D234B-BA72-4F4D-8FEF-1D89CC837754}" type="datetimeFigureOut">
-              <a:rPr lang="en-GB" smtClean="0"/>
-              <a:t>03/09/2025</a:t>
+            <a:fld id="{2D72B13E-33E1-4518-9566-D50598226E4B}" type="datetimeFigureOut">
+              <a:rPr lang="en-IL" smtClean="0"/>
+              <a:t>25/09/2025</a:t>
             </a:fld>
-            <a:endParaRPr lang="en-GB"/>
+            <a:endParaRPr lang="en-IL"/>
           </a:p>
         </p:txBody>
       </p:sp>
@@ -788,7 +4624,7 @@
           <a:bodyPr/>
           <a:lstStyle/>
           <a:p>
-            <a:endParaRPr lang="en-GB"/>
+            <a:endParaRPr lang="en-IL"/>
           </a:p>
         </p:txBody>
       </p:sp>
@@ -807,18 +4643,18 @@
           <a:bodyPr/>
           <a:lstStyle/>
           <a:p>
-            <a:fld id="{3681FAB0-5468-4722-9741-171A7029CF2B}" type="slidenum">
-              <a:rPr lang="en-GB" smtClean="0"/>
+            <a:fld id="{1BA5EC1C-4E08-4775-A2B3-6A693CC6E631}" type="slidenum">
+              <a:rPr lang="en-IL" smtClean="0"/>
               <a:t>‹#›</a:t>
             </a:fld>
-            <a:endParaRPr lang="en-GB"/>
+            <a:endParaRPr lang="en-IL"/>
           </a:p>
         </p:txBody>
       </p:sp>
     </p:spTree>
     <p:extLst>
       <p:ext uri="{BB962C8B-B14F-4D97-AF65-F5344CB8AC3E}">
-        <p14:creationId xmlns:p14="http://schemas.microsoft.com/office/powerpoint/2010/main" val="444426542"/>
+        <p14:creationId xmlns:p14="http://schemas.microsoft.com/office/powerpoint/2010/main" val="2063956368"/>
       </p:ext>
     </p:extLst>
   </p:cSld>
@@ -845,6 +4681,145 @@
           <a:chExt cx="0" cy="0"/>
         </a:xfrm>
       </p:grpSpPr>
+      <p:pic>
+        <p:nvPicPr>
+          <p:cNvPr id="7" name="Picture 6" descr="HD-ShadowLong.png"/>
+          <p:cNvPicPr>
+            <a:picLocks noChangeAspect="1"/>
+          </p:cNvPicPr>
+          <p:nvPr/>
+        </p:nvPicPr>
+        <p:blipFill>
+          <a:blip r:embed="rId2">
+            <a:extLst>
+              <a:ext uri="{28A0092B-C50C-407E-A947-70E740481C1C}">
+                <a14:useLocalDpi xmlns:a14="http://schemas.microsoft.com/office/drawing/2010/main" val="0"/>
+              </a:ext>
+            </a:extLst>
+          </a:blip>
+          <a:stretch>
+            <a:fillRect/>
+          </a:stretch>
+        </p:blipFill>
+        <p:spPr>
+          <a:xfrm>
+            <a:off x="-1" y="4086907"/>
+            <a:ext cx="10437812" cy="321164"/>
+          </a:xfrm>
+          <a:prstGeom prst="rect">
+            <a:avLst/>
+          </a:prstGeom>
+        </p:spPr>
+      </p:pic>
+      <p:pic>
+        <p:nvPicPr>
+          <p:cNvPr id="8" name="Picture 7" descr="HD-ShadowShort.png"/>
+          <p:cNvPicPr>
+            <a:picLocks noChangeAspect="1"/>
+          </p:cNvPicPr>
+          <p:nvPr/>
+        </p:nvPicPr>
+        <p:blipFill>
+          <a:blip r:embed="rId3">
+            <a:extLst>
+              <a:ext uri="{28A0092B-C50C-407E-A947-70E740481C1C}">
+                <a14:useLocalDpi xmlns:a14="http://schemas.microsoft.com/office/drawing/2010/main" val="0"/>
+              </a:ext>
+            </a:extLst>
+          </a:blip>
+          <a:stretch>
+            <a:fillRect/>
+          </a:stretch>
+        </p:blipFill>
+        <p:spPr>
+          <a:xfrm>
+            <a:off x="10585824" y="4087901"/>
+            <a:ext cx="1602997" cy="144270"/>
+          </a:xfrm>
+          <a:prstGeom prst="rect">
+            <a:avLst/>
+          </a:prstGeom>
+        </p:spPr>
+      </p:pic>
+      <p:sp>
+        <p:nvSpPr>
+          <p:cNvPr id="9" name="Rectangle 8"/>
+          <p:cNvSpPr/>
+          <p:nvPr/>
+        </p:nvSpPr>
+        <p:spPr bwMode="ltGray">
+          <a:xfrm>
+            <a:off x="-2" y="2726267"/>
+            <a:ext cx="10437812" cy="1368198"/>
+          </a:xfrm>
+          <a:prstGeom prst="rect">
+            <a:avLst/>
+          </a:prstGeom>
+          <a:solidFill>
+            <a:schemeClr val="bg1">
+              <a:lumMod val="85000"/>
+              <a:lumOff val="15000"/>
+            </a:schemeClr>
+          </a:solidFill>
+          <a:ln>
+            <a:noFill/>
+          </a:ln>
+        </p:spPr>
+        <p:style>
+          <a:lnRef idx="2">
+            <a:schemeClr val="accent1">
+              <a:shade val="50000"/>
+            </a:schemeClr>
+          </a:lnRef>
+          <a:fillRef idx="1">
+            <a:schemeClr val="accent1"/>
+          </a:fillRef>
+          <a:effectRef idx="0">
+            <a:schemeClr val="accent1"/>
+          </a:effectRef>
+          <a:fontRef idx="minor">
+            <a:schemeClr val="lt1"/>
+          </a:fontRef>
+        </p:style>
+      </p:sp>
+      <p:sp>
+        <p:nvSpPr>
+          <p:cNvPr id="10" name="Rectangle 9"/>
+          <p:cNvSpPr/>
+          <p:nvPr/>
+        </p:nvSpPr>
+        <p:spPr>
+          <a:xfrm>
+            <a:off x="10585825" y="2726267"/>
+            <a:ext cx="1602997" cy="1368198"/>
+          </a:xfrm>
+          <a:prstGeom prst="rect">
+            <a:avLst/>
+          </a:prstGeom>
+          <a:solidFill>
+            <a:schemeClr val="accent1"/>
+          </a:solidFill>
+          <a:ln>
+            <a:noFill/>
+          </a:ln>
+        </p:spPr>
+        <p:style>
+          <a:lnRef idx="2">
+            <a:schemeClr val="accent1">
+              <a:shade val="50000"/>
+            </a:schemeClr>
+          </a:lnRef>
+          <a:fillRef idx="1">
+            <a:schemeClr val="accent1"/>
+          </a:fillRef>
+          <a:effectRef idx="0">
+            <a:schemeClr val="accent1"/>
+          </a:effectRef>
+          <a:fontRef idx="minor">
+            <a:schemeClr val="lt1"/>
+          </a:fontRef>
+        </p:style>
+      </p:sp>
       <p:sp>
         <p:nvSpPr>
           <p:cNvPr id="2" name="Title 1"/>
@@ -857,15 +4832,17 @@
         </p:nvSpPr>
         <p:spPr>
           <a:xfrm>
-            <a:off x="831850" y="1709738"/>
-            <a:ext cx="10515600" cy="2852737"/>
-          </a:xfrm>
-        </p:spPr>
-        <p:txBody>
-          <a:bodyPr anchor="b"/>
+            <a:off x="680322" y="2869895"/>
+            <a:ext cx="9613860" cy="1090788"/>
+          </a:xfrm>
+        </p:spPr>
+        <p:txBody>
+          <a:bodyPr anchor="ctr">
+            <a:normAutofit/>
+          </a:bodyPr>
           <a:lstStyle>
-            <a:lvl1pPr>
-              <a:defRPr sz="6000"/>
+            <a:lvl1pPr algn="r">
+              <a:defRPr sz="3600"/>
             </a:lvl1pPr>
           </a:lstStyle>
           <a:p>
@@ -889,19 +4866,21 @@
         </p:nvSpPr>
         <p:spPr>
           <a:xfrm>
-            <a:off x="831850" y="4589463"/>
-            <a:ext cx="10515600" cy="1500187"/>
-          </a:xfrm>
-        </p:spPr>
-        <p:txBody>
-          <a:bodyPr/>
+            <a:off x="680322" y="4232171"/>
+            <a:ext cx="9613860" cy="1704017"/>
+          </a:xfrm>
+        </p:spPr>
+        <p:txBody>
+          <a:bodyPr>
+            <a:normAutofit/>
+          </a:bodyPr>
           <a:lstStyle>
-            <a:lvl1pPr marL="0" indent="0">
-              <a:buNone/>
-              <a:defRPr sz="2400">
+            <a:lvl1pPr marL="0" indent="0" algn="r">
+              <a:buNone/>
+              <a:defRPr sz="2000">
                 <a:solidFill>
                   <a:schemeClr val="tx1">
-                    <a:tint val="82000"/>
+                    <a:tint val="75000"/>
                   </a:schemeClr>
                 </a:solidFill>
               </a:defRPr>
@@ -911,7 +4890,7 @@
               <a:defRPr sz="2000">
                 <a:solidFill>
                   <a:schemeClr val="tx1">
-                    <a:tint val="82000"/>
+                    <a:tint val="75000"/>
                   </a:schemeClr>
                 </a:solidFill>
               </a:defRPr>
@@ -921,7 +4900,7 @@
               <a:defRPr sz="1800">
                 <a:solidFill>
                   <a:schemeClr val="tx1">
-                    <a:tint val="82000"/>
+                    <a:tint val="75000"/>
                   </a:schemeClr>
                 </a:solidFill>
               </a:defRPr>
@@ -931,7 +4910,7 @@
               <a:defRPr sz="1600">
                 <a:solidFill>
                   <a:schemeClr val="tx1">
-                    <a:tint val="82000"/>
+                    <a:tint val="75000"/>
                   </a:schemeClr>
                 </a:solidFill>
               </a:defRPr>
@@ -941,7 +4920,7 @@
               <a:defRPr sz="1600">
                 <a:solidFill>
                   <a:schemeClr val="tx1">
-                    <a:tint val="82000"/>
+                    <a:tint val="75000"/>
                   </a:schemeClr>
                 </a:solidFill>
               </a:defRPr>
@@ -951,7 +4930,7 @@
               <a:defRPr sz="1600">
                 <a:solidFill>
                   <a:schemeClr val="tx1">
-                    <a:tint val="82000"/>
+                    <a:tint val="75000"/>
                   </a:schemeClr>
                 </a:solidFill>
               </a:defRPr>
@@ -961,7 +4940,7 @@
               <a:defRPr sz="1600">
                 <a:solidFill>
                   <a:schemeClr val="tx1">
-                    <a:tint val="82000"/>
+                    <a:tint val="75000"/>
                   </a:schemeClr>
                 </a:solidFill>
               </a:defRPr>
@@ -971,7 +4950,7 @@
               <a:defRPr sz="1600">
                 <a:solidFill>
                   <a:schemeClr val="tx1">
-                    <a:tint val="82000"/>
+                    <a:tint val="75000"/>
                   </a:schemeClr>
                 </a:solidFill>
               </a:defRPr>
@@ -981,7 +4960,7 @@
               <a:defRPr sz="1600">
                 <a:solidFill>
                   <a:schemeClr val="tx1">
-                    <a:tint val="82000"/>
+                    <a:tint val="75000"/>
                   </a:schemeClr>
                 </a:solidFill>
               </a:defRPr>
@@ -1011,11 +4990,11 @@
           <a:bodyPr/>
           <a:lstStyle/>
           <a:p>
-            <a:fld id="{4F9D234B-BA72-4F4D-8FEF-1D89CC837754}" type="datetimeFigureOut">
-              <a:rPr lang="en-GB" smtClean="0"/>
-              <a:t>03/09/2025</a:t>
+            <a:fld id="{2D72B13E-33E1-4518-9566-D50598226E4B}" type="datetimeFigureOut">
+              <a:rPr lang="en-IL" smtClean="0"/>
+              <a:t>25/09/2025</a:t>
             </a:fld>
-            <a:endParaRPr lang="en-GB"/>
+            <a:endParaRPr lang="en-IL"/>
           </a:p>
         </p:txBody>
       </p:sp>
@@ -1034,7 +5013,7 @@
           <a:bodyPr/>
           <a:lstStyle/>
           <a:p>
-            <a:endParaRPr lang="en-GB"/>
+            <a:endParaRPr lang="en-IL"/>
           </a:p>
         </p:txBody>
       </p:sp>
@@ -1048,23 +5027,28 @@
             <p:ph type="sldNum" sz="quarter" idx="12"/>
           </p:nvPr>
         </p:nvSpPr>
-        <p:spPr/>
+        <p:spPr>
+          <a:xfrm>
+            <a:off x="10729455" y="2869895"/>
+            <a:ext cx="1154151" cy="1090789"/>
+          </a:xfrm>
+        </p:spPr>
         <p:txBody>
           <a:bodyPr/>
           <a:lstStyle/>
           <a:p>
-            <a:fld id="{3681FAB0-5468-4722-9741-171A7029CF2B}" type="slidenum">
-              <a:rPr lang="en-GB" smtClean="0"/>
+            <a:fld id="{1BA5EC1C-4E08-4775-A2B3-6A693CC6E631}" type="slidenum">
+              <a:rPr lang="en-IL" smtClean="0"/>
               <a:t>‹#›</a:t>
             </a:fld>
-            <a:endParaRPr lang="en-GB"/>
+            <a:endParaRPr lang="en-IL"/>
           </a:p>
         </p:txBody>
       </p:sp>
     </p:spTree>
     <p:extLst>
       <p:ext uri="{BB962C8B-B14F-4D97-AF65-F5344CB8AC3E}">
-        <p14:creationId xmlns:p14="http://schemas.microsoft.com/office/powerpoint/2010/main" val="920675813"/>
+        <p14:creationId xmlns:p14="http://schemas.microsoft.com/office/powerpoint/2010/main" val="37385339"/>
       </p:ext>
     </p:extLst>
   </p:cSld>
@@ -1091,6 +5075,145 @@
           <a:chExt cx="0" cy="0"/>
         </a:xfrm>
       </p:grpSpPr>
+      <p:pic>
+        <p:nvPicPr>
+          <p:cNvPr id="8" name="Picture 7" descr="HD-ShadowLong.png"/>
+          <p:cNvPicPr>
+            <a:picLocks noChangeAspect="1"/>
+          </p:cNvPicPr>
+          <p:nvPr/>
+        </p:nvPicPr>
+        <p:blipFill>
+          <a:blip r:embed="rId2">
+            <a:extLst>
+              <a:ext uri="{28A0092B-C50C-407E-A947-70E740481C1C}">
+                <a14:useLocalDpi xmlns:a14="http://schemas.microsoft.com/office/drawing/2010/main" val="0"/>
+              </a:ext>
+            </a:extLst>
+          </a:blip>
+          <a:stretch>
+            <a:fillRect/>
+          </a:stretch>
+        </p:blipFill>
+        <p:spPr>
+          <a:xfrm>
+            <a:off x="1" y="1970240"/>
+            <a:ext cx="10437812" cy="321164"/>
+          </a:xfrm>
+          <a:prstGeom prst="rect">
+            <a:avLst/>
+          </a:prstGeom>
+        </p:spPr>
+      </p:pic>
+      <p:pic>
+        <p:nvPicPr>
+          <p:cNvPr id="9" name="Picture 8" descr="HD-ShadowShort.png"/>
+          <p:cNvPicPr>
+            <a:picLocks noChangeAspect="1"/>
+          </p:cNvPicPr>
+          <p:nvPr/>
+        </p:nvPicPr>
+        <p:blipFill>
+          <a:blip r:embed="rId3">
+            <a:extLst>
+              <a:ext uri="{28A0092B-C50C-407E-A947-70E740481C1C}">
+                <a14:useLocalDpi xmlns:a14="http://schemas.microsoft.com/office/drawing/2010/main" val="0"/>
+              </a:ext>
+            </a:extLst>
+          </a:blip>
+          <a:stretch>
+            <a:fillRect/>
+          </a:stretch>
+        </p:blipFill>
+        <p:spPr>
+          <a:xfrm>
+            <a:off x="10585826" y="1971234"/>
+            <a:ext cx="1602997" cy="144270"/>
+          </a:xfrm>
+          <a:prstGeom prst="rect">
+            <a:avLst/>
+          </a:prstGeom>
+        </p:spPr>
+      </p:pic>
+      <p:sp>
+        <p:nvSpPr>
+          <p:cNvPr id="10" name="Rectangle 9"/>
+          <p:cNvSpPr/>
+          <p:nvPr/>
+        </p:nvSpPr>
+        <p:spPr bwMode="ltGray">
+          <a:xfrm>
+            <a:off x="0" y="609600"/>
+            <a:ext cx="10437812" cy="1368198"/>
+          </a:xfrm>
+          <a:prstGeom prst="rect">
+            <a:avLst/>
+          </a:prstGeom>
+          <a:solidFill>
+            <a:schemeClr val="bg1">
+              <a:lumMod val="85000"/>
+              <a:lumOff val="15000"/>
+            </a:schemeClr>
+          </a:solidFill>
+          <a:ln>
+            <a:noFill/>
+          </a:ln>
+        </p:spPr>
+        <p:style>
+          <a:lnRef idx="2">
+            <a:schemeClr val="accent1">
+              <a:shade val="50000"/>
+            </a:schemeClr>
+          </a:lnRef>
+          <a:fillRef idx="1">
+            <a:schemeClr val="accent1"/>
+          </a:fillRef>
+          <a:effectRef idx="0">
+            <a:schemeClr val="accent1"/>
+          </a:effectRef>
+          <a:fontRef idx="minor">
+            <a:schemeClr val="lt1"/>
+          </a:fontRef>
+        </p:style>
+      </p:sp>
+      <p:sp>
+        <p:nvSpPr>
+          <p:cNvPr id="11" name="Rectangle 10"/>
+          <p:cNvSpPr/>
+          <p:nvPr/>
+        </p:nvSpPr>
+        <p:spPr>
+          <a:xfrm>
+            <a:off x="10585827" y="609600"/>
+            <a:ext cx="1602997" cy="1368198"/>
+          </a:xfrm>
+          <a:prstGeom prst="rect">
+            <a:avLst/>
+          </a:prstGeom>
+          <a:solidFill>
+            <a:schemeClr val="accent1"/>
+          </a:solidFill>
+          <a:ln>
+            <a:noFill/>
+          </a:ln>
+        </p:spPr>
+        <p:style>
+          <a:lnRef idx="2">
+            <a:schemeClr val="accent1">
+              <a:shade val="50000"/>
+            </a:schemeClr>
+          </a:lnRef>
+          <a:fillRef idx="1">
+            <a:schemeClr val="accent1"/>
+          </a:fillRef>
+          <a:effectRef idx="0">
+            <a:schemeClr val="accent1"/>
+          </a:effectRef>
+          <a:fontRef idx="minor">
+            <a:schemeClr val="lt1"/>
+          </a:fontRef>
+        </p:style>
+      </p:sp>
       <p:sp>
         <p:nvSpPr>
           <p:cNvPr id="2" name="Title 1"/>
@@ -1126,8 +5249,8 @@
         </p:nvSpPr>
         <p:spPr>
           <a:xfrm>
-            <a:off x="838200" y="1825625"/>
-            <a:ext cx="5181600" cy="4351338"/>
+            <a:off x="680320" y="2336873"/>
+            <a:ext cx="4698358" cy="3599316"/>
           </a:xfrm>
         </p:spPr>
         <p:txBody>
@@ -1183,8 +5306,8 @@
         </p:nvSpPr>
         <p:spPr>
           <a:xfrm>
-            <a:off x="6172200" y="1825625"/>
-            <a:ext cx="5181600" cy="4351338"/>
+            <a:off x="5594123" y="2336873"/>
+            <a:ext cx="4700058" cy="3599316"/>
           </a:xfrm>
         </p:spPr>
         <p:txBody>
@@ -1243,11 +5366,11 @@
           <a:bodyPr/>
           <a:lstStyle/>
           <a:p>
-            <a:fld id="{4F9D234B-BA72-4F4D-8FEF-1D89CC837754}" type="datetimeFigureOut">
-              <a:rPr lang="en-GB" smtClean="0"/>
-              <a:t>03/09/2025</a:t>
+            <a:fld id="{2D72B13E-33E1-4518-9566-D50598226E4B}" type="datetimeFigureOut">
+              <a:rPr lang="en-IL" smtClean="0"/>
+              <a:t>25/09/2025</a:t>
             </a:fld>
-            <a:endParaRPr lang="en-GB"/>
+            <a:endParaRPr lang="en-IL"/>
           </a:p>
         </p:txBody>
       </p:sp>
@@ -1266,7 +5389,7 @@
           <a:bodyPr/>
           <a:lstStyle/>
           <a:p>
-            <a:endParaRPr lang="en-GB"/>
+            <a:endParaRPr lang="en-IL"/>
           </a:p>
         </p:txBody>
       </p:sp>
@@ -1285,18 +5408,18 @@
           <a:bodyPr/>
           <a:lstStyle/>
           <a:p>
-            <a:fld id="{3681FAB0-5468-4722-9741-171A7029CF2B}" type="slidenum">
-              <a:rPr lang="en-GB" smtClean="0"/>
+            <a:fld id="{1BA5EC1C-4E08-4775-A2B3-6A693CC6E631}" type="slidenum">
+              <a:rPr lang="en-IL" smtClean="0"/>
               <a:t>‹#›</a:t>
             </a:fld>
-            <a:endParaRPr lang="en-GB"/>
+            <a:endParaRPr lang="en-IL"/>
           </a:p>
         </p:txBody>
       </p:sp>
     </p:spTree>
     <p:extLst>
       <p:ext uri="{BB962C8B-B14F-4D97-AF65-F5344CB8AC3E}">
-        <p14:creationId xmlns:p14="http://schemas.microsoft.com/office/powerpoint/2010/main" val="1123146931"/>
+        <p14:creationId xmlns:p14="http://schemas.microsoft.com/office/powerpoint/2010/main" val="743490618"/>
       </p:ext>
     </p:extLst>
   </p:cSld>
@@ -1323,6 +5446,145 @@
           <a:chExt cx="0" cy="0"/>
         </a:xfrm>
       </p:grpSpPr>
+      <p:pic>
+        <p:nvPicPr>
+          <p:cNvPr id="10" name="Picture 9" descr="HD-ShadowLong.png"/>
+          <p:cNvPicPr>
+            <a:picLocks noChangeAspect="1"/>
+          </p:cNvPicPr>
+          <p:nvPr/>
+        </p:nvPicPr>
+        <p:blipFill>
+          <a:blip r:embed="rId2">
+            <a:extLst>
+              <a:ext uri="{28A0092B-C50C-407E-A947-70E740481C1C}">
+                <a14:useLocalDpi xmlns:a14="http://schemas.microsoft.com/office/drawing/2010/main" val="0"/>
+              </a:ext>
+            </a:extLst>
+          </a:blip>
+          <a:stretch>
+            <a:fillRect/>
+          </a:stretch>
+        </p:blipFill>
+        <p:spPr>
+          <a:xfrm>
+            <a:off x="1" y="1970240"/>
+            <a:ext cx="10437812" cy="321164"/>
+          </a:xfrm>
+          <a:prstGeom prst="rect">
+            <a:avLst/>
+          </a:prstGeom>
+        </p:spPr>
+      </p:pic>
+      <p:pic>
+        <p:nvPicPr>
+          <p:cNvPr id="11" name="Picture 10" descr="HD-ShadowShort.png"/>
+          <p:cNvPicPr>
+            <a:picLocks noChangeAspect="1"/>
+          </p:cNvPicPr>
+          <p:nvPr/>
+        </p:nvPicPr>
+        <p:blipFill>
+          <a:blip r:embed="rId3">
+            <a:extLst>
+              <a:ext uri="{28A0092B-C50C-407E-A947-70E740481C1C}">
+                <a14:useLocalDpi xmlns:a14="http://schemas.microsoft.com/office/drawing/2010/main" val="0"/>
+              </a:ext>
+            </a:extLst>
+          </a:blip>
+          <a:stretch>
+            <a:fillRect/>
+          </a:stretch>
+        </p:blipFill>
+        <p:spPr>
+          <a:xfrm>
+            <a:off x="10585826" y="1971234"/>
+            <a:ext cx="1602997" cy="144270"/>
+          </a:xfrm>
+          <a:prstGeom prst="rect">
+            <a:avLst/>
+          </a:prstGeom>
+        </p:spPr>
+      </p:pic>
+      <p:sp>
+        <p:nvSpPr>
+          <p:cNvPr id="12" name="Rectangle 11"/>
+          <p:cNvSpPr/>
+          <p:nvPr/>
+        </p:nvSpPr>
+        <p:spPr bwMode="ltGray">
+          <a:xfrm>
+            <a:off x="0" y="609600"/>
+            <a:ext cx="10437812" cy="1368198"/>
+          </a:xfrm>
+          <a:prstGeom prst="rect">
+            <a:avLst/>
+          </a:prstGeom>
+          <a:solidFill>
+            <a:schemeClr val="bg1">
+              <a:lumMod val="85000"/>
+              <a:lumOff val="15000"/>
+            </a:schemeClr>
+          </a:solidFill>
+          <a:ln>
+            <a:noFill/>
+          </a:ln>
+        </p:spPr>
+        <p:style>
+          <a:lnRef idx="2">
+            <a:schemeClr val="accent1">
+              <a:shade val="50000"/>
+            </a:schemeClr>
+          </a:lnRef>
+          <a:fillRef idx="1">
+            <a:schemeClr val="accent1"/>
+          </a:fillRef>
+          <a:effectRef idx="0">
+            <a:schemeClr val="accent1"/>
+          </a:effectRef>
+          <a:fontRef idx="minor">
+            <a:schemeClr val="lt1"/>
+          </a:fontRef>
+        </p:style>
+      </p:sp>
+      <p:sp>
+        <p:nvSpPr>
+          <p:cNvPr id="13" name="Rectangle 12"/>
+          <p:cNvSpPr/>
+          <p:nvPr/>
+        </p:nvSpPr>
+        <p:spPr>
+          <a:xfrm>
+            <a:off x="10585827" y="609600"/>
+            <a:ext cx="1602997" cy="1368198"/>
+          </a:xfrm>
+          <a:prstGeom prst="rect">
+            <a:avLst/>
+          </a:prstGeom>
+          <a:solidFill>
+            <a:schemeClr val="accent1"/>
+          </a:solidFill>
+          <a:ln>
+            <a:noFill/>
+          </a:ln>
+        </p:spPr>
+        <p:style>
+          <a:lnRef idx="2">
+            <a:schemeClr val="accent1">
+              <a:shade val="50000"/>
+            </a:schemeClr>
+          </a:lnRef>
+          <a:fillRef idx="1">
+            <a:schemeClr val="accent1"/>
+          </a:fillRef>
+          <a:effectRef idx="0">
+            <a:schemeClr val="accent1"/>
+          </a:effectRef>
+          <a:fontRef idx="minor">
+            <a:schemeClr val="lt1"/>
+          </a:fontRef>
+        </p:style>
+      </p:sp>
       <p:sp>
         <p:nvSpPr>
           <p:cNvPr id="2" name="Title 1"/>
@@ -1335,8 +5597,8 @@
         </p:nvSpPr>
         <p:spPr>
           <a:xfrm>
-            <a:off x="839788" y="365125"/>
-            <a:ext cx="10515600" cy="1325563"/>
+            <a:off x="680319" y="753229"/>
+            <a:ext cx="9613863" cy="1080937"/>
           </a:xfrm>
         </p:spPr>
         <p:txBody>
@@ -1363,8 +5625,8 @@
         </p:nvSpPr>
         <p:spPr>
           <a:xfrm>
-            <a:off x="839788" y="1681163"/>
-            <a:ext cx="5157787" cy="823912"/>
+            <a:off x="906350" y="2336873"/>
+            <a:ext cx="4472327" cy="693135"/>
           </a:xfrm>
         </p:spPr>
         <p:txBody>
@@ -1428,8 +5690,8 @@
         </p:nvSpPr>
         <p:spPr>
           <a:xfrm>
-            <a:off x="839788" y="2505075"/>
-            <a:ext cx="5157787" cy="3684588"/>
+            <a:off x="680322" y="3030008"/>
+            <a:ext cx="4698355" cy="2906179"/>
           </a:xfrm>
         </p:spPr>
         <p:txBody>
@@ -1485,8 +5747,8 @@
         </p:nvSpPr>
         <p:spPr>
           <a:xfrm>
-            <a:off x="6172200" y="1681163"/>
-            <a:ext cx="5183188" cy="823912"/>
+            <a:off x="5820154" y="2336873"/>
+            <a:ext cx="4474028" cy="692076"/>
           </a:xfrm>
         </p:spPr>
         <p:txBody>
@@ -1550,8 +5812,8 @@
         </p:nvSpPr>
         <p:spPr>
           <a:xfrm>
-            <a:off x="6172200" y="2505075"/>
-            <a:ext cx="5183188" cy="3684588"/>
+            <a:off x="5594123" y="3030008"/>
+            <a:ext cx="4700059" cy="2906179"/>
           </a:xfrm>
         </p:spPr>
         <p:txBody>
@@ -1610,11 +5872,11 @@
           <a:bodyPr/>
           <a:lstStyle/>
           <a:p>
-            <a:fld id="{4F9D234B-BA72-4F4D-8FEF-1D89CC837754}" type="datetimeFigureOut">
-              <a:rPr lang="en-GB" smtClean="0"/>
-              <a:t>03/09/2025</a:t>
+            <a:fld id="{2D72B13E-33E1-4518-9566-D50598226E4B}" type="datetimeFigureOut">
+              <a:rPr lang="en-IL" smtClean="0"/>
+              <a:t>25/09/2025</a:t>
             </a:fld>
-            <a:endParaRPr lang="en-GB"/>
+            <a:endParaRPr lang="en-IL"/>
           </a:p>
         </p:txBody>
       </p:sp>
@@ -1633,7 +5895,7 @@
           <a:bodyPr/>
           <a:lstStyle/>
           <a:p>
-            <a:endParaRPr lang="en-GB"/>
+            <a:endParaRPr lang="en-IL"/>
           </a:p>
         </p:txBody>
       </p:sp>
@@ -1652,18 +5914,18 @@
           <a:bodyPr/>
           <a:lstStyle/>
           <a:p>
-            <a:fld id="{3681FAB0-5468-4722-9741-171A7029CF2B}" type="slidenum">
-              <a:rPr lang="en-GB" smtClean="0"/>
+            <a:fld id="{1BA5EC1C-4E08-4775-A2B3-6A693CC6E631}" type="slidenum">
+              <a:rPr lang="en-IL" smtClean="0"/>
               <a:t>‹#›</a:t>
             </a:fld>
-            <a:endParaRPr lang="en-GB"/>
+            <a:endParaRPr lang="en-IL"/>
           </a:p>
         </p:txBody>
       </p:sp>
     </p:spTree>
     <p:extLst>
       <p:ext uri="{BB962C8B-B14F-4D97-AF65-F5344CB8AC3E}">
-        <p14:creationId xmlns:p14="http://schemas.microsoft.com/office/powerpoint/2010/main" val="209475116"/>
+        <p14:creationId xmlns:p14="http://schemas.microsoft.com/office/powerpoint/2010/main" val="1913845057"/>
       </p:ext>
     </p:extLst>
   </p:cSld>
@@ -1690,6 +5952,145 @@
           <a:chExt cx="0" cy="0"/>
         </a:xfrm>
       </p:grpSpPr>
+      <p:pic>
+        <p:nvPicPr>
+          <p:cNvPr id="6" name="Picture 5" descr="HD-ShadowLong.png"/>
+          <p:cNvPicPr>
+            <a:picLocks noChangeAspect="1"/>
+          </p:cNvPicPr>
+          <p:nvPr/>
+        </p:nvPicPr>
+        <p:blipFill>
+          <a:blip r:embed="rId2">
+            <a:extLst>
+              <a:ext uri="{28A0092B-C50C-407E-A947-70E740481C1C}">
+                <a14:useLocalDpi xmlns:a14="http://schemas.microsoft.com/office/drawing/2010/main" val="0"/>
+              </a:ext>
+            </a:extLst>
+          </a:blip>
+          <a:stretch>
+            <a:fillRect/>
+          </a:stretch>
+        </p:blipFill>
+        <p:spPr>
+          <a:xfrm>
+            <a:off x="1" y="1970240"/>
+            <a:ext cx="10437812" cy="321164"/>
+          </a:xfrm>
+          <a:prstGeom prst="rect">
+            <a:avLst/>
+          </a:prstGeom>
+        </p:spPr>
+      </p:pic>
+      <p:pic>
+        <p:nvPicPr>
+          <p:cNvPr id="7" name="Picture 6" descr="HD-ShadowShort.png"/>
+          <p:cNvPicPr>
+            <a:picLocks noChangeAspect="1"/>
+          </p:cNvPicPr>
+          <p:nvPr/>
+        </p:nvPicPr>
+        <p:blipFill>
+          <a:blip r:embed="rId3">
+            <a:extLst>
+              <a:ext uri="{28A0092B-C50C-407E-A947-70E740481C1C}">
+                <a14:useLocalDpi xmlns:a14="http://schemas.microsoft.com/office/drawing/2010/main" val="0"/>
+              </a:ext>
+            </a:extLst>
+          </a:blip>
+          <a:stretch>
+            <a:fillRect/>
+          </a:stretch>
+        </p:blipFill>
+        <p:spPr>
+          <a:xfrm>
+            <a:off x="10585826" y="1971234"/>
+            <a:ext cx="1602997" cy="144270"/>
+          </a:xfrm>
+          <a:prstGeom prst="rect">
+            <a:avLst/>
+          </a:prstGeom>
+        </p:spPr>
+      </p:pic>
+      <p:sp>
+        <p:nvSpPr>
+          <p:cNvPr id="8" name="Rectangle 7"/>
+          <p:cNvSpPr/>
+          <p:nvPr/>
+        </p:nvSpPr>
+        <p:spPr bwMode="ltGray">
+          <a:xfrm>
+            <a:off x="0" y="609600"/>
+            <a:ext cx="10437812" cy="1368198"/>
+          </a:xfrm>
+          <a:prstGeom prst="rect">
+            <a:avLst/>
+          </a:prstGeom>
+          <a:solidFill>
+            <a:schemeClr val="bg1">
+              <a:lumMod val="85000"/>
+              <a:lumOff val="15000"/>
+            </a:schemeClr>
+          </a:solidFill>
+          <a:ln>
+            <a:noFill/>
+          </a:ln>
+        </p:spPr>
+        <p:style>
+          <a:lnRef idx="2">
+            <a:schemeClr val="accent1">
+              <a:shade val="50000"/>
+            </a:schemeClr>
+          </a:lnRef>
+          <a:fillRef idx="1">
+            <a:schemeClr val="accent1"/>
+          </a:fillRef>
+          <a:effectRef idx="0">
+            <a:schemeClr val="accent1"/>
+          </a:effectRef>
+          <a:fontRef idx="minor">
+            <a:schemeClr val="lt1"/>
+          </a:fontRef>
+        </p:style>
+      </p:sp>
+      <p:sp>
+        <p:nvSpPr>
+          <p:cNvPr id="9" name="Rectangle 8"/>
+          <p:cNvSpPr/>
+          <p:nvPr/>
+        </p:nvSpPr>
+        <p:spPr>
+          <a:xfrm>
+            <a:off x="10585827" y="609600"/>
+            <a:ext cx="1602997" cy="1368198"/>
+          </a:xfrm>
+          <a:prstGeom prst="rect">
+            <a:avLst/>
+          </a:prstGeom>
+          <a:solidFill>
+            <a:schemeClr val="accent1"/>
+          </a:solidFill>
+          <a:ln>
+            <a:noFill/>
+          </a:ln>
+        </p:spPr>
+        <p:style>
+          <a:lnRef idx="2">
+            <a:schemeClr val="accent1">
+              <a:shade val="50000"/>
+            </a:schemeClr>
+          </a:lnRef>
+          <a:fillRef idx="1">
+            <a:schemeClr val="accent1"/>
+          </a:fillRef>
+          <a:effectRef idx="0">
+            <a:schemeClr val="accent1"/>
+          </a:effectRef>
+          <a:fontRef idx="minor">
+            <a:schemeClr val="lt1"/>
+          </a:fontRef>
+        </p:style>
+      </p:sp>
       <p:sp>
         <p:nvSpPr>
           <p:cNvPr id="2" name="Title 1"/>
@@ -1728,11 +6129,11 @@
           <a:bodyPr/>
           <a:lstStyle/>
           <a:p>
-            <a:fld id="{4F9D234B-BA72-4F4D-8FEF-1D89CC837754}" type="datetimeFigureOut">
-              <a:rPr lang="en-GB" smtClean="0"/>
-              <a:t>03/09/2025</a:t>
+            <a:fld id="{2D72B13E-33E1-4518-9566-D50598226E4B}" type="datetimeFigureOut">
+              <a:rPr lang="en-IL" smtClean="0"/>
+              <a:t>25/09/2025</a:t>
             </a:fld>
-            <a:endParaRPr lang="en-GB"/>
+            <a:endParaRPr lang="en-IL"/>
           </a:p>
         </p:txBody>
       </p:sp>
@@ -1751,7 +6152,7 @@
           <a:bodyPr/>
           <a:lstStyle/>
           <a:p>
-            <a:endParaRPr lang="en-GB"/>
+            <a:endParaRPr lang="en-IL"/>
           </a:p>
         </p:txBody>
       </p:sp>
@@ -1770,18 +6171,18 @@
           <a:bodyPr/>
           <a:lstStyle/>
           <a:p>
-            <a:fld id="{3681FAB0-5468-4722-9741-171A7029CF2B}" type="slidenum">
-              <a:rPr lang="en-GB" smtClean="0"/>
+            <a:fld id="{1BA5EC1C-4E08-4775-A2B3-6A693CC6E631}" type="slidenum">
+              <a:rPr lang="en-IL" smtClean="0"/>
               <a:t>‹#›</a:t>
             </a:fld>
-            <a:endParaRPr lang="en-GB"/>
+            <a:endParaRPr lang="en-IL"/>
           </a:p>
         </p:txBody>
       </p:sp>
     </p:spTree>
     <p:extLst>
       <p:ext uri="{BB962C8B-B14F-4D97-AF65-F5344CB8AC3E}">
-        <p14:creationId xmlns:p14="http://schemas.microsoft.com/office/powerpoint/2010/main" val="525473576"/>
+        <p14:creationId xmlns:p14="http://schemas.microsoft.com/office/powerpoint/2010/main" val="2462630412"/>
       </p:ext>
     </p:extLst>
   </p:cSld>
@@ -1808,6 +6209,74 @@
           <a:chExt cx="0" cy="0"/>
         </a:xfrm>
       </p:grpSpPr>
+      <p:pic>
+        <p:nvPicPr>
+          <p:cNvPr id="5" name="Picture 4" descr="HD-ShadowShort.png"/>
+          <p:cNvPicPr>
+            <a:picLocks noChangeAspect="1"/>
+          </p:cNvPicPr>
+          <p:nvPr/>
+        </p:nvPicPr>
+        <p:blipFill>
+          <a:blip r:embed="rId2">
+            <a:extLst>
+              <a:ext uri="{28A0092B-C50C-407E-A947-70E740481C1C}">
+                <a14:useLocalDpi xmlns:a14="http://schemas.microsoft.com/office/drawing/2010/main" val="0"/>
+              </a:ext>
+            </a:extLst>
+          </a:blip>
+          <a:stretch>
+            <a:fillRect/>
+          </a:stretch>
+        </p:blipFill>
+        <p:spPr>
+          <a:xfrm>
+            <a:off x="10585826" y="1971234"/>
+            <a:ext cx="1602997" cy="144270"/>
+          </a:xfrm>
+          <a:prstGeom prst="rect">
+            <a:avLst/>
+          </a:prstGeom>
+        </p:spPr>
+      </p:pic>
+      <p:sp>
+        <p:nvSpPr>
+          <p:cNvPr id="6" name="Rectangle 5"/>
+          <p:cNvSpPr/>
+          <p:nvPr/>
+        </p:nvSpPr>
+        <p:spPr>
+          <a:xfrm>
+            <a:off x="10585827" y="609600"/>
+            <a:ext cx="1602997" cy="1368198"/>
+          </a:xfrm>
+          <a:prstGeom prst="rect">
+            <a:avLst/>
+          </a:prstGeom>
+          <a:solidFill>
+            <a:schemeClr val="accent1"/>
+          </a:solidFill>
+          <a:ln>
+            <a:noFill/>
+          </a:ln>
+        </p:spPr>
+        <p:style>
+          <a:lnRef idx="2">
+            <a:schemeClr val="accent1">
+              <a:shade val="50000"/>
+            </a:schemeClr>
+          </a:lnRef>
+          <a:fillRef idx="1">
+            <a:schemeClr val="accent1"/>
+          </a:fillRef>
+          <a:effectRef idx="0">
+            <a:schemeClr val="accent1"/>
+          </a:effectRef>
+          <a:fontRef idx="minor">
+            <a:schemeClr val="lt1"/>
+          </a:fontRef>
+        </p:style>
+      </p:sp>
       <p:sp>
         <p:nvSpPr>
           <p:cNvPr id="2" name="Date Placeholder 1"/>
@@ -1823,11 +6292,11 @@
           <a:bodyPr/>
           <a:lstStyle/>
           <a:p>
-            <a:fld id="{4F9D234B-BA72-4F4D-8FEF-1D89CC837754}" type="datetimeFigureOut">
-              <a:rPr lang="en-GB" smtClean="0"/>
-              <a:t>03/09/2025</a:t>
+            <a:fld id="{2D72B13E-33E1-4518-9566-D50598226E4B}" type="datetimeFigureOut">
+              <a:rPr lang="en-IL" smtClean="0"/>
+              <a:t>25/09/2025</a:t>
             </a:fld>
-            <a:endParaRPr lang="en-GB"/>
+            <a:endParaRPr lang="en-IL"/>
           </a:p>
         </p:txBody>
       </p:sp>
@@ -1846,7 +6315,7 @@
           <a:bodyPr/>
           <a:lstStyle/>
           <a:p>
-            <a:endParaRPr lang="en-GB"/>
+            <a:endParaRPr lang="en-IL"/>
           </a:p>
         </p:txBody>
       </p:sp>
@@ -1865,18 +6334,18 @@
           <a:bodyPr/>
           <a:lstStyle/>
           <a:p>
-            <a:fld id="{3681FAB0-5468-4722-9741-171A7029CF2B}" type="slidenum">
-              <a:rPr lang="en-GB" smtClean="0"/>
+            <a:fld id="{1BA5EC1C-4E08-4775-A2B3-6A693CC6E631}" type="slidenum">
+              <a:rPr lang="en-IL" smtClean="0"/>
               <a:t>‹#›</a:t>
             </a:fld>
-            <a:endParaRPr lang="en-GB"/>
+            <a:endParaRPr lang="en-IL"/>
           </a:p>
         </p:txBody>
       </p:sp>
     </p:spTree>
     <p:extLst>
       <p:ext uri="{BB962C8B-B14F-4D97-AF65-F5344CB8AC3E}">
-        <p14:creationId xmlns:p14="http://schemas.microsoft.com/office/powerpoint/2010/main" val="3652854141"/>
+        <p14:creationId xmlns:p14="http://schemas.microsoft.com/office/powerpoint/2010/main" val="3463192791"/>
       </p:ext>
     </p:extLst>
   </p:cSld>
@@ -1903,6 +6372,145 @@
           <a:chExt cx="0" cy="0"/>
         </a:xfrm>
       </p:grpSpPr>
+      <p:pic>
+        <p:nvPicPr>
+          <p:cNvPr id="8" name="Picture 7" descr="HD-ShadowLong.png"/>
+          <p:cNvPicPr>
+            <a:picLocks noChangeAspect="1"/>
+          </p:cNvPicPr>
+          <p:nvPr/>
+        </p:nvPicPr>
+        <p:blipFill>
+          <a:blip r:embed="rId2">
+            <a:extLst>
+              <a:ext uri="{28A0092B-C50C-407E-A947-70E740481C1C}">
+                <a14:useLocalDpi xmlns:a14="http://schemas.microsoft.com/office/drawing/2010/main" val="0"/>
+              </a:ext>
+            </a:extLst>
+          </a:blip>
+          <a:stretch>
+            <a:fillRect/>
+          </a:stretch>
+        </p:blipFill>
+        <p:spPr>
+          <a:xfrm>
+            <a:off x="1" y="1970240"/>
+            <a:ext cx="10437812" cy="321164"/>
+          </a:xfrm>
+          <a:prstGeom prst="rect">
+            <a:avLst/>
+          </a:prstGeom>
+        </p:spPr>
+      </p:pic>
+      <p:pic>
+        <p:nvPicPr>
+          <p:cNvPr id="9" name="Picture 8" descr="HD-ShadowShort.png"/>
+          <p:cNvPicPr>
+            <a:picLocks noChangeAspect="1"/>
+          </p:cNvPicPr>
+          <p:nvPr/>
+        </p:nvPicPr>
+        <p:blipFill>
+          <a:blip r:embed="rId3">
+            <a:extLst>
+              <a:ext uri="{28A0092B-C50C-407E-A947-70E740481C1C}">
+                <a14:useLocalDpi xmlns:a14="http://schemas.microsoft.com/office/drawing/2010/main" val="0"/>
+              </a:ext>
+            </a:extLst>
+          </a:blip>
+          <a:stretch>
+            <a:fillRect/>
+          </a:stretch>
+        </p:blipFill>
+        <p:spPr>
+          <a:xfrm>
+            <a:off x="10585826" y="1971234"/>
+            <a:ext cx="1602997" cy="144270"/>
+          </a:xfrm>
+          <a:prstGeom prst="rect">
+            <a:avLst/>
+          </a:prstGeom>
+        </p:spPr>
+      </p:pic>
+      <p:sp>
+        <p:nvSpPr>
+          <p:cNvPr id="10" name="Rectangle 9"/>
+          <p:cNvSpPr/>
+          <p:nvPr/>
+        </p:nvSpPr>
+        <p:spPr bwMode="ltGray">
+          <a:xfrm>
+            <a:off x="0" y="609600"/>
+            <a:ext cx="10437812" cy="1368198"/>
+          </a:xfrm>
+          <a:prstGeom prst="rect">
+            <a:avLst/>
+          </a:prstGeom>
+          <a:solidFill>
+            <a:schemeClr val="bg1">
+              <a:lumMod val="85000"/>
+              <a:lumOff val="15000"/>
+            </a:schemeClr>
+          </a:solidFill>
+          <a:ln>
+            <a:noFill/>
+          </a:ln>
+        </p:spPr>
+        <p:style>
+          <a:lnRef idx="2">
+            <a:schemeClr val="accent1">
+              <a:shade val="50000"/>
+            </a:schemeClr>
+          </a:lnRef>
+          <a:fillRef idx="1">
+            <a:schemeClr val="accent1"/>
+          </a:fillRef>
+          <a:effectRef idx="0">
+            <a:schemeClr val="accent1"/>
+          </a:effectRef>
+          <a:fontRef idx="minor">
+            <a:schemeClr val="lt1"/>
+          </a:fontRef>
+        </p:style>
+      </p:sp>
+      <p:sp>
+        <p:nvSpPr>
+          <p:cNvPr id="11" name="Rectangle 10"/>
+          <p:cNvSpPr/>
+          <p:nvPr/>
+        </p:nvSpPr>
+        <p:spPr>
+          <a:xfrm>
+            <a:off x="10585827" y="609600"/>
+            <a:ext cx="1602997" cy="1368198"/>
+          </a:xfrm>
+          <a:prstGeom prst="rect">
+            <a:avLst/>
+          </a:prstGeom>
+          <a:solidFill>
+            <a:schemeClr val="accent1"/>
+          </a:solidFill>
+          <a:ln>
+            <a:noFill/>
+          </a:ln>
+        </p:spPr>
+        <p:style>
+          <a:lnRef idx="2">
+            <a:schemeClr val="accent1">
+              <a:shade val="50000"/>
+            </a:schemeClr>
+          </a:lnRef>
+          <a:fillRef idx="1">
+            <a:schemeClr val="accent1"/>
+          </a:fillRef>
+          <a:effectRef idx="0">
+            <a:schemeClr val="accent1"/>
+          </a:effectRef>
+          <a:fontRef idx="minor">
+            <a:schemeClr val="lt1"/>
+          </a:fontRef>
+        </p:style>
+      </p:sp>
       <p:sp>
         <p:nvSpPr>
           <p:cNvPr id="2" name="Title 1"/>
@@ -1915,15 +6523,17 @@
         </p:nvSpPr>
         <p:spPr>
           <a:xfrm>
-            <a:off x="839788" y="457200"/>
-            <a:ext cx="3932237" cy="1600200"/>
-          </a:xfrm>
-        </p:spPr>
-        <p:txBody>
-          <a:bodyPr anchor="b"/>
+            <a:off x="680321" y="753227"/>
+            <a:ext cx="9613859" cy="1080940"/>
+          </a:xfrm>
+        </p:spPr>
+        <p:txBody>
+          <a:bodyPr anchor="ctr">
+            <a:normAutofit/>
+          </a:bodyPr>
           <a:lstStyle>
             <a:lvl1pPr>
-              <a:defRPr sz="3200"/>
+              <a:defRPr sz="3600"/>
             </a:lvl1pPr>
           </a:lstStyle>
           <a:p>
@@ -1947,41 +6557,13 @@
         </p:nvSpPr>
         <p:spPr>
           <a:xfrm>
-            <a:off x="5183188" y="987425"/>
-            <a:ext cx="6172200" cy="4873625"/>
+            <a:off x="4685846" y="2336873"/>
+            <a:ext cx="5608336" cy="3599313"/>
           </a:xfrm>
         </p:spPr>
         <p:txBody>
           <a:bodyPr/>
-          <a:lstStyle>
-            <a:lvl1pPr>
-              <a:defRPr sz="3200"/>
-            </a:lvl1pPr>
-            <a:lvl2pPr>
-              <a:defRPr sz="2800"/>
-            </a:lvl2pPr>
-            <a:lvl3pPr>
-              <a:defRPr sz="2400"/>
-            </a:lvl3pPr>
-            <a:lvl4pPr>
-              <a:defRPr sz="2000"/>
-            </a:lvl4pPr>
-            <a:lvl5pPr>
-              <a:defRPr sz="2000"/>
-            </a:lvl5pPr>
-            <a:lvl6pPr>
-              <a:defRPr sz="2000"/>
-            </a:lvl6pPr>
-            <a:lvl7pPr>
-              <a:defRPr sz="2000"/>
-            </a:lvl7pPr>
-            <a:lvl8pPr>
-              <a:defRPr sz="2000"/>
-            </a:lvl8pPr>
-            <a:lvl9pPr>
-              <a:defRPr sz="2000"/>
-            </a:lvl9pPr>
-          </a:lstStyle>
+          <a:lstStyle/>
           <a:p>
             <a:pPr lvl="0"/>
             <a:r>
@@ -2032,12 +6614,12 @@
         </p:nvSpPr>
         <p:spPr>
           <a:xfrm>
-            <a:off x="839788" y="2057400"/>
-            <a:ext cx="3932237" cy="3811588"/>
-          </a:xfrm>
-        </p:spPr>
-        <p:txBody>
-          <a:bodyPr/>
+            <a:off x="680322" y="2336872"/>
+            <a:ext cx="3790078" cy="3599317"/>
+          </a:xfrm>
+        </p:spPr>
+        <p:txBody>
+          <a:bodyPr anchor="ctr"/>
           <a:lstStyle>
             <a:lvl1pPr marL="0" indent="0">
               <a:buNone/>
@@ -2100,11 +6682,11 @@
           <a:bodyPr/>
           <a:lstStyle/>
           <a:p>
-            <a:fld id="{4F9D234B-BA72-4F4D-8FEF-1D89CC837754}" type="datetimeFigureOut">
-              <a:rPr lang="en-GB" smtClean="0"/>
-              <a:t>03/09/2025</a:t>
+            <a:fld id="{2D72B13E-33E1-4518-9566-D50598226E4B}" type="datetimeFigureOut">
+              <a:rPr lang="en-IL" smtClean="0"/>
+              <a:t>25/09/2025</a:t>
             </a:fld>
-            <a:endParaRPr lang="en-GB"/>
+            <a:endParaRPr lang="en-IL"/>
           </a:p>
         </p:txBody>
       </p:sp>
@@ -2123,7 +6705,7 @@
           <a:bodyPr/>
           <a:lstStyle/>
           <a:p>
-            <a:endParaRPr lang="en-GB"/>
+            <a:endParaRPr lang="en-IL"/>
           </a:p>
         </p:txBody>
       </p:sp>
@@ -2142,18 +6724,18 @@
           <a:bodyPr/>
           <a:lstStyle/>
           <a:p>
-            <a:fld id="{3681FAB0-5468-4722-9741-171A7029CF2B}" type="slidenum">
-              <a:rPr lang="en-GB" smtClean="0"/>
+            <a:fld id="{1BA5EC1C-4E08-4775-A2B3-6A693CC6E631}" type="slidenum">
+              <a:rPr lang="en-IL" smtClean="0"/>
               <a:t>‹#›</a:t>
             </a:fld>
-            <a:endParaRPr lang="en-GB"/>
+            <a:endParaRPr lang="en-IL"/>
           </a:p>
         </p:txBody>
       </p:sp>
     </p:spTree>
     <p:extLst>
       <p:ext uri="{BB962C8B-B14F-4D97-AF65-F5344CB8AC3E}">
-        <p14:creationId xmlns:p14="http://schemas.microsoft.com/office/powerpoint/2010/main" val="1353200381"/>
+        <p14:creationId xmlns:p14="http://schemas.microsoft.com/office/powerpoint/2010/main" val="1398994093"/>
       </p:ext>
     </p:extLst>
   </p:cSld>
@@ -2180,6 +6762,145 @@
           <a:chExt cx="0" cy="0"/>
         </a:xfrm>
       </p:grpSpPr>
+      <p:pic>
+        <p:nvPicPr>
+          <p:cNvPr id="8" name="Picture 7" descr="HD-ShadowLong.png"/>
+          <p:cNvPicPr>
+            <a:picLocks noChangeAspect="1"/>
+          </p:cNvPicPr>
+          <p:nvPr/>
+        </p:nvPicPr>
+        <p:blipFill>
+          <a:blip r:embed="rId2">
+            <a:extLst>
+              <a:ext uri="{28A0092B-C50C-407E-A947-70E740481C1C}">
+                <a14:useLocalDpi xmlns:a14="http://schemas.microsoft.com/office/drawing/2010/main" val="0"/>
+              </a:ext>
+            </a:extLst>
+          </a:blip>
+          <a:stretch>
+            <a:fillRect/>
+          </a:stretch>
+        </p:blipFill>
+        <p:spPr>
+          <a:xfrm>
+            <a:off x="1" y="1970240"/>
+            <a:ext cx="10437812" cy="321164"/>
+          </a:xfrm>
+          <a:prstGeom prst="rect">
+            <a:avLst/>
+          </a:prstGeom>
+        </p:spPr>
+      </p:pic>
+      <p:pic>
+        <p:nvPicPr>
+          <p:cNvPr id="9" name="Picture 8" descr="HD-ShadowShort.png"/>
+          <p:cNvPicPr>
+            <a:picLocks noChangeAspect="1"/>
+          </p:cNvPicPr>
+          <p:nvPr/>
+        </p:nvPicPr>
+        <p:blipFill>
+          <a:blip r:embed="rId3">
+            <a:extLst>
+              <a:ext uri="{28A0092B-C50C-407E-A947-70E740481C1C}">
+                <a14:useLocalDpi xmlns:a14="http://schemas.microsoft.com/office/drawing/2010/main" val="0"/>
+              </a:ext>
+            </a:extLst>
+          </a:blip>
+          <a:stretch>
+            <a:fillRect/>
+          </a:stretch>
+        </p:blipFill>
+        <p:spPr>
+          <a:xfrm>
+            <a:off x="10585826" y="1971234"/>
+            <a:ext cx="1602997" cy="144270"/>
+          </a:xfrm>
+          <a:prstGeom prst="rect">
+            <a:avLst/>
+          </a:prstGeom>
+        </p:spPr>
+      </p:pic>
+      <p:sp>
+        <p:nvSpPr>
+          <p:cNvPr id="10" name="Rectangle 9"/>
+          <p:cNvSpPr/>
+          <p:nvPr/>
+        </p:nvSpPr>
+        <p:spPr bwMode="ltGray">
+          <a:xfrm>
+            <a:off x="0" y="609600"/>
+            <a:ext cx="10437812" cy="1368198"/>
+          </a:xfrm>
+          <a:prstGeom prst="rect">
+            <a:avLst/>
+          </a:prstGeom>
+          <a:solidFill>
+            <a:schemeClr val="bg1">
+              <a:lumMod val="85000"/>
+              <a:lumOff val="15000"/>
+            </a:schemeClr>
+          </a:solidFill>
+          <a:ln>
+            <a:noFill/>
+          </a:ln>
+        </p:spPr>
+        <p:style>
+          <a:lnRef idx="2">
+            <a:schemeClr val="accent1">
+              <a:shade val="50000"/>
+            </a:schemeClr>
+          </a:lnRef>
+          <a:fillRef idx="1">
+            <a:schemeClr val="accent1"/>
+          </a:fillRef>
+          <a:effectRef idx="0">
+            <a:schemeClr val="accent1"/>
+          </a:effectRef>
+          <a:fontRef idx="minor">
+            <a:schemeClr val="lt1"/>
+          </a:fontRef>
+        </p:style>
+      </p:sp>
+      <p:sp>
+        <p:nvSpPr>
+          <p:cNvPr id="11" name="Rectangle 10"/>
+          <p:cNvSpPr/>
+          <p:nvPr/>
+        </p:nvSpPr>
+        <p:spPr>
+          <a:xfrm>
+            <a:off x="10585827" y="609600"/>
+            <a:ext cx="1602997" cy="1368198"/>
+          </a:xfrm>
+          <a:prstGeom prst="rect">
+            <a:avLst/>
+          </a:prstGeom>
+          <a:solidFill>
+            <a:schemeClr val="accent1"/>
+          </a:solidFill>
+          <a:ln>
+            <a:noFill/>
+          </a:ln>
+        </p:spPr>
+        <p:style>
+          <a:lnRef idx="2">
+            <a:schemeClr val="accent1">
+              <a:shade val="50000"/>
+            </a:schemeClr>
+          </a:lnRef>
+          <a:fillRef idx="1">
+            <a:schemeClr val="accent1"/>
+          </a:fillRef>
+          <a:effectRef idx="0">
+            <a:schemeClr val="accent1"/>
+          </a:effectRef>
+          <a:fontRef idx="minor">
+            <a:schemeClr val="lt1"/>
+          </a:fontRef>
+        </p:style>
+      </p:sp>
       <p:sp>
         <p:nvSpPr>
           <p:cNvPr id="2" name="Title 1"/>
@@ -2192,15 +6913,17 @@
         </p:nvSpPr>
         <p:spPr>
           <a:xfrm>
-            <a:off x="839788" y="457200"/>
-            <a:ext cx="3932237" cy="1600200"/>
-          </a:xfrm>
-        </p:spPr>
-        <p:txBody>
-          <a:bodyPr anchor="b"/>
+            <a:off x="680323" y="753228"/>
+            <a:ext cx="9613857" cy="1080938"/>
+          </a:xfrm>
+        </p:spPr>
+        <p:txBody>
+          <a:bodyPr anchor="ctr">
+            <a:normAutofit/>
+          </a:bodyPr>
           <a:lstStyle>
             <a:lvl1pPr>
-              <a:defRPr sz="3200"/>
+              <a:defRPr sz="3600"/>
             </a:lvl1pPr>
           </a:lstStyle>
           <a:p>
@@ -2224,9 +6947,20 @@
         </p:nvSpPr>
         <p:spPr>
           <a:xfrm>
-            <a:off x="5183188" y="987425"/>
-            <a:ext cx="6172200" cy="4873625"/>
-          </a:xfrm>
+            <a:off x="4868333" y="2336874"/>
+            <a:ext cx="5425849" cy="3599312"/>
+          </a:xfrm>
+          <a:noFill/>
+          <a:ln>
+            <a:noFill/>
+          </a:ln>
+          <a:effectLst>
+            <a:outerShdw blurRad="76200" dist="63500" dir="5040000" algn="tl" rotWithShape="0">
+              <a:srgbClr val="000000">
+                <a:alpha val="41000"/>
+              </a:srgbClr>
+            </a:outerShdw>
+          </a:effectLst>
         </p:spPr>
         <p:txBody>
           <a:bodyPr anchor="t"/>
@@ -2289,12 +7023,12 @@
         </p:nvSpPr>
         <p:spPr>
           <a:xfrm>
-            <a:off x="839788" y="2057400"/>
-            <a:ext cx="3932237" cy="3811588"/>
-          </a:xfrm>
-        </p:spPr>
-        <p:txBody>
-          <a:bodyPr/>
+            <a:off x="680323" y="2336873"/>
+            <a:ext cx="3876256" cy="3599315"/>
+          </a:xfrm>
+        </p:spPr>
+        <p:txBody>
+          <a:bodyPr anchor="ctr"/>
           <a:lstStyle>
             <a:lvl1pPr marL="0" indent="0">
               <a:buNone/>
@@ -2357,11 +7091,11 @@
           <a:bodyPr/>
           <a:lstStyle/>
           <a:p>
-            <a:fld id="{4F9D234B-BA72-4F4D-8FEF-1D89CC837754}" type="datetimeFigureOut">
-              <a:rPr lang="en-GB" smtClean="0"/>
-              <a:t>03/09/2025</a:t>
+            <a:fld id="{2D72B13E-33E1-4518-9566-D50598226E4B}" type="datetimeFigureOut">
+              <a:rPr lang="en-IL" smtClean="0"/>
+              <a:t>25/09/2025</a:t>
             </a:fld>
-            <a:endParaRPr lang="en-GB"/>
+            <a:endParaRPr lang="en-IL"/>
           </a:p>
         </p:txBody>
       </p:sp>
@@ -2380,7 +7114,7 @@
           <a:bodyPr/>
           <a:lstStyle/>
           <a:p>
-            <a:endParaRPr lang="en-GB"/>
+            <a:endParaRPr lang="en-IL"/>
           </a:p>
         </p:txBody>
       </p:sp>
@@ -2399,18 +7133,18 @@
           <a:bodyPr/>
           <a:lstStyle/>
           <a:p>
-            <a:fld id="{3681FAB0-5468-4722-9741-171A7029CF2B}" type="slidenum">
-              <a:rPr lang="en-GB" smtClean="0"/>
+            <a:fld id="{1BA5EC1C-4E08-4775-A2B3-6A693CC6E631}" type="slidenum">
+              <a:rPr lang="en-IL" smtClean="0"/>
               <a:t>‹#›</a:t>
             </a:fld>
-            <a:endParaRPr lang="en-GB"/>
+            <a:endParaRPr lang="en-IL"/>
           </a:p>
         </p:txBody>
       </p:sp>
     </p:spTree>
     <p:extLst>
       <p:ext uri="{BB962C8B-B14F-4D97-AF65-F5344CB8AC3E}">
-        <p14:creationId xmlns:p14="http://schemas.microsoft.com/office/powerpoint/2010/main" val="2264992263"/>
+        <p14:creationId xmlns:p14="http://schemas.microsoft.com/office/powerpoint/2010/main" val="501776081"/>
       </p:ext>
     </p:extLst>
   </p:cSld>
@@ -2442,6 +7176,37 @@
           <a:chExt cx="0" cy="0"/>
         </a:xfrm>
       </p:grpSpPr>
+      <p:pic>
+        <p:nvPicPr>
+          <p:cNvPr id="7" name="Picture 6" descr="hashOverlay-FullResolve.png"/>
+          <p:cNvPicPr>
+            <a:picLocks noChangeAspect="1"/>
+          </p:cNvPicPr>
+          <p:nvPr/>
+        </p:nvPicPr>
+        <p:blipFill>
+          <a:blip r:embed="rId19">
+            <a:alphaModFix amt="10000"/>
+            <a:extLst>
+              <a:ext uri="{28A0092B-C50C-407E-A947-70E740481C1C}">
+                <a14:useLocalDpi xmlns:a14="http://schemas.microsoft.com/office/drawing/2010/main" val="0"/>
+              </a:ext>
+            </a:extLst>
+          </a:blip>
+          <a:stretch>
+            <a:fillRect/>
+          </a:stretch>
+        </p:blipFill>
+        <p:spPr>
+          <a:xfrm>
+            <a:off x="0" y="0"/>
+            <a:ext cx="12192000" cy="6858000"/>
+          </a:xfrm>
+          <a:prstGeom prst="rect">
+            <a:avLst/>
+          </a:prstGeom>
+        </p:spPr>
+      </p:pic>
       <p:sp>
         <p:nvSpPr>
           <p:cNvPr id="2" name="Title Placeholder 1"/>
@@ -2454,8 +7219,8 @@
         </p:nvSpPr>
         <p:spPr>
           <a:xfrm>
-            <a:off x="838200" y="365125"/>
-            <a:ext cx="10515600" cy="1325563"/>
+            <a:off x="680321" y="753228"/>
+            <a:ext cx="9613861" cy="1080938"/>
           </a:xfrm>
           <a:prstGeom prst="rect">
             <a:avLst/>
@@ -2487,8 +7252,8 @@
         </p:nvSpPr>
         <p:spPr>
           <a:xfrm>
-            <a:off x="838200" y="1825625"/>
-            <a:ext cx="10515600" cy="4351338"/>
+            <a:off x="680321" y="2336873"/>
+            <a:ext cx="9613861" cy="3599316"/>
           </a:xfrm>
           <a:prstGeom prst="rect">
             <a:avLst/>
@@ -2549,7 +7314,7 @@
         </p:nvSpPr>
         <p:spPr>
           <a:xfrm>
-            <a:off x="838200" y="6356350"/>
+            <a:off x="7550981" y="5936187"/>
             <a:ext cx="2743200" cy="365125"/>
           </a:xfrm>
           <a:prstGeom prst="rect">
@@ -2559,22 +7324,22 @@
         <p:txBody>
           <a:bodyPr vert="horz" lIns="91440" tIns="45720" rIns="91440" bIns="45720" rtlCol="0" anchor="ctr"/>
           <a:lstStyle>
-            <a:lvl1pPr algn="l">
-              <a:defRPr sz="1200">
+            <a:lvl1pPr algn="r">
+              <a:defRPr sz="1050">
                 <a:solidFill>
                   <a:schemeClr val="tx1">
-                    <a:tint val="82000"/>
+                    <a:tint val="75000"/>
                   </a:schemeClr>
                 </a:solidFill>
               </a:defRPr>
             </a:lvl1pPr>
           </a:lstStyle>
           <a:p>
-            <a:fld id="{4F9D234B-BA72-4F4D-8FEF-1D89CC837754}" type="datetimeFigureOut">
-              <a:rPr lang="en-GB" smtClean="0"/>
-              <a:t>03/09/2025</a:t>
+            <a:fld id="{2D72B13E-33E1-4518-9566-D50598226E4B}" type="datetimeFigureOut">
+              <a:rPr lang="en-IL" smtClean="0"/>
+              <a:t>25/09/2025</a:t>
             </a:fld>
-            <a:endParaRPr lang="en-GB"/>
+            <a:endParaRPr lang="en-IL"/>
           </a:p>
         </p:txBody>
       </p:sp>
@@ -2590,8 +7355,8 @@
         </p:nvSpPr>
         <p:spPr>
           <a:xfrm>
-            <a:off x="4038600" y="6356350"/>
-            <a:ext cx="4114800" cy="365125"/>
+            <a:off x="680321" y="5936188"/>
+            <a:ext cx="6870660" cy="365125"/>
           </a:xfrm>
           <a:prstGeom prst="rect">
             <a:avLst/>
@@ -2600,18 +7365,18 @@
         <p:txBody>
           <a:bodyPr vert="horz" lIns="91440" tIns="45720" rIns="91440" bIns="45720" rtlCol="0" anchor="ctr"/>
           <a:lstStyle>
-            <a:lvl1pPr algn="ctr">
-              <a:defRPr sz="1200">
+            <a:lvl1pPr algn="l">
+              <a:defRPr sz="1050">
                 <a:solidFill>
                   <a:schemeClr val="tx1">
-                    <a:tint val="82000"/>
+                    <a:tint val="75000"/>
                   </a:schemeClr>
                 </a:solidFill>
               </a:defRPr>
             </a:lvl1pPr>
           </a:lstStyle>
           <a:p>
-            <a:endParaRPr lang="en-GB"/>
+            <a:endParaRPr lang="en-IL"/>
           </a:p>
         </p:txBody>
       </p:sp>
@@ -2627,8 +7392,8 @@
         </p:nvSpPr>
         <p:spPr>
           <a:xfrm>
-            <a:off x="8610600" y="6356350"/>
-            <a:ext cx="2743200" cy="365125"/>
+            <a:off x="10729455" y="753227"/>
+            <a:ext cx="1154151" cy="1090789"/>
           </a:xfrm>
           <a:prstGeom prst="rect">
             <a:avLst/>
@@ -2637,45 +7402,51 @@
         <p:txBody>
           <a:bodyPr vert="horz" lIns="91440" tIns="45720" rIns="91440" bIns="45720" rtlCol="0" anchor="ctr"/>
           <a:lstStyle>
-            <a:lvl1pPr algn="r">
-              <a:defRPr sz="1200">
+            <a:lvl1pPr algn="l">
+              <a:defRPr sz="3600">
                 <a:solidFill>
                   <a:schemeClr val="tx1">
-                    <a:tint val="82000"/>
+                    <a:tint val="75000"/>
                   </a:schemeClr>
                 </a:solidFill>
               </a:defRPr>
             </a:lvl1pPr>
           </a:lstStyle>
           <a:p>
-            <a:fld id="{3681FAB0-5468-4722-9741-171A7029CF2B}" type="slidenum">
-              <a:rPr lang="en-GB" smtClean="0"/>
+            <a:fld id="{1BA5EC1C-4E08-4775-A2B3-6A693CC6E631}" type="slidenum">
+              <a:rPr lang="en-IL" smtClean="0"/>
               <a:t>‹#›</a:t>
             </a:fld>
-            <a:endParaRPr lang="en-GB"/>
+            <a:endParaRPr lang="en-IL"/>
           </a:p>
         </p:txBody>
       </p:sp>
     </p:spTree>
     <p:extLst>
       <p:ext uri="{BB962C8B-B14F-4D97-AF65-F5344CB8AC3E}">
-        <p14:creationId xmlns:p14="http://schemas.microsoft.com/office/powerpoint/2010/main" val="3027298003"/>
+        <p14:creationId xmlns:p14="http://schemas.microsoft.com/office/powerpoint/2010/main" val="616929937"/>
       </p:ext>
     </p:extLst>
   </p:cSld>
   <p:clrMap bg1="dk1" tx1="lt1" bg2="dk2" tx2="lt2" accent1="accent1" accent2="accent2" accent3="accent3" accent4="accent4" accent5="accent5" accent6="accent6" hlink="hlink" folHlink="folHlink"/>
   <p:sldLayoutIdLst>
-    <p:sldLayoutId id="2147483673" r:id="rId1"/>
-    <p:sldLayoutId id="2147483674" r:id="rId2"/>
-    <p:sldLayoutId id="2147483675" r:id="rId3"/>
-    <p:sldLayoutId id="2147483676" r:id="rId4"/>
-    <p:sldLayoutId id="2147483677" r:id="rId5"/>
-    <p:sldLayoutId id="2147483678" r:id="rId6"/>
-    <p:sldLayoutId id="2147483679" r:id="rId7"/>
-    <p:sldLayoutId id="2147483680" r:id="rId8"/>
-    <p:sldLayoutId id="2147483681" r:id="rId9"/>
-    <p:sldLayoutId id="2147483682" r:id="rId10"/>
-    <p:sldLayoutId id="2147483683" r:id="rId11"/>
+    <p:sldLayoutId id="2147483661" r:id="rId1"/>
+    <p:sldLayoutId id="2147483662" r:id="rId2"/>
+    <p:sldLayoutId id="2147483663" r:id="rId3"/>
+    <p:sldLayoutId id="2147483664" r:id="rId4"/>
+    <p:sldLayoutId id="2147483665" r:id="rId5"/>
+    <p:sldLayoutId id="2147483666" r:id="rId6"/>
+    <p:sldLayoutId id="2147483667" r:id="rId7"/>
+    <p:sldLayoutId id="2147483668" r:id="rId8"/>
+    <p:sldLayoutId id="2147483669" r:id="rId9"/>
+    <p:sldLayoutId id="2147483670" r:id="rId10"/>
+    <p:sldLayoutId id="2147483671" r:id="rId11"/>
+    <p:sldLayoutId id="2147483672" r:id="rId12"/>
+    <p:sldLayoutId id="2147483673" r:id="rId13"/>
+    <p:sldLayoutId id="2147483674" r:id="rId14"/>
+    <p:sldLayoutId id="2147483675" r:id="rId15"/>
+    <p:sldLayoutId id="2147483676" r:id="rId16"/>
+    <p:sldLayoutId id="2147483677" r:id="rId17"/>
   </p:sldLayoutIdLst>
   <p:txStyles>
     <p:titleStyle>
@@ -2687,7 +7458,7 @@
           <a:spcPct val="0"/>
         </a:spcBef>
         <a:buNone/>
-        <a:defRPr sz="4400" kern="1200">
+        <a:defRPr sz="3600" kern="1200">
           <a:solidFill>
             <a:schemeClr val="tx1"/>
           </a:solidFill>
@@ -2707,7 +7478,7 @@
         </a:spcBef>
         <a:buFont typeface="Arial" panose="020B0604020202020204" pitchFamily="34" charset="0"/>
         <a:buChar char="•"/>
-        <a:defRPr sz="2800" kern="1200">
+        <a:defRPr sz="2400" kern="1200">
           <a:solidFill>
             <a:schemeClr val="tx1"/>
           </a:solidFill>
@@ -2725,7 +7496,7 @@
         </a:spcBef>
         <a:buFont typeface="Arial" panose="020B0604020202020204" pitchFamily="34" charset="0"/>
         <a:buChar char="•"/>
-        <a:defRPr sz="2400" kern="1200">
+        <a:defRPr sz="2000" kern="1200">
           <a:solidFill>
             <a:schemeClr val="tx1"/>
           </a:solidFill>
@@ -2743,7 +7514,7 @@
         </a:spcBef>
         <a:buFont typeface="Arial" panose="020B0604020202020204" pitchFamily="34" charset="0"/>
         <a:buChar char="•"/>
-        <a:defRPr sz="2000" kern="1200">
+        <a:defRPr sz="1800" kern="1200">
           <a:solidFill>
             <a:schemeClr val="tx1"/>
           </a:solidFill>
@@ -2761,7 +7532,7 @@
         </a:spcBef>
         <a:buFont typeface="Arial" panose="020B0604020202020204" pitchFamily="34" charset="0"/>
         <a:buChar char="•"/>
-        <a:defRPr sz="1800" kern="1200">
+        <a:defRPr sz="1600" kern="1200">
           <a:solidFill>
             <a:schemeClr val="tx1"/>
           </a:solidFill>
@@ -2779,7 +7550,7 @@
         </a:spcBef>
         <a:buFont typeface="Arial" panose="020B0604020202020204" pitchFamily="34" charset="0"/>
         <a:buChar char="•"/>
-        <a:defRPr sz="1800" kern="1200">
+        <a:defRPr sz="1600" kern="1200">
           <a:solidFill>
             <a:schemeClr val="tx1"/>
           </a:solidFill>
@@ -2797,7 +7568,7 @@
         </a:spcBef>
         <a:buFont typeface="Arial" panose="020B0604020202020204" pitchFamily="34" charset="0"/>
         <a:buChar char="•"/>
-        <a:defRPr sz="1800" kern="1200">
+        <a:defRPr sz="1400" kern="1200">
           <a:solidFill>
             <a:schemeClr val="tx1"/>
           </a:solidFill>
@@ -2815,7 +7586,7 @@
         </a:spcBef>
         <a:buFont typeface="Arial" panose="020B0604020202020204" pitchFamily="34" charset="0"/>
         <a:buChar char="•"/>
-        <a:defRPr sz="1800" kern="1200">
+        <a:defRPr sz="1400" kern="1200">
           <a:solidFill>
             <a:schemeClr val="tx1"/>
           </a:solidFill>
@@ -2833,7 +7604,7 @@
         </a:spcBef>
         <a:buFont typeface="Arial" panose="020B0604020202020204" pitchFamily="34" charset="0"/>
         <a:buChar char="•"/>
-        <a:defRPr sz="1800" kern="1200">
+        <a:defRPr sz="1400" kern="1200">
           <a:solidFill>
             <a:schemeClr val="tx1"/>
           </a:solidFill>
@@ -2851,7 +7622,7 @@
         </a:spcBef>
         <a:buFont typeface="Arial" panose="020B0604020202020204" pitchFamily="34" charset="0"/>
         <a:buChar char="•"/>
-        <a:defRPr sz="1800" kern="1200">
+        <a:defRPr sz="1400" kern="1200">
           <a:solidFill>
             <a:schemeClr val="tx1"/>
           </a:solidFill>
@@ -2982,7 +7753,7 @@
           <p:cNvPr id="2" name="Title 1">
             <a:extLst>
               <a:ext uri="{FF2B5EF4-FFF2-40B4-BE49-F238E27FC236}">
-                <a16:creationId xmlns:a16="http://schemas.microsoft.com/office/drawing/2014/main" id="{0C136594-488E-2519-4F4D-BDB696237B6B}"/>
+                <a16:creationId xmlns:a16="http://schemas.microsoft.com/office/drawing/2014/main" id="{12A548E3-CEE8-EA32-235C-A3040AF8226C}"/>
               </a:ext>
             </a:extLst>
           </p:cNvPr>
@@ -2990,32 +7761,49 @@
             <a:spLocks noGrp="1"/>
           </p:cNvSpPr>
           <p:nvPr>
-            <p:ph type="ctrTitle"/>
-          </p:nvPr>
-        </p:nvSpPr>
-        <p:spPr>
-          <a:xfrm>
-            <a:off x="1524000" y="1136623"/>
-            <a:ext cx="9144000" cy="1368589"/>
-          </a:xfrm>
-        </p:spPr>
+            <p:ph type="title"/>
+          </p:nvPr>
+        </p:nvSpPr>
+        <p:spPr/>
         <p:txBody>
           <a:bodyPr/>
           <a:lstStyle/>
           <a:p>
-            <a:r>
-              <a:rPr lang="en-GB" b="1" dirty="0"/>
-              <a:t>Irit to PowerPoint Example</a:t>
-            </a:r>
-          </a:p>
-        </p:txBody>
-      </p:sp>
-      <p:sp>
-        <p:nvSpPr>
-          <p:cNvPr id="8" name="__IRIT2POWERPOINT_CONTAINER__">
+            <a:endParaRPr lang="en-IL"/>
+          </a:p>
+        </p:txBody>
+      </p:sp>
+      <p:sp>
+        <p:nvSpPr>
+          <p:cNvPr id="3" name="Content Placeholder 2">
             <a:extLst>
               <a:ext uri="{FF2B5EF4-FFF2-40B4-BE49-F238E27FC236}">
-                <a16:creationId xmlns:a16="http://schemas.microsoft.com/office/drawing/2014/main" id="{D3863639-8354-AF1D-0FD9-55B037B70DD8}"/>
+                <a16:creationId xmlns:a16="http://schemas.microsoft.com/office/drawing/2014/main" id="{908A4BC2-2509-4AE7-52B0-301266AC7CA8}"/>
+              </a:ext>
+            </a:extLst>
+          </p:cNvPr>
+          <p:cNvSpPr>
+            <a:spLocks noGrp="1"/>
+          </p:cNvSpPr>
+          <p:nvPr>
+            <p:ph idx="1"/>
+          </p:nvPr>
+        </p:nvSpPr>
+        <p:spPr/>
+        <p:txBody>
+          <a:bodyPr/>
+          <a:lstStyle/>
+          <a:p>
+            <a:endParaRPr lang="en-IL"/>
+          </a:p>
+        </p:txBody>
+      </p:sp>
+      <p:sp>
+        <p:nvSpPr>
+          <p:cNvPr id="5" name="__IRIT2POWERPOINT_CONTAINER__">
+            <a:extLst>
+              <a:ext uri="{FF2B5EF4-FFF2-40B4-BE49-F238E27FC236}">
+                <a16:creationId xmlns:a16="http://schemas.microsoft.com/office/drawing/2014/main" id="{2BE208CB-9E9E-BBC5-8B5B-2839B95DF098}"/>
               </a:ext>
             </a:extLst>
           </p:cNvPr>
@@ -3024,19 +7812,18 @@
         </p:nvSpPr>
         <p:spPr>
           <a:xfrm>
-            <a:off x="3556000" y="2447789"/>
+            <a:off x="2947251" y="1235606"/>
             <a:ext cx="5080000" cy="3810000"/>
           </a:xfrm>
           <a:prstGeom prst="roundRect">
             <a:avLst/>
           </a:prstGeom>
           <a:noFill/>
-          <a:ln w="63500" cap="flat" cmpd="sng" algn="ctr">
+          <a:ln w="12700" cap="flat" cmpd="sng" algn="ctr">
             <a:solidFill>
               <a:srgbClr val="000000"/>
             </a:solidFill>
-            <a:prstDash val="dash"/>
-            <a:miter lim="800000"/>
+            <a:prstDash val="solid"/>
           </a:ln>
           <a:effectLst/>
           <a:extLst>
@@ -3070,14 +7857,7 @@
           <a:lstStyle/>
           <a:p>
             <a:pPr algn="ctr"/>
-            <a:r>
-              <a:rPr lang="en-GB" b="1">
-                <a:solidFill>
-                  <a:srgbClr val="000000"/>
-                </a:solidFill>
-              </a:rPr>
-              <a:t>IRIT2POWERPOINT</a:t>
-            </a:r>
+            <a:endParaRPr lang="en-IL"/>
           </a:p>
         </p:txBody>
       </p:sp>
@@ -3087,893 +7867,7 @@
     </p:custDataLst>
     <p:extLst>
       <p:ext uri="{BB962C8B-B14F-4D97-AF65-F5344CB8AC3E}">
-        <p14:creationId xmlns:p14="http://schemas.microsoft.com/office/powerpoint/2010/main" val="1908832671"/>
-      </p:ext>
-    </p:extLst>
-  </p:cSld>
-  <p:clrMapOvr>
-    <a:masterClrMapping/>
-  </p:clrMapOvr>
-</p:sld>
-</file>
-
-<file path=ppt/slides/slide2.xml><?xml version="1.0" encoding="utf-8"?>
-<p:sld xmlns:a="http://schemas.openxmlformats.org/drawingml/2006/main" xmlns:r="http://schemas.openxmlformats.org/officeDocument/2006/relationships" xmlns:p="http://schemas.openxmlformats.org/presentationml/2006/main">
-  <p:cSld>
-    <p:spTree>
-      <p:nvGrpSpPr>
-        <p:cNvPr id="1" name=""/>
-        <p:cNvGrpSpPr/>
-        <p:nvPr/>
-      </p:nvGrpSpPr>
-      <p:grpSpPr>
-        <a:xfrm>
-          <a:off x="0" y="0"/>
-          <a:ext cx="0" cy="0"/>
-          <a:chOff x="0" y="0"/>
-          <a:chExt cx="0" cy="0"/>
-        </a:xfrm>
-      </p:grpSpPr>
-      <p:pic>
-        <p:nvPicPr>
-          <p:cNvPr id="9" name="Picture 8">
-            <a:extLst>
-              <a:ext uri="{FF2B5EF4-FFF2-40B4-BE49-F238E27FC236}">
-                <a16:creationId xmlns:a16="http://schemas.microsoft.com/office/drawing/2014/main" id="{70AD4D8D-4064-FFED-830A-58EE37275743}"/>
-              </a:ext>
-            </a:extLst>
-          </p:cNvPr>
-          <p:cNvPicPr>
-            <a:picLocks noChangeAspect="1"/>
-          </p:cNvPicPr>
-          <p:nvPr/>
-        </p:nvPicPr>
-        <p:blipFill>
-          <a:blip r:embed="rId2"/>
-          <a:stretch>
-            <a:fillRect/>
-          </a:stretch>
-        </p:blipFill>
-        <p:spPr>
-          <a:xfrm>
-            <a:off x="353785" y="432501"/>
-            <a:ext cx="10657114" cy="958194"/>
-          </a:xfrm>
-          <a:prstGeom prst="rect">
-            <a:avLst/>
-          </a:prstGeom>
-        </p:spPr>
-      </p:pic>
-      <p:sp>
-        <p:nvSpPr>
-          <p:cNvPr id="10" name="Title 1">
-            <a:extLst>
-              <a:ext uri="{FF2B5EF4-FFF2-40B4-BE49-F238E27FC236}">
-                <a16:creationId xmlns:a16="http://schemas.microsoft.com/office/drawing/2014/main" id="{D3CEF864-45B0-1913-11A7-D8ACF41EA824}"/>
-              </a:ext>
-            </a:extLst>
-          </p:cNvPr>
-          <p:cNvSpPr txBox="1">
-            <a:spLocks/>
-          </p:cNvSpPr>
-          <p:nvPr/>
-        </p:nvSpPr>
-        <p:spPr>
-          <a:xfrm>
-            <a:off x="353785" y="1681637"/>
-            <a:ext cx="9144000" cy="1368589"/>
-          </a:xfrm>
-          <a:prstGeom prst="rect">
-            <a:avLst/>
-          </a:prstGeom>
-        </p:spPr>
-        <p:txBody>
-          <a:bodyPr vert="horz" lIns="91440" tIns="45720" rIns="91440" bIns="45720" rtlCol="0" anchor="ctr">
-            <a:normAutofit/>
-          </a:bodyPr>
-          <a:lstStyle>
-            <a:lvl1pPr algn="l" defTabSz="914400" rtl="0" eaLnBrk="1" latinLnBrk="0" hangingPunct="1">
-              <a:lnSpc>
-                <a:spcPct val="90000"/>
-              </a:lnSpc>
-              <a:spcBef>
-                <a:spcPct val="0"/>
-              </a:spcBef>
-              <a:buNone/>
-              <a:defRPr sz="4400" kern="1200">
-                <a:solidFill>
-                  <a:schemeClr val="tx1"/>
-                </a:solidFill>
-                <a:latin typeface="+mj-lt"/>
-                <a:ea typeface="+mj-ea"/>
-                <a:cs typeface="+mj-cs"/>
-              </a:defRPr>
-            </a:lvl1pPr>
-          </a:lstStyle>
-          <a:p>
-            <a:r>
-              <a:rPr lang="en-GB" b="1" dirty="0">
-                <a:latin typeface="+mn-lt"/>
-                <a:cs typeface="Calibri Light" panose="020F0302020204030204" pitchFamily="34" charset="0"/>
-              </a:rPr>
-              <a:t>After successful loading of the plugin the above should appear</a:t>
-            </a:r>
-          </a:p>
-        </p:txBody>
-      </p:sp>
-      <p:pic>
-        <p:nvPicPr>
-          <p:cNvPr id="12" name="Picture 11">
-            <a:extLst>
-              <a:ext uri="{FF2B5EF4-FFF2-40B4-BE49-F238E27FC236}">
-                <a16:creationId xmlns:a16="http://schemas.microsoft.com/office/drawing/2014/main" id="{6DE4FDBA-381B-77EC-901D-76640E5E36F6}"/>
-              </a:ext>
-            </a:extLst>
-          </p:cNvPr>
-          <p:cNvPicPr>
-            <a:picLocks noChangeAspect="1"/>
-          </p:cNvPicPr>
-          <p:nvPr/>
-        </p:nvPicPr>
-        <p:blipFill>
-          <a:blip r:embed="rId3"/>
-          <a:stretch>
-            <a:fillRect/>
-          </a:stretch>
-        </p:blipFill>
-        <p:spPr>
-          <a:xfrm>
-            <a:off x="353785" y="3341169"/>
-            <a:ext cx="5525979" cy="2605233"/>
-          </a:xfrm>
-          <a:prstGeom prst="rect">
-            <a:avLst/>
-          </a:prstGeom>
-        </p:spPr>
-      </p:pic>
-      <p:sp>
-        <p:nvSpPr>
-          <p:cNvPr id="13" name="Title 1">
-            <a:extLst>
-              <a:ext uri="{FF2B5EF4-FFF2-40B4-BE49-F238E27FC236}">
-                <a16:creationId xmlns:a16="http://schemas.microsoft.com/office/drawing/2014/main" id="{C40E2E0D-0209-E39F-8B10-1DA112F9D67C}"/>
-              </a:ext>
-            </a:extLst>
-          </p:cNvPr>
-          <p:cNvSpPr txBox="1">
-            <a:spLocks/>
-          </p:cNvSpPr>
-          <p:nvPr/>
-        </p:nvSpPr>
-        <p:spPr>
-          <a:xfrm>
-            <a:off x="6210301" y="3244688"/>
-            <a:ext cx="5225141" cy="2219939"/>
-          </a:xfrm>
-          <a:prstGeom prst="rect">
-            <a:avLst/>
-          </a:prstGeom>
-        </p:spPr>
-        <p:txBody>
-          <a:bodyPr vert="horz" lIns="91440" tIns="45720" rIns="91440" bIns="45720" rtlCol="0" anchor="ctr">
-            <a:normAutofit fontScale="92500" lnSpcReduction="10000"/>
-          </a:bodyPr>
-          <a:lstStyle>
-            <a:lvl1pPr algn="l" defTabSz="914400" rtl="0" eaLnBrk="1" latinLnBrk="0" hangingPunct="1">
-              <a:lnSpc>
-                <a:spcPct val="90000"/>
-              </a:lnSpc>
-              <a:spcBef>
-                <a:spcPct val="0"/>
-              </a:spcBef>
-              <a:buNone/>
-              <a:defRPr sz="4400" kern="1200">
-                <a:solidFill>
-                  <a:schemeClr val="tx1"/>
-                </a:solidFill>
-                <a:latin typeface="+mj-lt"/>
-                <a:ea typeface="+mj-ea"/>
-                <a:cs typeface="+mj-cs"/>
-              </a:defRPr>
-            </a:lvl1pPr>
-          </a:lstStyle>
-          <a:p>
-            <a:r>
-              <a:rPr lang="en-GB" b="1" dirty="0">
-                <a:latin typeface="+mn-lt"/>
-              </a:rPr>
-              <a:t>Import settings are specified via command line arguments </a:t>
-            </a:r>
-          </a:p>
-        </p:txBody>
-      </p:sp>
-      <p:sp>
-        <p:nvSpPr>
-          <p:cNvPr id="14" name="Title 1">
-            <a:extLst>
-              <a:ext uri="{FF2B5EF4-FFF2-40B4-BE49-F238E27FC236}">
-                <a16:creationId xmlns:a16="http://schemas.microsoft.com/office/drawing/2014/main" id="{9236A42A-0B57-697D-2483-643DFC8971DA}"/>
-              </a:ext>
-            </a:extLst>
-          </p:cNvPr>
-          <p:cNvSpPr txBox="1">
-            <a:spLocks/>
-          </p:cNvSpPr>
-          <p:nvPr/>
-        </p:nvSpPr>
-        <p:spPr>
-          <a:xfrm>
-            <a:off x="6210301" y="5284186"/>
-            <a:ext cx="3593224" cy="1526607"/>
-          </a:xfrm>
-          <a:prstGeom prst="rect">
-            <a:avLst/>
-          </a:prstGeom>
-        </p:spPr>
-        <p:txBody>
-          <a:bodyPr vert="horz" lIns="91440" tIns="45720" rIns="91440" bIns="45720" rtlCol="0" anchor="ctr">
-            <a:normAutofit/>
-          </a:bodyPr>
-          <a:lstStyle>
-            <a:lvl1pPr algn="l" defTabSz="914400" rtl="0" eaLnBrk="1" latinLnBrk="0" hangingPunct="1">
-              <a:lnSpc>
-                <a:spcPct val="90000"/>
-              </a:lnSpc>
-              <a:spcBef>
-                <a:spcPct val="0"/>
-              </a:spcBef>
-              <a:buNone/>
-              <a:defRPr sz="4400" kern="1200">
-                <a:solidFill>
-                  <a:schemeClr val="tx1"/>
-                </a:solidFill>
-                <a:latin typeface="+mj-lt"/>
-                <a:ea typeface="+mj-ea"/>
-                <a:cs typeface="+mj-cs"/>
-              </a:defRPr>
-            </a:lvl1pPr>
-          </a:lstStyle>
-          <a:p>
-            <a:r>
-              <a:rPr lang="en-GB" sz="1800" b="1" dirty="0">
-                <a:latin typeface="+mn-lt"/>
-              </a:rPr>
-              <a:t>Please check docs/importSettings.txt for detailed documentation</a:t>
-            </a:r>
-          </a:p>
-        </p:txBody>
-      </p:sp>
-    </p:spTree>
-    <p:extLst>
-      <p:ext uri="{BB962C8B-B14F-4D97-AF65-F5344CB8AC3E}">
-        <p14:creationId xmlns:p14="http://schemas.microsoft.com/office/powerpoint/2010/main" val="982186525"/>
-      </p:ext>
-    </p:extLst>
-  </p:cSld>
-  <p:clrMapOvr>
-    <a:masterClrMapping/>
-  </p:clrMapOvr>
-</p:sld>
-</file>
-
-<file path=ppt/slides/slide3.xml><?xml version="1.0" encoding="utf-8"?>
-<p:sld xmlns:a="http://schemas.openxmlformats.org/drawingml/2006/main" xmlns:r="http://schemas.openxmlformats.org/officeDocument/2006/relationships" xmlns:p="http://schemas.openxmlformats.org/presentationml/2006/main">
-  <p:cSld>
-    <p:spTree>
-      <p:nvGrpSpPr>
-        <p:cNvPr id="1" name=""/>
-        <p:cNvGrpSpPr/>
-        <p:nvPr/>
-      </p:nvGrpSpPr>
-      <p:grpSpPr>
-        <a:xfrm>
-          <a:off x="0" y="0"/>
-          <a:ext cx="0" cy="0"/>
-          <a:chOff x="0" y="0"/>
-          <a:chExt cx="0" cy="0"/>
-        </a:xfrm>
-      </p:grpSpPr>
-      <p:pic>
-        <p:nvPicPr>
-          <p:cNvPr id="5" name="Picture 4" descr="A screenshot of a computer&#10;&#10;AI-generated content may be incorrect.">
-            <a:extLst>
-              <a:ext uri="{FF2B5EF4-FFF2-40B4-BE49-F238E27FC236}">
-                <a16:creationId xmlns:a16="http://schemas.microsoft.com/office/drawing/2014/main" id="{5040C7E7-2D9A-2398-60F3-B54D0E8A9B91}"/>
-              </a:ext>
-            </a:extLst>
-          </p:cNvPr>
-          <p:cNvPicPr>
-            <a:picLocks noChangeAspect="1"/>
-          </p:cNvPicPr>
-          <p:nvPr/>
-        </p:nvPicPr>
-        <p:blipFill>
-          <a:blip r:embed="rId3"/>
-          <a:stretch>
-            <a:fillRect/>
-          </a:stretch>
-        </p:blipFill>
-        <p:spPr>
-          <a:xfrm>
-            <a:off x="448378" y="414790"/>
-            <a:ext cx="6369269" cy="2819770"/>
-          </a:xfrm>
-          <a:prstGeom prst="rect">
-            <a:avLst/>
-          </a:prstGeom>
-        </p:spPr>
-      </p:pic>
-      <p:sp>
-        <p:nvSpPr>
-          <p:cNvPr id="6" name="Title 1">
-            <a:extLst>
-              <a:ext uri="{FF2B5EF4-FFF2-40B4-BE49-F238E27FC236}">
-                <a16:creationId xmlns:a16="http://schemas.microsoft.com/office/drawing/2014/main" id="{9454DD9E-A99F-1C4F-B677-FA5292E8022E}"/>
-              </a:ext>
-            </a:extLst>
-          </p:cNvPr>
-          <p:cNvSpPr txBox="1">
-            <a:spLocks/>
-          </p:cNvSpPr>
-          <p:nvPr/>
-        </p:nvSpPr>
-        <p:spPr>
-          <a:xfrm>
-            <a:off x="231227" y="3347547"/>
-            <a:ext cx="9144000" cy="2180894"/>
-          </a:xfrm>
-          <a:prstGeom prst="rect">
-            <a:avLst/>
-          </a:prstGeom>
-        </p:spPr>
-        <p:txBody>
-          <a:bodyPr vert="horz" lIns="91440" tIns="45720" rIns="91440" bIns="45720" rtlCol="0" anchor="ctr">
-            <a:normAutofit/>
-          </a:bodyPr>
-          <a:lstStyle>
-            <a:lvl1pPr algn="l" defTabSz="914400" rtl="0" eaLnBrk="1" latinLnBrk="0" hangingPunct="1">
-              <a:lnSpc>
-                <a:spcPct val="90000"/>
-              </a:lnSpc>
-              <a:spcBef>
-                <a:spcPct val="0"/>
-              </a:spcBef>
-              <a:buNone/>
-              <a:defRPr sz="4400" kern="1200">
-                <a:solidFill>
-                  <a:schemeClr val="tx1"/>
-                </a:solidFill>
-                <a:latin typeface="+mj-lt"/>
-                <a:ea typeface="+mj-ea"/>
-                <a:cs typeface="+mj-cs"/>
-              </a:defRPr>
-            </a:lvl1pPr>
-          </a:lstStyle>
-          <a:p>
-            <a:endParaRPr lang="en-GB" b="1" dirty="0">
-              <a:latin typeface="+mn-lt"/>
-              <a:cs typeface="Calibri Light" panose="020F0302020204030204" pitchFamily="34" charset="0"/>
-            </a:endParaRPr>
-          </a:p>
-        </p:txBody>
-      </p:sp>
-      <p:sp>
-        <p:nvSpPr>
-          <p:cNvPr id="7" name="__IRIT2POWERPOINT_CONTAINER__">
-            <a:extLst>
-              <a:ext uri="{FF2B5EF4-FFF2-40B4-BE49-F238E27FC236}">
-                <a16:creationId xmlns:a16="http://schemas.microsoft.com/office/drawing/2014/main" id="{3BC4B471-7090-6D57-6216-423033F94A7D}"/>
-              </a:ext>
-            </a:extLst>
-          </p:cNvPr>
-          <p:cNvSpPr/>
-          <p:nvPr/>
-        </p:nvSpPr>
-        <p:spPr>
-          <a:xfrm>
-            <a:off x="6999890" y="231227"/>
-            <a:ext cx="4824248" cy="3457904"/>
-          </a:xfrm>
-          <a:prstGeom prst="roundRect">
-            <a:avLst/>
-          </a:prstGeom>
-          <a:noFill/>
-          <a:ln w="63500" cap="flat" cmpd="sng" algn="ctr">
-            <a:solidFill>
-              <a:srgbClr val="000000"/>
-            </a:solidFill>
-            <a:prstDash val="dash"/>
-            <a:miter lim="800000"/>
-          </a:ln>
-          <a:effectLst/>
-          <a:extLst>
-            <a:ext uri="{909E8E84-426E-40DD-AFC4-6F175D3DCCD1}">
-              <a14:hiddenFill xmlns:a14="http://schemas.microsoft.com/office/drawing/2010/main">
-                <a:solidFill>
-                  <a:schemeClr val="accent1"/>
-                </a:solidFill>
-              </a14:hiddenFill>
-            </a:ext>
-          </a:extLst>
-        </p:spPr>
-        <p:style>
-          <a:lnRef idx="2">
-            <a:schemeClr val="accent1">
-              <a:shade val="15000"/>
-            </a:schemeClr>
-          </a:lnRef>
-          <a:fillRef idx="1">
-            <a:schemeClr val="accent1"/>
-          </a:fillRef>
-          <a:effectRef idx="0">
-            <a:schemeClr val="accent1"/>
-          </a:effectRef>
-          <a:fontRef idx="minor">
-            <a:schemeClr val="lt1"/>
-          </a:fontRef>
-        </p:style>
-        <p:txBody>
-          <a:bodyPr rtlCol="0" anchor="ctr"/>
-          <a:lstStyle/>
-          <a:p>
-            <a:pPr algn="ctr"/>
-            <a:r>
-              <a:rPr lang="en-GB" b="1">
-                <a:solidFill>
-                  <a:srgbClr val="000000"/>
-                </a:solidFill>
-              </a:rPr>
-              <a:t>IRIT2POWERPOINT</a:t>
-            </a:r>
-          </a:p>
-        </p:txBody>
-      </p:sp>
-      <p:sp>
-        <p:nvSpPr>
-          <p:cNvPr id="13" name="Title 1">
-            <a:extLst>
-              <a:ext uri="{FF2B5EF4-FFF2-40B4-BE49-F238E27FC236}">
-                <a16:creationId xmlns:a16="http://schemas.microsoft.com/office/drawing/2014/main" id="{3775AC32-687E-20B2-EF7B-7CD979D44BB2}"/>
-              </a:ext>
-            </a:extLst>
-          </p:cNvPr>
-          <p:cNvSpPr>
-            <a:spLocks noGrp="1"/>
-          </p:cNvSpPr>
-          <p:nvPr>
-            <p:ph type="title"/>
-          </p:nvPr>
-        </p:nvSpPr>
-        <p:spPr>
-          <a:xfrm>
-            <a:off x="448378" y="4202878"/>
-            <a:ext cx="10515600" cy="1325563"/>
-          </a:xfrm>
-        </p:spPr>
-        <p:txBody>
-          <a:bodyPr>
-            <a:normAutofit fontScale="90000"/>
-          </a:bodyPr>
-          <a:lstStyle/>
-          <a:p>
-            <a:r>
-              <a:rPr lang="en-GB" b="1" dirty="0">
-                <a:latin typeface="+mn-lt"/>
-                <a:cs typeface="Calibri Light" panose="020F0302020204030204" pitchFamily="34" charset="0"/>
-              </a:rPr>
-              <a:t>Once import settings are specified a file can be picked via the import dialog, and a slideshow must be started to launch the renderer</a:t>
-            </a:r>
-          </a:p>
-        </p:txBody>
-      </p:sp>
-    </p:spTree>
-    <p:custDataLst>
-      <p:tags r:id="rId1"/>
-    </p:custDataLst>
-    <p:extLst>
-      <p:ext uri="{BB962C8B-B14F-4D97-AF65-F5344CB8AC3E}">
-        <p14:creationId xmlns:p14="http://schemas.microsoft.com/office/powerpoint/2010/main" val="777626460"/>
-      </p:ext>
-    </p:extLst>
-  </p:cSld>
-  <p:clrMapOvr>
-    <a:masterClrMapping/>
-  </p:clrMapOvr>
-</p:sld>
-</file>
-
-<file path=ppt/slides/slide4.xml><?xml version="1.0" encoding="utf-8"?>
-<p:sld xmlns:a="http://schemas.openxmlformats.org/drawingml/2006/main" xmlns:r="http://schemas.openxmlformats.org/officeDocument/2006/relationships" xmlns:p="http://schemas.openxmlformats.org/presentationml/2006/main">
-  <p:cSld>
-    <p:spTree>
-      <p:nvGrpSpPr>
-        <p:cNvPr id="1" name=""/>
-        <p:cNvGrpSpPr/>
-        <p:nvPr/>
-      </p:nvGrpSpPr>
-      <p:grpSpPr>
-        <a:xfrm>
-          <a:off x="0" y="0"/>
-          <a:ext cx="0" cy="0"/>
-          <a:chOff x="0" y="0"/>
-          <a:chExt cx="0" cy="0"/>
-        </a:xfrm>
-      </p:grpSpPr>
-      <p:sp>
-        <p:nvSpPr>
-          <p:cNvPr id="2" name="Title 1">
-            <a:extLst>
-              <a:ext uri="{FF2B5EF4-FFF2-40B4-BE49-F238E27FC236}">
-                <a16:creationId xmlns:a16="http://schemas.microsoft.com/office/drawing/2014/main" id="{BE15A0A3-86B5-D6C2-7A66-BF04AA15428D}"/>
-              </a:ext>
-            </a:extLst>
-          </p:cNvPr>
-          <p:cNvSpPr>
-            <a:spLocks noGrp="1"/>
-          </p:cNvSpPr>
-          <p:nvPr>
-            <p:ph type="title"/>
-          </p:nvPr>
-        </p:nvSpPr>
-        <p:spPr/>
-        <p:txBody>
-          <a:bodyPr/>
-          <a:lstStyle/>
-          <a:p>
-            <a:r>
-              <a:rPr lang="en-GB" dirty="0"/>
-              <a:t>Features</a:t>
-            </a:r>
-          </a:p>
-        </p:txBody>
-      </p:sp>
-      <p:sp>
-        <p:nvSpPr>
-          <p:cNvPr id="3" name="Content Placeholder 2">
-            <a:extLst>
-              <a:ext uri="{FF2B5EF4-FFF2-40B4-BE49-F238E27FC236}">
-                <a16:creationId xmlns:a16="http://schemas.microsoft.com/office/drawing/2014/main" id="{817679AB-895E-249A-DD08-86FA6D5F545D}"/>
-              </a:ext>
-            </a:extLst>
-          </p:cNvPr>
-          <p:cNvSpPr>
-            <a:spLocks noGrp="1"/>
-          </p:cNvSpPr>
-          <p:nvPr>
-            <p:ph idx="1"/>
-          </p:nvPr>
-        </p:nvSpPr>
-        <p:spPr>
-          <a:xfrm>
-            <a:off x="838200" y="1825625"/>
-            <a:ext cx="6571593" cy="4351338"/>
-          </a:xfrm>
-        </p:spPr>
-        <p:txBody>
-          <a:bodyPr>
-            <a:normAutofit fontScale="62500" lnSpcReduction="20000"/>
-          </a:bodyPr>
-          <a:lstStyle/>
-          <a:p>
-            <a:r>
-              <a:rPr lang="en-GB" dirty="0"/>
-              <a:t>Supports import of all supported Irit geometry types via ITD, OBJ, STL, etc…</a:t>
-            </a:r>
-          </a:p>
-          <a:p>
-            <a:r>
-              <a:rPr lang="en-GB" dirty="0"/>
-              <a:t>The window is made transparent so that only the relevant 3D data is displayed</a:t>
-            </a:r>
-          </a:p>
-          <a:p>
-            <a:r>
-              <a:rPr lang="en-GB" dirty="0"/>
-              <a:t>Supports a wide range of import parameters (see docs/ImportSettings.txt)</a:t>
-            </a:r>
-          </a:p>
-          <a:p>
-            <a:r>
-              <a:rPr lang="en-GB" dirty="0"/>
-              <a:t>Saves the Irit2Powerpoint state within the presentation</a:t>
-            </a:r>
-          </a:p>
-          <a:p>
-            <a:r>
-              <a:rPr lang="en-GB" dirty="0"/>
-              <a:t>Dynamically handles paths so that when a presentation is moved along with the 3D files it’ll still be able to find them</a:t>
-            </a:r>
-          </a:p>
-          <a:p>
-            <a:r>
-              <a:rPr lang="en-GB" dirty="0"/>
-              <a:t>Projection/view matrices can be set from within the ITD file</a:t>
-            </a:r>
-          </a:p>
-          <a:p>
-            <a:r>
-              <a:rPr lang="en-GB" dirty="0"/>
-              <a:t>Each slide has its own scope for Import Settings</a:t>
-            </a:r>
-          </a:p>
-          <a:p>
-            <a:r>
-              <a:rPr lang="en-GB" dirty="0"/>
-              <a:t>Anti-aliasing</a:t>
-            </a:r>
-          </a:p>
-          <a:p>
-            <a:r>
-              <a:rPr lang="en-GB" dirty="0"/>
-              <a:t>All 3D objects are loaded in parallel on presentation start up</a:t>
-            </a:r>
-          </a:p>
-          <a:p>
-            <a:endParaRPr lang="en-GB" dirty="0"/>
-          </a:p>
-        </p:txBody>
-      </p:sp>
-      <p:sp>
-        <p:nvSpPr>
-          <p:cNvPr id="4" name="__IRIT2POWERPOINT_CONTAINER__">
-            <a:extLst>
-              <a:ext uri="{FF2B5EF4-FFF2-40B4-BE49-F238E27FC236}">
-                <a16:creationId xmlns:a16="http://schemas.microsoft.com/office/drawing/2014/main" id="{C1D3B5E1-E262-706B-8448-B48B56A09D53}"/>
-              </a:ext>
-            </a:extLst>
-          </p:cNvPr>
-          <p:cNvSpPr/>
-          <p:nvPr/>
-        </p:nvSpPr>
-        <p:spPr>
-          <a:xfrm>
-            <a:off x="7612118" y="2133600"/>
-            <a:ext cx="3941379" cy="2956034"/>
-          </a:xfrm>
-          <a:prstGeom prst="roundRect">
-            <a:avLst/>
-          </a:prstGeom>
-          <a:noFill/>
-          <a:ln w="63500" cap="flat" cmpd="sng" algn="ctr">
-            <a:solidFill>
-              <a:srgbClr val="000000"/>
-            </a:solidFill>
-            <a:prstDash val="dash"/>
-            <a:miter lim="800000"/>
-          </a:ln>
-          <a:effectLst/>
-          <a:extLst>
-            <a:ext uri="{909E8E84-426E-40DD-AFC4-6F175D3DCCD1}">
-              <a14:hiddenFill xmlns:a14="http://schemas.microsoft.com/office/drawing/2010/main">
-                <a:solidFill>
-                  <a:schemeClr val="accent1"/>
-                </a:solidFill>
-              </a14:hiddenFill>
-            </a:ext>
-          </a:extLst>
-        </p:spPr>
-        <p:style>
-          <a:lnRef idx="2">
-            <a:schemeClr val="accent1">
-              <a:shade val="15000"/>
-            </a:schemeClr>
-          </a:lnRef>
-          <a:fillRef idx="1">
-            <a:schemeClr val="accent1"/>
-          </a:fillRef>
-          <a:effectRef idx="0">
-            <a:schemeClr val="accent1"/>
-          </a:effectRef>
-          <a:fontRef idx="minor">
-            <a:schemeClr val="lt1"/>
-          </a:fontRef>
-        </p:style>
-        <p:txBody>
-          <a:bodyPr rtlCol="0" anchor="ctr"/>
-          <a:lstStyle/>
-          <a:p>
-            <a:pPr algn="ctr"/>
-            <a:r>
-              <a:rPr lang="en-GB" b="1">
-                <a:solidFill>
-                  <a:srgbClr val="000000"/>
-                </a:solidFill>
-              </a:rPr>
-              <a:t>IRIT2POWERPOINT</a:t>
-            </a:r>
-          </a:p>
-        </p:txBody>
-      </p:sp>
-    </p:spTree>
-    <p:custDataLst>
-      <p:tags r:id="rId1"/>
-    </p:custDataLst>
-    <p:extLst>
-      <p:ext uri="{BB962C8B-B14F-4D97-AF65-F5344CB8AC3E}">
-        <p14:creationId xmlns:p14="http://schemas.microsoft.com/office/powerpoint/2010/main" val="1334654325"/>
-      </p:ext>
-    </p:extLst>
-  </p:cSld>
-  <p:clrMapOvr>
-    <a:masterClrMapping/>
-  </p:clrMapOvr>
-</p:sld>
-</file>
-
-<file path=ppt/slides/slide5.xml><?xml version="1.0" encoding="utf-8"?>
-<p:sld xmlns:a="http://schemas.openxmlformats.org/drawingml/2006/main" xmlns:r="http://schemas.openxmlformats.org/officeDocument/2006/relationships" xmlns:p="http://schemas.openxmlformats.org/presentationml/2006/main">
-  <p:cSld>
-    <p:spTree>
-      <p:nvGrpSpPr>
-        <p:cNvPr id="1" name=""/>
-        <p:cNvGrpSpPr/>
-        <p:nvPr/>
-      </p:nvGrpSpPr>
-      <p:grpSpPr>
-        <a:xfrm>
-          <a:off x="0" y="0"/>
-          <a:ext cx="0" cy="0"/>
-          <a:chOff x="0" y="0"/>
-          <a:chExt cx="0" cy="0"/>
-        </a:xfrm>
-      </p:grpSpPr>
-      <p:sp>
-        <p:nvSpPr>
-          <p:cNvPr id="2" name="Title 1">
-            <a:extLst>
-              <a:ext uri="{FF2B5EF4-FFF2-40B4-BE49-F238E27FC236}">
-                <a16:creationId xmlns:a16="http://schemas.microsoft.com/office/drawing/2014/main" id="{D3C7844F-3E5C-1666-25DC-571D560CD767}"/>
-              </a:ext>
-            </a:extLst>
-          </p:cNvPr>
-          <p:cNvSpPr>
-            <a:spLocks noGrp="1"/>
-          </p:cNvSpPr>
-          <p:nvPr>
-            <p:ph type="title"/>
-          </p:nvPr>
-        </p:nvSpPr>
-        <p:spPr/>
-        <p:txBody>
-          <a:bodyPr/>
-          <a:lstStyle/>
-          <a:p>
-            <a:r>
-              <a:rPr lang="en-GB" dirty="0"/>
-              <a:t>Constraints</a:t>
-            </a:r>
-          </a:p>
-        </p:txBody>
-      </p:sp>
-      <p:sp>
-        <p:nvSpPr>
-          <p:cNvPr id="3" name="Content Placeholder 2">
-            <a:extLst>
-              <a:ext uri="{FF2B5EF4-FFF2-40B4-BE49-F238E27FC236}">
-                <a16:creationId xmlns:a16="http://schemas.microsoft.com/office/drawing/2014/main" id="{DCFF4555-F6B5-22CA-CB28-BDB6D1DFCEA0}"/>
-              </a:ext>
-            </a:extLst>
-          </p:cNvPr>
-          <p:cNvSpPr>
-            <a:spLocks noGrp="1"/>
-          </p:cNvSpPr>
-          <p:nvPr>
-            <p:ph idx="1"/>
-          </p:nvPr>
-        </p:nvSpPr>
-        <p:spPr>
-          <a:xfrm>
-            <a:off x="838200" y="1825625"/>
-            <a:ext cx="10515600" cy="3103727"/>
-          </a:xfrm>
-        </p:spPr>
-        <p:txBody>
-          <a:bodyPr/>
-          <a:lstStyle/>
-          <a:p>
-            <a:r>
-              <a:rPr lang="en-GB" dirty="0"/>
-              <a:t> Only one Irit2Powerpoint container per slide</a:t>
-            </a:r>
-          </a:p>
-          <a:p>
-            <a:r>
-              <a:rPr lang="en-GB" dirty="0"/>
-              <a:t>3D files aren’t embedded within the presentation file, they must be maintained separately</a:t>
-            </a:r>
-          </a:p>
-          <a:p>
-            <a:r>
-              <a:rPr lang="en-GB" dirty="0"/>
-              <a:t>The renderer only allows global transformations, no per object distinction</a:t>
-            </a:r>
-          </a:p>
-          <a:p>
-            <a:r>
-              <a:rPr lang="en-GB" dirty="0"/>
-              <a:t>No textures, or transparency </a:t>
-            </a:r>
-          </a:p>
-        </p:txBody>
-      </p:sp>
-      <p:sp>
-        <p:nvSpPr>
-          <p:cNvPr id="5" name="__IRIT2POWERPOINT_CONTAINER__">
-            <a:extLst>
-              <a:ext uri="{FF2B5EF4-FFF2-40B4-BE49-F238E27FC236}">
-                <a16:creationId xmlns:a16="http://schemas.microsoft.com/office/drawing/2014/main" id="{5E4318DB-DDAB-9FA8-764B-35526B8DAE51}"/>
-              </a:ext>
-            </a:extLst>
-          </p:cNvPr>
-          <p:cNvSpPr/>
-          <p:nvPr/>
-        </p:nvSpPr>
-        <p:spPr>
-          <a:xfrm>
-            <a:off x="7189075" y="3794451"/>
-            <a:ext cx="3657601" cy="2743201"/>
-          </a:xfrm>
-          <a:prstGeom prst="roundRect">
-            <a:avLst/>
-          </a:prstGeom>
-          <a:noFill/>
-          <a:ln w="63500" cap="flat" cmpd="sng" algn="ctr">
-            <a:solidFill>
-              <a:srgbClr val="000000"/>
-            </a:solidFill>
-            <a:prstDash val="dash"/>
-            <a:miter lim="800000"/>
-          </a:ln>
-          <a:effectLst/>
-          <a:extLst>
-            <a:ext uri="{909E8E84-426E-40DD-AFC4-6F175D3DCCD1}">
-              <a14:hiddenFill xmlns:a14="http://schemas.microsoft.com/office/drawing/2010/main">
-                <a:solidFill>
-                  <a:schemeClr val="accent1"/>
-                </a:solidFill>
-              </a14:hiddenFill>
-            </a:ext>
-          </a:extLst>
-        </p:spPr>
-        <p:style>
-          <a:lnRef idx="2">
-            <a:schemeClr val="accent1">
-              <a:shade val="15000"/>
-            </a:schemeClr>
-          </a:lnRef>
-          <a:fillRef idx="1">
-            <a:schemeClr val="accent1"/>
-          </a:fillRef>
-          <a:effectRef idx="0">
-            <a:schemeClr val="accent1"/>
-          </a:effectRef>
-          <a:fontRef idx="minor">
-            <a:schemeClr val="lt1"/>
-          </a:fontRef>
-        </p:style>
-        <p:txBody>
-          <a:bodyPr rtlCol="0" anchor="ctr"/>
-          <a:lstStyle/>
-          <a:p>
-            <a:pPr algn="ctr"/>
-            <a:r>
-              <a:rPr lang="en-GB" b="1">
-                <a:solidFill>
-                  <a:srgbClr val="000000"/>
-                </a:solidFill>
-              </a:rPr>
-              <a:t>IRIT2POWERPOINT</a:t>
-            </a:r>
-          </a:p>
-        </p:txBody>
-      </p:sp>
-    </p:spTree>
-    <p:custDataLst>
-      <p:tags r:id="rId1"/>
-    </p:custDataLst>
-    <p:extLst>
-      <p:ext uri="{BB962C8B-B14F-4D97-AF65-F5344CB8AC3E}">
-        <p14:creationId xmlns:p14="http://schemas.microsoft.com/office/powerpoint/2010/main" val="1815926628"/>
+        <p14:creationId xmlns:p14="http://schemas.microsoft.com/office/powerpoint/2010/main" val="1287090140"/>
       </p:ext>
     </p:extLst>
   </p:cSld>
@@ -3986,43 +7880,15 @@
 <file path=ppt/tags/tag1.xml><?xml version="1.0" encoding="utf-8"?>
 <p:tagLst xmlns:a="http://schemas.openxmlformats.org/drawingml/2006/main" xmlns:r="http://schemas.openxmlformats.org/officeDocument/2006/relationships" xmlns:p="http://schemas.openxmlformats.org/presentationml/2006/main">
   <p:tag name="_I2P_DUMMY_" val="true"/>
-  <p:tag name="_I2P_PATH_RELATIVE_" val="true"/>
-  <p:tag name="_I2P_PATH_" val="ai_glass.itd"/>
-  <p:tag name="_I2P_IMPORT_SETTINGS_" val="-W 1 -c 1 255,255,255 ai_glass.itd"/>
-</p:tagLst>
-</file>
-
-<file path=ppt/tags/tag2.xml><?xml version="1.0" encoding="utf-8"?>
-<p:tagLst xmlns:a="http://schemas.openxmlformats.org/drawingml/2006/main" xmlns:r="http://schemas.openxmlformats.org/officeDocument/2006/relationships" xmlns:p="http://schemas.openxmlformats.org/presentationml/2006/main">
-  <p:tag name="_I2P_DUMMY_" val="true"/>
-  <p:tag name="_I2P_PATH_RELATIVE_" val="true"/>
-  <p:tag name="_I2P_PATH_" val="ai_tea.itd"/>
-  <p:tag name="_I2P_IMPORT_SETTINGS_" val="-P ai_tea.itd"/>
-</p:tagLst>
-</file>
-
-<file path=ppt/tags/tag3.xml><?xml version="1.0" encoding="utf-8"?>
-<p:tagLst xmlns:a="http://schemas.openxmlformats.org/drawingml/2006/main" xmlns:r="http://schemas.openxmlformats.org/officeDocument/2006/relationships" xmlns:p="http://schemas.openxmlformats.org/presentationml/2006/main">
-  <p:tag name="_I2P_DUMMY_" val="true"/>
-  <p:tag name="_I2P_PATH_RELATIVE_" val="true"/>
-  <p:tag name="_I2P_PATH_" val="fltrtest.itd"/>
-  <p:tag name="_I2P_IMPORT_SETTINGS_" val="-P -W 1 fltrtest.itd"/>
-</p:tagLst>
-</file>
-
-<file path=ppt/tags/tag4.xml><?xml version="1.0" encoding="utf-8"?>
-<p:tagLst xmlns:a="http://schemas.openxmlformats.org/drawingml/2006/main" xmlns:r="http://schemas.openxmlformats.org/officeDocument/2006/relationships" xmlns:p="http://schemas.openxmlformats.org/presentationml/2006/main">
-  <p:tag name="_I2P_DUMMY_" val="true"/>
-  <p:tag name="_I2P_PATH_RELATIVE_" val="true"/>
-  <p:tag name="_I2P_IMPORT_SETTINGS_" val="-P ai_tea.itd"/>
-  <p:tag name="_I2P_PATH_" val="ai_tea.itd"/>
+  <p:tag name="_I2P_PATH_" val="C:\Irit2Powerpoint\Irit2Powerpoint\docs\example\ai_tea.itd"/>
+  <p:tag name="_I2P_IMPORT_SETTINGS_" val="&quot;C:\Irit2Powerpoint\Irit2Powerpoint\docs\example\ai_tea.itd&quot;"/>
 </p:tagLst>
 </file>
 
 <file path=ppt/theme/theme1.xml><?xml version="1.0" encoding="utf-8"?>
-<a:theme xmlns:a="http://schemas.openxmlformats.org/drawingml/2006/main" name="Office Theme">
+<a:theme xmlns:a="http://schemas.openxmlformats.org/drawingml/2006/main" name="Berlin">
   <a:themeElements>
-    <a:clrScheme name="Office Theme">
+    <a:clrScheme name="Berlin">
       <a:dk1>
         <a:sysClr val="windowText" lastClr="000000"/>
       </a:dk1>
@@ -4030,44 +7896,44 @@
         <a:sysClr val="window" lastClr="FFFFFF"/>
       </a:lt1>
       <a:dk2>
-        <a:srgbClr val="0E2841"/>
+        <a:srgbClr val="9D360E"/>
       </a:dk2>
       <a:lt2>
-        <a:srgbClr val="E8E8E8"/>
+        <a:srgbClr val="E7E6E6"/>
       </a:lt2>
       <a:accent1>
-        <a:srgbClr val="196B24"/>
+        <a:srgbClr val="F09415"/>
       </a:accent1>
       <a:accent2>
-        <a:srgbClr val="4EA72E"/>
+        <a:srgbClr val="C1B56B"/>
       </a:accent2>
       <a:accent3>
-        <a:srgbClr val="156082"/>
+        <a:srgbClr val="4BAF73"/>
       </a:accent3>
       <a:accent4>
-        <a:srgbClr val="0F9ED5"/>
+        <a:srgbClr val="5AA6C0"/>
       </a:accent4>
       <a:accent5>
-        <a:srgbClr val="A02B93"/>
+        <a:srgbClr val="D17DF9"/>
       </a:accent5>
       <a:accent6>
-        <a:srgbClr val="E97132"/>
+        <a:srgbClr val="FA7E5C"/>
       </a:accent6>
       <a:hlink>
-        <a:srgbClr val="467886"/>
+        <a:srgbClr val="FFAE3E"/>
       </a:hlink>
       <a:folHlink>
-        <a:srgbClr val="96607D"/>
+        <a:srgbClr val="FCC77E"/>
       </a:folHlink>
     </a:clrScheme>
-    <a:fontScheme name="Office Theme">
+    <a:fontScheme name="Berlin">
       <a:majorFont>
-        <a:latin typeface="Aptos Display" panose="02110004020202020204"/>
+        <a:latin typeface="Trebuchet MS" panose="020B0603020202020204"/>
         <a:ea typeface=""/>
         <a:cs typeface=""/>
-        <a:font script="Jpan" typeface="游ゴシック Light"/>
+        <a:font script="Jpan" typeface="ＭＳ Ｐゴシック"/>
         <a:font script="Hang" typeface="맑은 고딕"/>
-        <a:font script="Hans" typeface="等线 Light"/>
+        <a:font script="Hans" typeface="宋体"/>
         <a:font script="Hant" typeface="新細明體"/>
         <a:font script="Arab" typeface="Times New Roman"/>
         <a:font script="Hebr" typeface="Times New Roman"/>
@@ -4095,31 +7961,14 @@
         <a:font script="Viet" typeface="Times New Roman"/>
         <a:font script="Uigh" typeface="Microsoft Uighur"/>
         <a:font script="Geor" typeface="Sylfaen"/>
-        <a:font script="Armn" typeface="Arial"/>
-        <a:font script="Bugi" typeface="Leelawadee UI"/>
-        <a:font script="Bopo" typeface="Microsoft JhengHei"/>
-        <a:font script="Java" typeface="Javanese Text"/>
-        <a:font script="Lisu" typeface="Segoe UI"/>
-        <a:font script="Mymr" typeface="Myanmar Text"/>
-        <a:font script="Nkoo" typeface="Ebrima"/>
-        <a:font script="Olck" typeface="Nirmala UI"/>
-        <a:font script="Osma" typeface="Ebrima"/>
-        <a:font script="Phag" typeface="Phagspa"/>
-        <a:font script="Syrn" typeface="Estrangelo Edessa"/>
-        <a:font script="Syrj" typeface="Estrangelo Edessa"/>
-        <a:font script="Syre" typeface="Estrangelo Edessa"/>
-        <a:font script="Sora" typeface="Nirmala UI"/>
-        <a:font script="Tale" typeface="Microsoft Tai Le"/>
-        <a:font script="Talu" typeface="Microsoft New Tai Lue"/>
-        <a:font script="Tfng" typeface="Ebrima"/>
       </a:majorFont>
       <a:minorFont>
-        <a:latin typeface="Aptos" panose="02110004020202020204"/>
+        <a:latin typeface="Trebuchet MS" panose="020B0603020202020204"/>
         <a:ea typeface=""/>
         <a:cs typeface=""/>
-        <a:font script="Jpan" typeface="游ゴシック"/>
+        <a:font script="Jpan" typeface="ＭＳ Ｐゴシック"/>
         <a:font script="Hang" typeface="맑은 고딕"/>
-        <a:font script="Hans" typeface="等线"/>
+        <a:font script="Hans" typeface="宋体"/>
         <a:font script="Hant" typeface="新細明體"/>
         <a:font script="Arab" typeface="Arial"/>
         <a:font script="Hebr" typeface="Arial"/>
@@ -4147,26 +7996,9 @@
         <a:font script="Viet" typeface="Arial"/>
         <a:font script="Uigh" typeface="Microsoft Uighur"/>
         <a:font script="Geor" typeface="Sylfaen"/>
-        <a:font script="Armn" typeface="Arial"/>
-        <a:font script="Bugi" typeface="Leelawadee UI"/>
-        <a:font script="Bopo" typeface="Microsoft JhengHei"/>
-        <a:font script="Java" typeface="Javanese Text"/>
-        <a:font script="Lisu" typeface="Segoe UI"/>
-        <a:font script="Mymr" typeface="Myanmar Text"/>
-        <a:font script="Nkoo" typeface="Ebrima"/>
-        <a:font script="Olck" typeface="Nirmala UI"/>
-        <a:font script="Osma" typeface="Ebrima"/>
-        <a:font script="Phag" typeface="Phagspa"/>
-        <a:font script="Syrn" typeface="Estrangelo Edessa"/>
-        <a:font script="Syrj" typeface="Estrangelo Edessa"/>
-        <a:font script="Syre" typeface="Estrangelo Edessa"/>
-        <a:font script="Sora" typeface="Nirmala UI"/>
-        <a:font script="Tale" typeface="Microsoft Tai Le"/>
-        <a:font script="Talu" typeface="Microsoft New Tai Lue"/>
-        <a:font script="Tfng" typeface="Ebrima"/>
       </a:minorFont>
     </a:fontScheme>
-    <a:fmtScheme name="Office Theme">
+    <a:fmtScheme name="Berlin">
       <a:fillStyleLst>
         <a:solidFill>
           <a:schemeClr val="phClr"/>
@@ -4175,23 +8007,16 @@
           <a:gsLst>
             <a:gs pos="0">
               <a:schemeClr val="phClr">
+                <a:tint val="60000"/>
+                <a:satMod val="100000"/>
                 <a:lumMod val="110000"/>
-                <a:satMod val="105000"/>
-                <a:tint val="67000"/>
-              </a:schemeClr>
-            </a:gs>
-            <a:gs pos="50000">
-              <a:schemeClr val="phClr">
-                <a:lumMod val="105000"/>
-                <a:satMod val="103000"/>
-                <a:tint val="73000"/>
               </a:schemeClr>
             </a:gs>
             <a:gs pos="100000">
               <a:schemeClr val="phClr">
-                <a:lumMod val="105000"/>
-                <a:satMod val="109000"/>
-                <a:tint val="81000"/>
+                <a:tint val="70000"/>
+                <a:satMod val="100000"/>
+                <a:lumMod val="100000"/>
               </a:schemeClr>
             </a:gs>
           </a:gsLst>
@@ -4201,23 +8026,23 @@
           <a:gsLst>
             <a:gs pos="0">
               <a:schemeClr val="phClr">
+                <a:tint val="94000"/>
                 <a:satMod val="103000"/>
                 <a:lumMod val="102000"/>
-                <a:tint val="94000"/>
               </a:schemeClr>
             </a:gs>
             <a:gs pos="50000">
               <a:schemeClr val="phClr">
+                <a:shade val="100000"/>
                 <a:satMod val="110000"/>
                 <a:lumMod val="100000"/>
-                <a:shade val="100000"/>
               </a:schemeClr>
             </a:gs>
             <a:gs pos="100000">
               <a:schemeClr val="phClr">
+                <a:shade val="78000"/>
+                <a:satMod val="120000"/>
                 <a:lumMod val="99000"/>
-                <a:satMod val="120000"/>
-                <a:shade val="78000"/>
               </a:schemeClr>
             </a:gs>
           </a:gsLst>
@@ -4225,26 +8050,23 @@
         </a:gradFill>
       </a:fillStyleLst>
       <a:lnStyleLst>
+        <a:ln w="9525" cap="flat" cmpd="sng" algn="ctr">
+          <a:solidFill>
+            <a:schemeClr val="phClr"/>
+          </a:solidFill>
+          <a:prstDash val="solid"/>
+        </a:ln>
         <a:ln w="12700" cap="flat" cmpd="sng" algn="ctr">
           <a:solidFill>
             <a:schemeClr val="phClr"/>
           </a:solidFill>
           <a:prstDash val="solid"/>
-          <a:miter lim="800000"/>
         </a:ln>
         <a:ln w="19050" cap="flat" cmpd="sng" algn="ctr">
           <a:solidFill>
             <a:schemeClr val="phClr"/>
           </a:solidFill>
           <a:prstDash val="solid"/>
-          <a:miter lim="800000"/>
-        </a:ln>
-        <a:ln w="25400" cap="flat" cmpd="sng" algn="ctr">
-          <a:solidFill>
-            <a:schemeClr val="phClr"/>
-          </a:solidFill>
-          <a:prstDash val="solid"/>
-          <a:miter lim="800000"/>
         </a:ln>
       </a:lnStyleLst>
       <a:effectStyleLst>
@@ -4278,57 +8100,40 @@
           <a:gsLst>
             <a:gs pos="0">
               <a:schemeClr val="phClr">
-                <a:tint val="93000"/>
-                <a:satMod val="150000"/>
-                <a:shade val="98000"/>
-                <a:lumMod val="102000"/>
+                <a:tint val="96000"/>
+                <a:shade val="100000"/>
+                <a:hueMod val="270000"/>
+                <a:satMod val="200000"/>
+                <a:lumMod val="128000"/>
               </a:schemeClr>
             </a:gs>
             <a:gs pos="50000">
               <a:schemeClr val="phClr">
-                <a:tint val="98000"/>
-                <a:satMod val="130000"/>
-                <a:shade val="90000"/>
-                <a:lumMod val="103000"/>
+                <a:shade val="100000"/>
+                <a:hueMod val="100000"/>
+                <a:satMod val="110000"/>
+                <a:lumMod val="130000"/>
               </a:schemeClr>
             </a:gs>
             <a:gs pos="100000">
               <a:schemeClr val="phClr">
-                <a:shade val="63000"/>
-                <a:satMod val="120000"/>
+                <a:shade val="78000"/>
+                <a:hueMod val="44000"/>
+                <a:satMod val="200000"/>
+                <a:lumMod val="69000"/>
               </a:schemeClr>
             </a:gs>
           </a:gsLst>
-          <a:lin ang="5400000" scaled="0"/>
+          <a:lin ang="2520000" scaled="0"/>
         </a:gradFill>
       </a:bgFillStyleLst>
     </a:fmtScheme>
   </a:themeElements>
-  <a:objectDefaults>
-    <a:lnDef>
-      <a:spPr/>
-      <a:bodyPr/>
-      <a:lstStyle/>
-      <a:style>
-        <a:lnRef idx="2">
-          <a:schemeClr val="accent1"/>
-        </a:lnRef>
-        <a:fillRef idx="0">
-          <a:schemeClr val="accent1"/>
-        </a:fillRef>
-        <a:effectRef idx="1">
-          <a:schemeClr val="accent1"/>
-        </a:effectRef>
-        <a:fontRef idx="minor">
-          <a:schemeClr val="tx1"/>
-        </a:fontRef>
-      </a:style>
-    </a:lnDef>
-  </a:objectDefaults>
+  <a:objectDefaults/>
   <a:extraClrSchemeLst/>
   <a:extLst>
     <a:ext uri="{05A4C25C-085E-4340-85A3-A5531E510DB2}">
-      <thm15:themeFamily xmlns:thm15="http://schemas.microsoft.com/office/thememl/2012/main" name="Office Theme" id="{2E142A2C-CD16-42D6-873A-C26D2A0506FA}" vid="{97E0A228-C590-4D20-B05F-A6BF04A05448}"/>
+      <thm15:themeFamily xmlns:thm15="http://schemas.microsoft.com/office/thememl/2012/main" name="Berlin" id="{7B5DBA9E-B069-418E-9360-A61BDD0615A4}" vid="{C0CBE056-4EF4-4D92-969E-947779DA7AAA}"/>
     </a:ext>
   </a:extLst>
 </a:theme>

--- a/docs/example/example.pptx
+++ b/docs/example/example.pptx
@@ -2,10 +2,14 @@
 <file path=ppt/presentation.xml><?xml version="1.0" encoding="utf-8"?>
 <p:presentation xmlns:a="http://schemas.openxmlformats.org/drawingml/2006/main" xmlns:r="http://schemas.openxmlformats.org/officeDocument/2006/relationships" xmlns:p="http://schemas.openxmlformats.org/presentationml/2006/main" saveSubsetFonts="1">
   <p:sldMasterIdLst>
-    <p:sldMasterId id="2147483660" r:id="rId1"/>
+    <p:sldMasterId id="2147483714" r:id="rId1"/>
   </p:sldMasterIdLst>
   <p:sldIdLst>
-    <p:sldId id="260" r:id="rId2"/>
+    <p:sldId id="256" r:id="rId2"/>
+    <p:sldId id="257" r:id="rId3"/>
+    <p:sldId id="258" r:id="rId4"/>
+    <p:sldId id="259" r:id="rId5"/>
+    <p:sldId id="260" r:id="rId6"/>
   </p:sldIdLst>
   <p:sldSz cx="12192000" cy="6858000"/>
   <p:notesSz cx="6858000" cy="9144000"/>
@@ -386,7 +390,7 @@
           <a:p>
             <a:fld id="{2D72B13E-33E1-4518-9566-D50598226E4B}" type="datetimeFigureOut">
               <a:rPr lang="en-IL" smtClean="0"/>
-              <a:t>25/09/2025</a:t>
+              <a:t>26/09/2025</a:t>
             </a:fld>
             <a:endParaRPr lang="en-IL"/>
           </a:p>
@@ -442,7 +446,7 @@
     </p:spTree>
     <p:extLst>
       <p:ext uri="{BB962C8B-B14F-4D97-AF65-F5344CB8AC3E}">
-        <p14:creationId xmlns:p14="http://schemas.microsoft.com/office/powerpoint/2010/main" val="11052517"/>
+        <p14:creationId xmlns:p14="http://schemas.microsoft.com/office/powerpoint/2010/main" val="3393845968"/>
       </p:ext>
     </p:extLst>
   </p:cSld>
@@ -800,7 +804,7 @@
           <a:p>
             <a:fld id="{2D72B13E-33E1-4518-9566-D50598226E4B}" type="datetimeFigureOut">
               <a:rPr lang="en-IL" smtClean="0"/>
-              <a:t>25/09/2025</a:t>
+              <a:t>26/09/2025</a:t>
             </a:fld>
             <a:endParaRPr lang="en-IL"/>
           </a:p>
@@ -856,7 +860,7 @@
     </p:spTree>
     <p:extLst>
       <p:ext uri="{BB962C8B-B14F-4D97-AF65-F5344CB8AC3E}">
-        <p14:creationId xmlns:p14="http://schemas.microsoft.com/office/powerpoint/2010/main" val="532607690"/>
+        <p14:creationId xmlns:p14="http://schemas.microsoft.com/office/powerpoint/2010/main" val="2445290731"/>
       </p:ext>
     </p:extLst>
   </p:cSld>
@@ -1136,7 +1140,7 @@
           <a:p>
             <a:fld id="{2D72B13E-33E1-4518-9566-D50598226E4B}" type="datetimeFigureOut">
               <a:rPr lang="en-IL" smtClean="0"/>
-              <a:t>25/09/2025</a:t>
+              <a:t>26/09/2025</a:t>
             </a:fld>
             <a:endParaRPr lang="en-IL"/>
           </a:p>
@@ -1192,7 +1196,7 @@
     </p:spTree>
     <p:extLst>
       <p:ext uri="{BB962C8B-B14F-4D97-AF65-F5344CB8AC3E}">
-        <p14:creationId xmlns:p14="http://schemas.microsoft.com/office/powerpoint/2010/main" val="868192768"/>
+        <p14:creationId xmlns:p14="http://schemas.microsoft.com/office/powerpoint/2010/main" val="40199452"/>
       </p:ext>
     </p:extLst>
   </p:cSld>
@@ -1541,7 +1545,7 @@
           <a:p>
             <a:fld id="{2D72B13E-33E1-4518-9566-D50598226E4B}" type="datetimeFigureOut">
               <a:rPr lang="en-IL" smtClean="0"/>
-              <a:t>25/09/2025</a:t>
+              <a:t>26/09/2025</a:t>
             </a:fld>
             <a:endParaRPr lang="en-IL"/>
           </a:p>
@@ -1829,7 +1833,7 @@
     </p:spTree>
     <p:extLst>
       <p:ext uri="{BB962C8B-B14F-4D97-AF65-F5344CB8AC3E}">
-        <p14:creationId xmlns:p14="http://schemas.microsoft.com/office/powerpoint/2010/main" val="2494969179"/>
+        <p14:creationId xmlns:p14="http://schemas.microsoft.com/office/powerpoint/2010/main" val="954877649"/>
       </p:ext>
     </p:extLst>
   </p:cSld>
@@ -2109,7 +2113,7 @@
           <a:p>
             <a:fld id="{2D72B13E-33E1-4518-9566-D50598226E4B}" type="datetimeFigureOut">
               <a:rPr lang="en-IL" smtClean="0"/>
-              <a:t>25/09/2025</a:t>
+              <a:t>26/09/2025</a:t>
             </a:fld>
             <a:endParaRPr lang="en-IL"/>
           </a:p>
@@ -2165,7 +2169,7 @@
     </p:spTree>
     <p:extLst>
       <p:ext uri="{BB962C8B-B14F-4D97-AF65-F5344CB8AC3E}">
-        <p14:creationId xmlns:p14="http://schemas.microsoft.com/office/powerpoint/2010/main" val="1085003301"/>
+        <p14:creationId xmlns:p14="http://schemas.microsoft.com/office/powerpoint/2010/main" val="2226937526"/>
       </p:ext>
     </p:extLst>
   </p:cSld>
@@ -2790,7 +2794,7 @@
           <a:p>
             <a:fld id="{2D72B13E-33E1-4518-9566-D50598226E4B}" type="datetimeFigureOut">
               <a:rPr lang="en-IL" smtClean="0"/>
-              <a:t>25/09/2025</a:t>
+              <a:t>26/09/2025</a:t>
             </a:fld>
             <a:endParaRPr lang="en-IL"/>
           </a:p>
@@ -2841,7 +2845,7 @@
     </p:spTree>
     <p:extLst>
       <p:ext uri="{BB962C8B-B14F-4D97-AF65-F5344CB8AC3E}">
-        <p14:creationId xmlns:p14="http://schemas.microsoft.com/office/powerpoint/2010/main" val="145407150"/>
+        <p14:creationId xmlns:p14="http://schemas.microsoft.com/office/powerpoint/2010/main" val="1264658017"/>
       </p:ext>
     </p:extLst>
   </p:cSld>
@@ -3703,7 +3707,7 @@
           <a:p>
             <a:fld id="{2D72B13E-33E1-4518-9566-D50598226E4B}" type="datetimeFigureOut">
               <a:rPr lang="en-IL" smtClean="0"/>
-              <a:t>25/09/2025</a:t>
+              <a:t>26/09/2025</a:t>
             </a:fld>
             <a:endParaRPr lang="en-IL"/>
           </a:p>
@@ -3754,7 +3758,7 @@
     </p:spTree>
     <p:extLst>
       <p:ext uri="{BB962C8B-B14F-4D97-AF65-F5344CB8AC3E}">
-        <p14:creationId xmlns:p14="http://schemas.microsoft.com/office/powerpoint/2010/main" val="1016487334"/>
+        <p14:creationId xmlns:p14="http://schemas.microsoft.com/office/powerpoint/2010/main" val="2775459038"/>
       </p:ext>
     </p:extLst>
   </p:cSld>
@@ -4016,7 +4020,7 @@
           <a:p>
             <a:fld id="{2D72B13E-33E1-4518-9566-D50598226E4B}" type="datetimeFigureOut">
               <a:rPr lang="en-IL" smtClean="0"/>
-              <a:t>25/09/2025</a:t>
+              <a:t>26/09/2025</a:t>
             </a:fld>
             <a:endParaRPr lang="en-IL"/>
           </a:p>
@@ -4067,7 +4071,7 @@
     </p:spTree>
     <p:extLst>
       <p:ext uri="{BB962C8B-B14F-4D97-AF65-F5344CB8AC3E}">
-        <p14:creationId xmlns:p14="http://schemas.microsoft.com/office/powerpoint/2010/main" val="2396971109"/>
+        <p14:creationId xmlns:p14="http://schemas.microsoft.com/office/powerpoint/2010/main" val="3769454079"/>
       </p:ext>
     </p:extLst>
   </p:cSld>
@@ -4280,7 +4284,7 @@
           <a:p>
             <a:fld id="{2D72B13E-33E1-4518-9566-D50598226E4B}" type="datetimeFigureOut">
               <a:rPr lang="en-IL" smtClean="0"/>
-              <a:t>25/09/2025</a:t>
+              <a:t>26/09/2025</a:t>
             </a:fld>
             <a:endParaRPr lang="en-IL"/>
           </a:p>
@@ -4345,7 +4349,7 @@
     </p:spTree>
     <p:extLst>
       <p:ext uri="{BB962C8B-B14F-4D97-AF65-F5344CB8AC3E}">
-        <p14:creationId xmlns:p14="http://schemas.microsoft.com/office/powerpoint/2010/main" val="64829568"/>
+        <p14:creationId xmlns:p14="http://schemas.microsoft.com/office/powerpoint/2010/main" val="271026486"/>
       </p:ext>
     </p:extLst>
   </p:cSld>
@@ -4603,7 +4607,7 @@
           <a:p>
             <a:fld id="{2D72B13E-33E1-4518-9566-D50598226E4B}" type="datetimeFigureOut">
               <a:rPr lang="en-IL" smtClean="0"/>
-              <a:t>25/09/2025</a:t>
+              <a:t>26/09/2025</a:t>
             </a:fld>
             <a:endParaRPr lang="en-IL"/>
           </a:p>
@@ -4654,7 +4658,7 @@
     </p:spTree>
     <p:extLst>
       <p:ext uri="{BB962C8B-B14F-4D97-AF65-F5344CB8AC3E}">
-        <p14:creationId xmlns:p14="http://schemas.microsoft.com/office/powerpoint/2010/main" val="2063956368"/>
+        <p14:creationId xmlns:p14="http://schemas.microsoft.com/office/powerpoint/2010/main" val="1021483053"/>
       </p:ext>
     </p:extLst>
   </p:cSld>
@@ -4992,7 +4996,7 @@
           <a:p>
             <a:fld id="{2D72B13E-33E1-4518-9566-D50598226E4B}" type="datetimeFigureOut">
               <a:rPr lang="en-IL" smtClean="0"/>
-              <a:t>25/09/2025</a:t>
+              <a:t>26/09/2025</a:t>
             </a:fld>
             <a:endParaRPr lang="en-IL"/>
           </a:p>
@@ -5048,7 +5052,7 @@
     </p:spTree>
     <p:extLst>
       <p:ext uri="{BB962C8B-B14F-4D97-AF65-F5344CB8AC3E}">
-        <p14:creationId xmlns:p14="http://schemas.microsoft.com/office/powerpoint/2010/main" val="37385339"/>
+        <p14:creationId xmlns:p14="http://schemas.microsoft.com/office/powerpoint/2010/main" val="3355049890"/>
       </p:ext>
     </p:extLst>
   </p:cSld>
@@ -5368,7 +5372,7 @@
           <a:p>
             <a:fld id="{2D72B13E-33E1-4518-9566-D50598226E4B}" type="datetimeFigureOut">
               <a:rPr lang="en-IL" smtClean="0"/>
-              <a:t>25/09/2025</a:t>
+              <a:t>26/09/2025</a:t>
             </a:fld>
             <a:endParaRPr lang="en-IL"/>
           </a:p>
@@ -5419,7 +5423,7 @@
     </p:spTree>
     <p:extLst>
       <p:ext uri="{BB962C8B-B14F-4D97-AF65-F5344CB8AC3E}">
-        <p14:creationId xmlns:p14="http://schemas.microsoft.com/office/powerpoint/2010/main" val="743490618"/>
+        <p14:creationId xmlns:p14="http://schemas.microsoft.com/office/powerpoint/2010/main" val="1581216709"/>
       </p:ext>
     </p:extLst>
   </p:cSld>
@@ -5874,7 +5878,7 @@
           <a:p>
             <a:fld id="{2D72B13E-33E1-4518-9566-D50598226E4B}" type="datetimeFigureOut">
               <a:rPr lang="en-IL" smtClean="0"/>
-              <a:t>25/09/2025</a:t>
+              <a:t>26/09/2025</a:t>
             </a:fld>
             <a:endParaRPr lang="en-IL"/>
           </a:p>
@@ -5925,7 +5929,7 @@
     </p:spTree>
     <p:extLst>
       <p:ext uri="{BB962C8B-B14F-4D97-AF65-F5344CB8AC3E}">
-        <p14:creationId xmlns:p14="http://schemas.microsoft.com/office/powerpoint/2010/main" val="1913845057"/>
+        <p14:creationId xmlns:p14="http://schemas.microsoft.com/office/powerpoint/2010/main" val="2909273702"/>
       </p:ext>
     </p:extLst>
   </p:cSld>
@@ -6131,7 +6135,7 @@
           <a:p>
             <a:fld id="{2D72B13E-33E1-4518-9566-D50598226E4B}" type="datetimeFigureOut">
               <a:rPr lang="en-IL" smtClean="0"/>
-              <a:t>25/09/2025</a:t>
+              <a:t>26/09/2025</a:t>
             </a:fld>
             <a:endParaRPr lang="en-IL"/>
           </a:p>
@@ -6182,7 +6186,7 @@
     </p:spTree>
     <p:extLst>
       <p:ext uri="{BB962C8B-B14F-4D97-AF65-F5344CB8AC3E}">
-        <p14:creationId xmlns:p14="http://schemas.microsoft.com/office/powerpoint/2010/main" val="2462630412"/>
+        <p14:creationId xmlns:p14="http://schemas.microsoft.com/office/powerpoint/2010/main" val="1385112054"/>
       </p:ext>
     </p:extLst>
   </p:cSld>
@@ -6294,7 +6298,7 @@
           <a:p>
             <a:fld id="{2D72B13E-33E1-4518-9566-D50598226E4B}" type="datetimeFigureOut">
               <a:rPr lang="en-IL" smtClean="0"/>
-              <a:t>25/09/2025</a:t>
+              <a:t>26/09/2025</a:t>
             </a:fld>
             <a:endParaRPr lang="en-IL"/>
           </a:p>
@@ -6345,7 +6349,7 @@
     </p:spTree>
     <p:extLst>
       <p:ext uri="{BB962C8B-B14F-4D97-AF65-F5344CB8AC3E}">
-        <p14:creationId xmlns:p14="http://schemas.microsoft.com/office/powerpoint/2010/main" val="3463192791"/>
+        <p14:creationId xmlns:p14="http://schemas.microsoft.com/office/powerpoint/2010/main" val="2265770744"/>
       </p:ext>
     </p:extLst>
   </p:cSld>
@@ -6684,7 +6688,7 @@
           <a:p>
             <a:fld id="{2D72B13E-33E1-4518-9566-D50598226E4B}" type="datetimeFigureOut">
               <a:rPr lang="en-IL" smtClean="0"/>
-              <a:t>25/09/2025</a:t>
+              <a:t>26/09/2025</a:t>
             </a:fld>
             <a:endParaRPr lang="en-IL"/>
           </a:p>
@@ -6735,7 +6739,7 @@
     </p:spTree>
     <p:extLst>
       <p:ext uri="{BB962C8B-B14F-4D97-AF65-F5344CB8AC3E}">
-        <p14:creationId xmlns:p14="http://schemas.microsoft.com/office/powerpoint/2010/main" val="1398994093"/>
+        <p14:creationId xmlns:p14="http://schemas.microsoft.com/office/powerpoint/2010/main" val="2406560776"/>
       </p:ext>
     </p:extLst>
   </p:cSld>
@@ -7093,7 +7097,7 @@
           <a:p>
             <a:fld id="{2D72B13E-33E1-4518-9566-D50598226E4B}" type="datetimeFigureOut">
               <a:rPr lang="en-IL" smtClean="0"/>
-              <a:t>25/09/2025</a:t>
+              <a:t>26/09/2025</a:t>
             </a:fld>
             <a:endParaRPr lang="en-IL"/>
           </a:p>
@@ -7144,7 +7148,7 @@
     </p:spTree>
     <p:extLst>
       <p:ext uri="{BB962C8B-B14F-4D97-AF65-F5344CB8AC3E}">
-        <p14:creationId xmlns:p14="http://schemas.microsoft.com/office/powerpoint/2010/main" val="501776081"/>
+        <p14:creationId xmlns:p14="http://schemas.microsoft.com/office/powerpoint/2010/main" val="2387765989"/>
       </p:ext>
     </p:extLst>
   </p:cSld>
@@ -7337,7 +7341,7 @@
           <a:p>
             <a:fld id="{2D72B13E-33E1-4518-9566-D50598226E4B}" type="datetimeFigureOut">
               <a:rPr lang="en-IL" smtClean="0"/>
-              <a:t>25/09/2025</a:t>
+              <a:t>26/09/2025</a:t>
             </a:fld>
             <a:endParaRPr lang="en-IL"/>
           </a:p>
@@ -7424,29 +7428,29 @@
     </p:spTree>
     <p:extLst>
       <p:ext uri="{BB962C8B-B14F-4D97-AF65-F5344CB8AC3E}">
-        <p14:creationId xmlns:p14="http://schemas.microsoft.com/office/powerpoint/2010/main" val="616929937"/>
+        <p14:creationId xmlns:p14="http://schemas.microsoft.com/office/powerpoint/2010/main" val="3932892481"/>
       </p:ext>
     </p:extLst>
   </p:cSld>
   <p:clrMap bg1="dk1" tx1="lt1" bg2="dk2" tx2="lt2" accent1="accent1" accent2="accent2" accent3="accent3" accent4="accent4" accent5="accent5" accent6="accent6" hlink="hlink" folHlink="folHlink"/>
   <p:sldLayoutIdLst>
-    <p:sldLayoutId id="2147483661" r:id="rId1"/>
-    <p:sldLayoutId id="2147483662" r:id="rId2"/>
-    <p:sldLayoutId id="2147483663" r:id="rId3"/>
-    <p:sldLayoutId id="2147483664" r:id="rId4"/>
-    <p:sldLayoutId id="2147483665" r:id="rId5"/>
-    <p:sldLayoutId id="2147483666" r:id="rId6"/>
-    <p:sldLayoutId id="2147483667" r:id="rId7"/>
-    <p:sldLayoutId id="2147483668" r:id="rId8"/>
-    <p:sldLayoutId id="2147483669" r:id="rId9"/>
-    <p:sldLayoutId id="2147483670" r:id="rId10"/>
-    <p:sldLayoutId id="2147483671" r:id="rId11"/>
-    <p:sldLayoutId id="2147483672" r:id="rId12"/>
-    <p:sldLayoutId id="2147483673" r:id="rId13"/>
-    <p:sldLayoutId id="2147483674" r:id="rId14"/>
-    <p:sldLayoutId id="2147483675" r:id="rId15"/>
-    <p:sldLayoutId id="2147483676" r:id="rId16"/>
-    <p:sldLayoutId id="2147483677" r:id="rId17"/>
+    <p:sldLayoutId id="2147483715" r:id="rId1"/>
+    <p:sldLayoutId id="2147483716" r:id="rId2"/>
+    <p:sldLayoutId id="2147483717" r:id="rId3"/>
+    <p:sldLayoutId id="2147483718" r:id="rId4"/>
+    <p:sldLayoutId id="2147483719" r:id="rId5"/>
+    <p:sldLayoutId id="2147483720" r:id="rId6"/>
+    <p:sldLayoutId id="2147483721" r:id="rId7"/>
+    <p:sldLayoutId id="2147483722" r:id="rId8"/>
+    <p:sldLayoutId id="2147483723" r:id="rId9"/>
+    <p:sldLayoutId id="2147483724" r:id="rId10"/>
+    <p:sldLayoutId id="2147483725" r:id="rId11"/>
+    <p:sldLayoutId id="2147483726" r:id="rId12"/>
+    <p:sldLayoutId id="2147483727" r:id="rId13"/>
+    <p:sldLayoutId id="2147483728" r:id="rId14"/>
+    <p:sldLayoutId id="2147483729" r:id="rId15"/>
+    <p:sldLayoutId id="2147483730" r:id="rId16"/>
+    <p:sldLayoutId id="2147483731" r:id="rId17"/>
   </p:sldLayoutIdLst>
   <p:txStyles>
     <p:titleStyle>
@@ -7753,7 +7757,7 @@
           <p:cNvPr id="2" name="Title 1">
             <a:extLst>
               <a:ext uri="{FF2B5EF4-FFF2-40B4-BE49-F238E27FC236}">
-                <a16:creationId xmlns:a16="http://schemas.microsoft.com/office/drawing/2014/main" id="{12A548E3-CEE8-EA32-235C-A3040AF8226C}"/>
+                <a16:creationId xmlns:a16="http://schemas.microsoft.com/office/drawing/2014/main" id="{CE0D2DD5-C8A1-7973-43D0-755351718BE9}"/>
               </a:ext>
             </a:extLst>
           </p:cNvPr>
@@ -7761,7 +7765,7 @@
             <a:spLocks noGrp="1"/>
           </p:cNvSpPr>
           <p:nvPr>
-            <p:ph type="title"/>
+            <p:ph type="ctrTitle"/>
           </p:nvPr>
         </p:nvSpPr>
         <p:spPr/>
@@ -7769,7 +7773,70 @@
           <a:bodyPr/>
           <a:lstStyle/>
           <a:p>
-            <a:endParaRPr lang="en-IL"/>
+            <a:r>
+              <a:rPr lang="en-GB" dirty="0"/>
+              <a:t>Irit2Powerpoint Demo</a:t>
+            </a:r>
+            <a:endParaRPr lang="en-IL" dirty="0"/>
+          </a:p>
+        </p:txBody>
+      </p:sp>
+    </p:spTree>
+    <p:extLst>
+      <p:ext uri="{BB962C8B-B14F-4D97-AF65-F5344CB8AC3E}">
+        <p14:creationId xmlns:p14="http://schemas.microsoft.com/office/powerpoint/2010/main" val="3342513194"/>
+      </p:ext>
+    </p:extLst>
+  </p:cSld>
+  <p:clrMapOvr>
+    <a:masterClrMapping/>
+  </p:clrMapOvr>
+</p:sld>
+</file>
+
+<file path=ppt/slides/slide2.xml><?xml version="1.0" encoding="utf-8"?>
+<p:sld xmlns:a="http://schemas.openxmlformats.org/drawingml/2006/main" xmlns:r="http://schemas.openxmlformats.org/officeDocument/2006/relationships" xmlns:p="http://schemas.openxmlformats.org/presentationml/2006/main">
+  <p:cSld>
+    <p:spTree>
+      <p:nvGrpSpPr>
+        <p:cNvPr id="1" name=""/>
+        <p:cNvGrpSpPr/>
+        <p:nvPr/>
+      </p:nvGrpSpPr>
+      <p:grpSpPr>
+        <a:xfrm>
+          <a:off x="0" y="0"/>
+          <a:ext cx="0" cy="0"/>
+          <a:chOff x="0" y="0"/>
+          <a:chExt cx="0" cy="0"/>
+        </a:xfrm>
+      </p:grpSpPr>
+      <p:sp>
+        <p:nvSpPr>
+          <p:cNvPr id="2" name="Title 1">
+            <a:extLst>
+              <a:ext uri="{FF2B5EF4-FFF2-40B4-BE49-F238E27FC236}">
+                <a16:creationId xmlns:a16="http://schemas.microsoft.com/office/drawing/2014/main" id="{AD701658-7F2E-D254-AAEB-6097DD40BF98}"/>
+              </a:ext>
+            </a:extLst>
+          </p:cNvPr>
+          <p:cNvSpPr>
+            <a:spLocks noGrp="1"/>
+          </p:cNvSpPr>
+          <p:nvPr>
+            <p:ph type="title"/>
+          </p:nvPr>
+        </p:nvSpPr>
+        <p:spPr/>
+        <p:txBody>
+          <a:bodyPr/>
+          <a:lstStyle/>
+          <a:p>
+            <a:r>
+              <a:rPr lang="en-GB" dirty="0"/>
+              <a:t>Usage</a:t>
+            </a:r>
+            <a:endParaRPr lang="en-IL" dirty="0"/>
           </a:p>
         </p:txBody>
       </p:sp>
@@ -7778,7 +7845,7 @@
           <p:cNvPr id="3" name="Content Placeholder 2">
             <a:extLst>
               <a:ext uri="{FF2B5EF4-FFF2-40B4-BE49-F238E27FC236}">
-                <a16:creationId xmlns:a16="http://schemas.microsoft.com/office/drawing/2014/main" id="{908A4BC2-2509-4AE7-52B0-301266AC7CA8}"/>
+                <a16:creationId xmlns:a16="http://schemas.microsoft.com/office/drawing/2014/main" id="{C5DA820B-40F4-962F-2277-504E4948FB50}"/>
               </a:ext>
             </a:extLst>
           </p:cNvPr>
@@ -7794,16 +7861,169 @@
           <a:bodyPr/>
           <a:lstStyle/>
           <a:p>
-            <a:endParaRPr lang="en-IL"/>
-          </a:p>
-        </p:txBody>
-      </p:sp>
-      <p:sp>
-        <p:nvSpPr>
-          <p:cNvPr id="5" name="__IRIT2POWERPOINT_CONTAINER__">
+            <a:r>
+              <a:rPr lang="en-GB" dirty="0">
+                <a:solidFill>
+                  <a:schemeClr val="bg1"/>
+                </a:solidFill>
+              </a:rPr>
+              <a:t>Click on the Irit to </a:t>
+            </a:r>
+            <a:r>
+              <a:rPr lang="en-GB" dirty="0" err="1">
+                <a:solidFill>
+                  <a:schemeClr val="bg1"/>
+                </a:solidFill>
+              </a:rPr>
+              <a:t>Powerpoint</a:t>
+            </a:r>
+            <a:r>
+              <a:rPr lang="en-GB" dirty="0">
+                <a:solidFill>
+                  <a:schemeClr val="bg1"/>
+                </a:solidFill>
+              </a:rPr>
+              <a:t> button and provide the command line arguments.</a:t>
+            </a:r>
+          </a:p>
+          <a:p>
+            <a:r>
+              <a:rPr lang="en-GB" dirty="0">
+                <a:solidFill>
+                  <a:schemeClr val="bg1"/>
+                </a:solidFill>
+              </a:rPr>
+              <a:t>All files supported by the </a:t>
+            </a:r>
+            <a:r>
+              <a:rPr lang="en-GB" dirty="0" err="1">
+                <a:solidFill>
+                  <a:schemeClr val="bg1"/>
+                </a:solidFill>
+              </a:rPr>
+              <a:t>irit</a:t>
+            </a:r>
+            <a:r>
+              <a:rPr lang="en-GB" dirty="0">
+                <a:solidFill>
+                  <a:schemeClr val="bg1"/>
+                </a:solidFill>
+              </a:rPr>
+              <a:t> file</a:t>
+            </a:r>
+            <a:br>
+              <a:rPr lang="en-GB" dirty="0">
+                <a:solidFill>
+                  <a:schemeClr val="bg1"/>
+                </a:solidFill>
+              </a:rPr>
+            </a:br>
+            <a:r>
+              <a:rPr lang="en-GB" dirty="0">
+                <a:solidFill>
+                  <a:schemeClr val="bg1"/>
+                </a:solidFill>
+              </a:rPr>
+              <a:t>parser are also supported by I2P</a:t>
+            </a:r>
+            <a:br>
+              <a:rPr lang="en-GB" dirty="0">
+                <a:solidFill>
+                  <a:schemeClr val="bg1"/>
+                </a:solidFill>
+              </a:rPr>
+            </a:br>
+            <a:r>
+              <a:rPr lang="en-GB" dirty="0">
+                <a:solidFill>
+                  <a:schemeClr val="bg1"/>
+                </a:solidFill>
+              </a:rPr>
+              <a:t>this includes:</a:t>
+            </a:r>
+          </a:p>
+          <a:p>
+            <a:pPr lvl="1"/>
+            <a:r>
+              <a:rPr lang="en-GB" dirty="0">
+                <a:solidFill>
+                  <a:schemeClr val="bg1"/>
+                </a:solidFill>
+              </a:rPr>
+              <a:t>ITD</a:t>
+            </a:r>
+          </a:p>
+          <a:p>
+            <a:pPr lvl="1"/>
+            <a:r>
+              <a:rPr lang="en-GB" dirty="0">
+                <a:solidFill>
+                  <a:schemeClr val="bg1"/>
+                </a:solidFill>
+              </a:rPr>
+              <a:t>OBJ</a:t>
+            </a:r>
+          </a:p>
+          <a:p>
+            <a:pPr lvl="1"/>
+            <a:r>
+              <a:rPr lang="en-GB" dirty="0">
+                <a:solidFill>
+                  <a:schemeClr val="bg1"/>
+                </a:solidFill>
+              </a:rPr>
+              <a:t>STL</a:t>
+            </a:r>
+          </a:p>
+          <a:p>
+            <a:pPr lvl="1"/>
+            <a:r>
+              <a:rPr lang="en-GB" dirty="0">
+                <a:solidFill>
+                  <a:schemeClr val="bg1"/>
+                </a:solidFill>
+              </a:rPr>
+              <a:t>And many others</a:t>
+            </a:r>
+          </a:p>
+        </p:txBody>
+      </p:sp>
+      <p:pic>
+        <p:nvPicPr>
+          <p:cNvPr id="5" name="Picture 4">
             <a:extLst>
               <a:ext uri="{FF2B5EF4-FFF2-40B4-BE49-F238E27FC236}">
-                <a16:creationId xmlns:a16="http://schemas.microsoft.com/office/drawing/2014/main" id="{2BE208CB-9E9E-BBC5-8B5B-2839B95DF098}"/>
+                <a16:creationId xmlns:a16="http://schemas.microsoft.com/office/drawing/2014/main" id="{7F1AAF1B-7CD7-8315-17A5-80791435E402}"/>
+              </a:ext>
+            </a:extLst>
+          </p:cNvPr>
+          <p:cNvPicPr>
+            <a:picLocks noChangeAspect="1"/>
+          </p:cNvPicPr>
+          <p:nvPr/>
+        </p:nvPicPr>
+        <p:blipFill>
+          <a:blip r:embed="rId3"/>
+          <a:stretch>
+            <a:fillRect/>
+          </a:stretch>
+        </p:blipFill>
+        <p:spPr>
+          <a:xfrm>
+            <a:off x="5778376" y="2738642"/>
+            <a:ext cx="863644" cy="901746"/>
+          </a:xfrm>
+          <a:prstGeom prst="rect">
+            <a:avLst/>
+          </a:prstGeom>
+        </p:spPr>
+      </p:pic>
+      <p:sp>
+        <p:nvSpPr>
+          <p:cNvPr id="6" name="__IRIT2POWERPOINT_CONTAINER__">
+            <a:extLst>
+              <a:ext uri="{FF2B5EF4-FFF2-40B4-BE49-F238E27FC236}">
+                <a16:creationId xmlns:a16="http://schemas.microsoft.com/office/drawing/2014/main" id="{10855F13-43CC-35DB-4BC1-B7474AFBDB3E}"/>
               </a:ext>
             </a:extLst>
           </p:cNvPr>
@@ -7812,7 +8032,7 @@
         </p:nvSpPr>
         <p:spPr>
           <a:xfrm>
-            <a:off x="2947251" y="1235606"/>
+            <a:off x="5778376" y="2891041"/>
             <a:ext cx="5080000" cy="3810000"/>
           </a:xfrm>
           <a:prstGeom prst="roundRect">
@@ -7867,7 +8087,536 @@
     </p:custDataLst>
     <p:extLst>
       <p:ext uri="{BB962C8B-B14F-4D97-AF65-F5344CB8AC3E}">
-        <p14:creationId xmlns:p14="http://schemas.microsoft.com/office/powerpoint/2010/main" val="1287090140"/>
+        <p14:creationId xmlns:p14="http://schemas.microsoft.com/office/powerpoint/2010/main" val="243350821"/>
+      </p:ext>
+    </p:extLst>
+  </p:cSld>
+  <p:clrMapOvr>
+    <a:masterClrMapping/>
+  </p:clrMapOvr>
+</p:sld>
+</file>
+
+<file path=ppt/slides/slide3.xml><?xml version="1.0" encoding="utf-8"?>
+<p:sld xmlns:a="http://schemas.openxmlformats.org/drawingml/2006/main" xmlns:r="http://schemas.openxmlformats.org/officeDocument/2006/relationships" xmlns:p="http://schemas.openxmlformats.org/presentationml/2006/main">
+  <p:cSld>
+    <p:spTree>
+      <p:nvGrpSpPr>
+        <p:cNvPr id="1" name=""/>
+        <p:cNvGrpSpPr/>
+        <p:nvPr/>
+      </p:nvGrpSpPr>
+      <p:grpSpPr>
+        <a:xfrm>
+          <a:off x="0" y="0"/>
+          <a:ext cx="0" cy="0"/>
+          <a:chOff x="0" y="0"/>
+          <a:chExt cx="0" cy="0"/>
+        </a:xfrm>
+      </p:grpSpPr>
+      <p:sp>
+        <p:nvSpPr>
+          <p:cNvPr id="2" name="Title 1">
+            <a:extLst>
+              <a:ext uri="{FF2B5EF4-FFF2-40B4-BE49-F238E27FC236}">
+                <a16:creationId xmlns:a16="http://schemas.microsoft.com/office/drawing/2014/main" id="{0430AE7F-F95F-664C-2DCA-CCFA2FFD9E69}"/>
+              </a:ext>
+            </a:extLst>
+          </p:cNvPr>
+          <p:cNvSpPr>
+            <a:spLocks noGrp="1"/>
+          </p:cNvSpPr>
+          <p:nvPr>
+            <p:ph type="title"/>
+          </p:nvPr>
+        </p:nvSpPr>
+        <p:spPr/>
+        <p:txBody>
+          <a:bodyPr/>
+          <a:lstStyle/>
+          <a:p>
+            <a:r>
+              <a:rPr lang="en-GB" dirty="0"/>
+              <a:t>Features</a:t>
+            </a:r>
+            <a:endParaRPr lang="en-IL" dirty="0"/>
+          </a:p>
+        </p:txBody>
+      </p:sp>
+      <p:sp>
+        <p:nvSpPr>
+          <p:cNvPr id="3" name="Content Placeholder 2">
+            <a:extLst>
+              <a:ext uri="{FF2B5EF4-FFF2-40B4-BE49-F238E27FC236}">
+                <a16:creationId xmlns:a16="http://schemas.microsoft.com/office/drawing/2014/main" id="{459CD76A-2E02-9458-611F-F9DE8DECF1D7}"/>
+              </a:ext>
+            </a:extLst>
+          </p:cNvPr>
+          <p:cNvSpPr>
+            <a:spLocks noGrp="1"/>
+          </p:cNvSpPr>
+          <p:nvPr>
+            <p:ph idx="1"/>
+          </p:nvPr>
+        </p:nvSpPr>
+        <p:spPr/>
+        <p:txBody>
+          <a:bodyPr/>
+          <a:lstStyle/>
+          <a:p>
+            <a:r>
+              <a:rPr lang="en-GB" dirty="0">
+                <a:solidFill>
+                  <a:schemeClr val="bg1"/>
+                </a:solidFill>
+              </a:rPr>
+              <a:t>Real time rendering of 3D models within presentation using OpenGL.</a:t>
+            </a:r>
+          </a:p>
+          <a:p>
+            <a:r>
+              <a:rPr lang="en-GB" dirty="0">
+                <a:solidFill>
+                  <a:schemeClr val="bg1"/>
+                </a:solidFill>
+              </a:rPr>
+              <a:t>Support for all Irit primitives for rendering.</a:t>
+            </a:r>
+          </a:p>
+          <a:p>
+            <a:r>
+              <a:rPr lang="en-GB" dirty="0">
+                <a:solidFill>
+                  <a:schemeClr val="bg1"/>
+                </a:solidFill>
+              </a:rPr>
+              <a:t>Slide aware compositing and anti-aliasing.</a:t>
+            </a:r>
+          </a:p>
+          <a:p>
+            <a:r>
+              <a:rPr lang="en-GB" dirty="0">
+                <a:solidFill>
+                  <a:schemeClr val="bg1"/>
+                </a:solidFill>
+              </a:rPr>
+              <a:t>Scenes are fully described by ITD files, further command line arguments can be provided (See the docs directory)</a:t>
+            </a:r>
+          </a:p>
+          <a:p>
+            <a:r>
+              <a:rPr lang="en-GB" dirty="0">
+                <a:solidFill>
+                  <a:schemeClr val="bg1"/>
+                </a:solidFill>
+              </a:rPr>
+              <a:t>Multi-threaded resource manager for loading and parsing the provided files</a:t>
+            </a:r>
+          </a:p>
+        </p:txBody>
+      </p:sp>
+      <p:sp>
+        <p:nvSpPr>
+          <p:cNvPr id="4" name="__IRIT2POWERPOINT_CONTAINER__">
+            <a:extLst>
+              <a:ext uri="{FF2B5EF4-FFF2-40B4-BE49-F238E27FC236}">
+                <a16:creationId xmlns:a16="http://schemas.microsoft.com/office/drawing/2014/main" id="{00D67623-D1C2-B0FC-D0E6-058D1C68847A}"/>
+              </a:ext>
+            </a:extLst>
+          </p:cNvPr>
+          <p:cNvSpPr/>
+          <p:nvPr/>
+        </p:nvSpPr>
+        <p:spPr>
+          <a:xfrm>
+            <a:off x="5921828" y="2336873"/>
+            <a:ext cx="5080000" cy="3810000"/>
+          </a:xfrm>
+          <a:prstGeom prst="roundRect">
+            <a:avLst/>
+          </a:prstGeom>
+          <a:noFill/>
+          <a:ln w="12700" cap="flat" cmpd="sng" algn="ctr">
+            <a:solidFill>
+              <a:srgbClr val="000000"/>
+            </a:solidFill>
+            <a:prstDash val="solid"/>
+          </a:ln>
+          <a:effectLst/>
+          <a:extLst>
+            <a:ext uri="{909E8E84-426E-40DD-AFC4-6F175D3DCCD1}">
+              <a14:hiddenFill xmlns:a14="http://schemas.microsoft.com/office/drawing/2010/main">
+                <a:solidFill>
+                  <a:schemeClr val="accent1"/>
+                </a:solidFill>
+              </a14:hiddenFill>
+            </a:ext>
+          </a:extLst>
+        </p:spPr>
+        <p:style>
+          <a:lnRef idx="2">
+            <a:schemeClr val="accent1">
+              <a:shade val="15000"/>
+            </a:schemeClr>
+          </a:lnRef>
+          <a:fillRef idx="1">
+            <a:schemeClr val="accent1"/>
+          </a:fillRef>
+          <a:effectRef idx="0">
+            <a:schemeClr val="accent1"/>
+          </a:effectRef>
+          <a:fontRef idx="minor">
+            <a:schemeClr val="lt1"/>
+          </a:fontRef>
+        </p:style>
+        <p:txBody>
+          <a:bodyPr rtlCol="0" anchor="ctr"/>
+          <a:lstStyle/>
+          <a:p>
+            <a:pPr algn="ctr"/>
+            <a:endParaRPr lang="en-IL"/>
+          </a:p>
+        </p:txBody>
+      </p:sp>
+    </p:spTree>
+    <p:custDataLst>
+      <p:tags r:id="rId1"/>
+    </p:custDataLst>
+    <p:extLst>
+      <p:ext uri="{BB962C8B-B14F-4D97-AF65-F5344CB8AC3E}">
+        <p14:creationId xmlns:p14="http://schemas.microsoft.com/office/powerpoint/2010/main" val="3901728896"/>
+      </p:ext>
+    </p:extLst>
+  </p:cSld>
+  <p:clrMapOvr>
+    <a:masterClrMapping/>
+  </p:clrMapOvr>
+</p:sld>
+</file>
+
+<file path=ppt/slides/slide4.xml><?xml version="1.0" encoding="utf-8"?>
+<p:sld xmlns:a="http://schemas.openxmlformats.org/drawingml/2006/main" xmlns:r="http://schemas.openxmlformats.org/officeDocument/2006/relationships" xmlns:p="http://schemas.openxmlformats.org/presentationml/2006/main">
+  <p:cSld>
+    <p:spTree>
+      <p:nvGrpSpPr>
+        <p:cNvPr id="1" name=""/>
+        <p:cNvGrpSpPr/>
+        <p:nvPr/>
+      </p:nvGrpSpPr>
+      <p:grpSpPr>
+        <a:xfrm>
+          <a:off x="0" y="0"/>
+          <a:ext cx="0" cy="0"/>
+          <a:chOff x="0" y="0"/>
+          <a:chExt cx="0" cy="0"/>
+        </a:xfrm>
+      </p:grpSpPr>
+      <p:sp>
+        <p:nvSpPr>
+          <p:cNvPr id="2" name="Title 1">
+            <a:extLst>
+              <a:ext uri="{FF2B5EF4-FFF2-40B4-BE49-F238E27FC236}">
+                <a16:creationId xmlns:a16="http://schemas.microsoft.com/office/drawing/2014/main" id="{5FA5B8DE-C1DF-E5D4-2A30-A6646AFE7D5A}"/>
+              </a:ext>
+            </a:extLst>
+          </p:cNvPr>
+          <p:cNvSpPr>
+            <a:spLocks noGrp="1"/>
+          </p:cNvSpPr>
+          <p:nvPr>
+            <p:ph type="title"/>
+          </p:nvPr>
+        </p:nvSpPr>
+        <p:spPr/>
+        <p:txBody>
+          <a:bodyPr/>
+          <a:lstStyle/>
+          <a:p>
+            <a:r>
+              <a:rPr lang="en-GB" dirty="0"/>
+              <a:t>Constraints</a:t>
+            </a:r>
+            <a:endParaRPr lang="en-IL" dirty="0"/>
+          </a:p>
+        </p:txBody>
+      </p:sp>
+      <p:sp>
+        <p:nvSpPr>
+          <p:cNvPr id="3" name="Content Placeholder 2">
+            <a:extLst>
+              <a:ext uri="{FF2B5EF4-FFF2-40B4-BE49-F238E27FC236}">
+                <a16:creationId xmlns:a16="http://schemas.microsoft.com/office/drawing/2014/main" id="{1FD7DE41-F992-95D3-1983-6550D2858FF7}"/>
+              </a:ext>
+            </a:extLst>
+          </p:cNvPr>
+          <p:cNvSpPr>
+            <a:spLocks noGrp="1"/>
+          </p:cNvSpPr>
+          <p:nvPr>
+            <p:ph idx="1"/>
+          </p:nvPr>
+        </p:nvSpPr>
+        <p:spPr/>
+        <p:txBody>
+          <a:bodyPr/>
+          <a:lstStyle/>
+          <a:p>
+            <a:r>
+              <a:rPr lang="en-GB" dirty="0">
+                <a:solidFill>
+                  <a:schemeClr val="bg1"/>
+                </a:solidFill>
+              </a:rPr>
+              <a:t>Only one I2P window per slide</a:t>
+            </a:r>
+          </a:p>
+          <a:p>
+            <a:r>
+              <a:rPr lang="en-GB" dirty="0">
+                <a:solidFill>
+                  <a:schemeClr val="bg1"/>
+                </a:solidFill>
+              </a:rPr>
+              <a:t>The 3D files live separately from the presentation file</a:t>
+            </a:r>
+          </a:p>
+          <a:p>
+            <a:r>
+              <a:rPr lang="en-GB" dirty="0">
+                <a:solidFill>
+                  <a:schemeClr val="bg1"/>
+                </a:solidFill>
+              </a:rPr>
+              <a:t>Only one ITD file can be provided per slide</a:t>
+            </a:r>
+          </a:p>
+          <a:p>
+            <a:r>
+              <a:rPr lang="en-GB" dirty="0">
+                <a:solidFill>
+                  <a:schemeClr val="bg1"/>
+                </a:solidFill>
+              </a:rPr>
+              <a:t>No support for textures and UV mapping</a:t>
+            </a:r>
+          </a:p>
+          <a:p>
+            <a:pPr marL="0" indent="0">
+              <a:buNone/>
+            </a:pPr>
+            <a:endParaRPr lang="en-GB" dirty="0">
+              <a:solidFill>
+                <a:schemeClr val="bg1"/>
+              </a:solidFill>
+            </a:endParaRPr>
+          </a:p>
+          <a:p>
+            <a:pPr marL="0" indent="0">
+              <a:buNone/>
+            </a:pPr>
+            <a:endParaRPr lang="en-IL" dirty="0">
+              <a:solidFill>
+                <a:schemeClr val="bg1"/>
+              </a:solidFill>
+            </a:endParaRPr>
+          </a:p>
+        </p:txBody>
+      </p:sp>
+      <p:sp>
+        <p:nvSpPr>
+          <p:cNvPr id="4" name="__IRIT2POWERPOINT_CONTAINER__">
+            <a:extLst>
+              <a:ext uri="{FF2B5EF4-FFF2-40B4-BE49-F238E27FC236}">
+                <a16:creationId xmlns:a16="http://schemas.microsoft.com/office/drawing/2014/main" id="{EF6859DD-05CC-D913-9DFF-01EB0C99970C}"/>
+              </a:ext>
+            </a:extLst>
+          </p:cNvPr>
+          <p:cNvSpPr/>
+          <p:nvPr/>
+        </p:nvSpPr>
+        <p:spPr>
+          <a:xfrm>
+            <a:off x="3450771" y="4201886"/>
+            <a:ext cx="5080000" cy="2514600"/>
+          </a:xfrm>
+          <a:prstGeom prst="roundRect">
+            <a:avLst/>
+          </a:prstGeom>
+          <a:noFill/>
+          <a:ln w="12700" cap="flat" cmpd="sng" algn="ctr">
+            <a:solidFill>
+              <a:srgbClr val="000000"/>
+            </a:solidFill>
+            <a:prstDash val="solid"/>
+          </a:ln>
+          <a:effectLst/>
+          <a:extLst>
+            <a:ext uri="{909E8E84-426E-40DD-AFC4-6F175D3DCCD1}">
+              <a14:hiddenFill xmlns:a14="http://schemas.microsoft.com/office/drawing/2010/main">
+                <a:solidFill>
+                  <a:schemeClr val="accent1"/>
+                </a:solidFill>
+              </a14:hiddenFill>
+            </a:ext>
+          </a:extLst>
+        </p:spPr>
+        <p:style>
+          <a:lnRef idx="2">
+            <a:schemeClr val="accent1">
+              <a:shade val="15000"/>
+            </a:schemeClr>
+          </a:lnRef>
+          <a:fillRef idx="1">
+            <a:schemeClr val="accent1"/>
+          </a:fillRef>
+          <a:effectRef idx="0">
+            <a:schemeClr val="accent1"/>
+          </a:effectRef>
+          <a:fontRef idx="minor">
+            <a:schemeClr val="lt1"/>
+          </a:fontRef>
+        </p:style>
+        <p:txBody>
+          <a:bodyPr rtlCol="0" anchor="ctr"/>
+          <a:lstStyle/>
+          <a:p>
+            <a:pPr algn="ctr"/>
+            <a:endParaRPr lang="en-IL"/>
+          </a:p>
+        </p:txBody>
+      </p:sp>
+    </p:spTree>
+    <p:custDataLst>
+      <p:tags r:id="rId1"/>
+    </p:custDataLst>
+    <p:extLst>
+      <p:ext uri="{BB962C8B-B14F-4D97-AF65-F5344CB8AC3E}">
+        <p14:creationId xmlns:p14="http://schemas.microsoft.com/office/powerpoint/2010/main" val="1916784171"/>
+      </p:ext>
+    </p:extLst>
+  </p:cSld>
+  <p:clrMapOvr>
+    <a:masterClrMapping/>
+  </p:clrMapOvr>
+</p:sld>
+</file>
+
+<file path=ppt/slides/slide5.xml><?xml version="1.0" encoding="utf-8"?>
+<p:sld xmlns:a="http://schemas.openxmlformats.org/drawingml/2006/main" xmlns:r="http://schemas.openxmlformats.org/officeDocument/2006/relationships" xmlns:p="http://schemas.openxmlformats.org/presentationml/2006/main">
+  <p:cSld>
+    <p:spTree>
+      <p:nvGrpSpPr>
+        <p:cNvPr id="1" name=""/>
+        <p:cNvGrpSpPr/>
+        <p:nvPr/>
+      </p:nvGrpSpPr>
+      <p:grpSpPr>
+        <a:xfrm>
+          <a:off x="0" y="0"/>
+          <a:ext cx="0" cy="0"/>
+          <a:chOff x="0" y="0"/>
+          <a:chExt cx="0" cy="0"/>
+        </a:xfrm>
+      </p:grpSpPr>
+      <p:sp>
+        <p:nvSpPr>
+          <p:cNvPr id="2" name="Title 1">
+            <a:extLst>
+              <a:ext uri="{FF2B5EF4-FFF2-40B4-BE49-F238E27FC236}">
+                <a16:creationId xmlns:a16="http://schemas.microsoft.com/office/drawing/2014/main" id="{60351C9C-DF22-F6D9-6450-36EDEC917850}"/>
+              </a:ext>
+            </a:extLst>
+          </p:cNvPr>
+          <p:cNvSpPr>
+            <a:spLocks noGrp="1"/>
+          </p:cNvSpPr>
+          <p:nvPr>
+            <p:ph type="title"/>
+          </p:nvPr>
+        </p:nvSpPr>
+        <p:spPr/>
+        <p:txBody>
+          <a:bodyPr/>
+          <a:lstStyle/>
+          <a:p>
+            <a:r>
+              <a:rPr lang="en-GB" dirty="0"/>
+              <a:t>Thank you!</a:t>
+            </a:r>
+            <a:endParaRPr lang="en-IL" dirty="0"/>
+          </a:p>
+        </p:txBody>
+      </p:sp>
+      <p:sp>
+        <p:nvSpPr>
+          <p:cNvPr id="4" name="__IRIT2POWERPOINT_CONTAINER__">
+            <a:extLst>
+              <a:ext uri="{FF2B5EF4-FFF2-40B4-BE49-F238E27FC236}">
+                <a16:creationId xmlns:a16="http://schemas.microsoft.com/office/drawing/2014/main" id="{B578C64C-4558-DBAF-89C8-79A91171E6BB}"/>
+              </a:ext>
+            </a:extLst>
+          </p:cNvPr>
+          <p:cNvSpPr/>
+          <p:nvPr/>
+        </p:nvSpPr>
+        <p:spPr>
+          <a:xfrm>
+            <a:off x="3556000" y="2403629"/>
+            <a:ext cx="5080000" cy="3810000"/>
+          </a:xfrm>
+          <a:prstGeom prst="roundRect">
+            <a:avLst/>
+          </a:prstGeom>
+          <a:noFill/>
+          <a:ln w="12700" cap="flat" cmpd="sng" algn="ctr">
+            <a:solidFill>
+              <a:srgbClr val="000000"/>
+            </a:solidFill>
+            <a:prstDash val="solid"/>
+          </a:ln>
+          <a:effectLst/>
+          <a:extLst>
+            <a:ext uri="{909E8E84-426E-40DD-AFC4-6F175D3DCCD1}">
+              <a14:hiddenFill xmlns:a14="http://schemas.microsoft.com/office/drawing/2010/main">
+                <a:solidFill>
+                  <a:schemeClr val="accent1"/>
+                </a:solidFill>
+              </a14:hiddenFill>
+            </a:ext>
+          </a:extLst>
+        </p:spPr>
+        <p:style>
+          <a:lnRef idx="2">
+            <a:schemeClr val="accent1">
+              <a:shade val="15000"/>
+            </a:schemeClr>
+          </a:lnRef>
+          <a:fillRef idx="1">
+            <a:schemeClr val="accent1"/>
+          </a:fillRef>
+          <a:effectRef idx="0">
+            <a:schemeClr val="accent1"/>
+          </a:effectRef>
+          <a:fontRef idx="minor">
+            <a:schemeClr val="lt1"/>
+          </a:fontRef>
+        </p:style>
+        <p:txBody>
+          <a:bodyPr rtlCol="0" anchor="ctr"/>
+          <a:lstStyle/>
+          <a:p>
+            <a:pPr algn="ctr"/>
+            <a:endParaRPr lang="en-IL"/>
+          </a:p>
+        </p:txBody>
+      </p:sp>
+    </p:spTree>
+    <p:custDataLst>
+      <p:tags r:id="rId1"/>
+    </p:custDataLst>
+    <p:extLst>
+      <p:ext uri="{BB962C8B-B14F-4D97-AF65-F5344CB8AC3E}">
+        <p14:creationId xmlns:p14="http://schemas.microsoft.com/office/powerpoint/2010/main" val="423746787"/>
       </p:ext>
     </p:extLst>
   </p:cSld>
@@ -7880,8 +8629,32 @@
 <file path=ppt/tags/tag1.xml><?xml version="1.0" encoding="utf-8"?>
 <p:tagLst xmlns:a="http://schemas.openxmlformats.org/drawingml/2006/main" xmlns:r="http://schemas.openxmlformats.org/officeDocument/2006/relationships" xmlns:p="http://schemas.openxmlformats.org/presentationml/2006/main">
   <p:tag name="_I2P_DUMMY_" val="true"/>
-  <p:tag name="_I2P_PATH_" val="C:\Irit2Powerpoint\Irit2Powerpoint\docs\example\ai_tea.itd"/>
-  <p:tag name="_I2P_IMPORT_SETTINGS_" val="&quot;C:\Irit2Powerpoint\Irit2Powerpoint\docs\example\ai_tea.itd&quot;"/>
+  <p:tag name="_I2P_PATH_" val="C:\Users\abdna\Downloads\irit\data\ir_tpot6.itd"/>
+  <p:tag name="_I2P_IMPORT_SETTINGS_" val="-W 0 &quot;C:\Users\abdna\Downloads\irit\data\ir_tpot6.itd&quot;"/>
+</p:tagLst>
+</file>
+
+<file path=ppt/tags/tag2.xml><?xml version="1.0" encoding="utf-8"?>
+<p:tagLst xmlns:a="http://schemas.openxmlformats.org/drawingml/2006/main" xmlns:r="http://schemas.openxmlformats.org/officeDocument/2006/relationships" xmlns:p="http://schemas.openxmlformats.org/presentationml/2006/main">
+  <p:tag name="_I2P_DUMMY_" val="true"/>
+  <p:tag name="_I2P_PATH_" val="C:\Irit2Powerpoint\Irit2Powerpoint\docs\example\f16.itd"/>
+  <p:tag name="_I2P_IMPORT_SETTINGS_" val="-S 3,2,-5,0.1,1,1 &quot;C:\Irit2Powerpoint\Irit2Powerpoint\docs\example\f16.itd&quot;"/>
+</p:tagLst>
+</file>
+
+<file path=ppt/tags/tag3.xml><?xml version="1.0" encoding="utf-8"?>
+<p:tagLst xmlns:a="http://schemas.openxmlformats.org/drawingml/2006/main" xmlns:r="http://schemas.openxmlformats.org/officeDocument/2006/relationships" xmlns:p="http://schemas.openxmlformats.org/presentationml/2006/main">
+  <p:tag name="_I2P_DUMMY_" val="true"/>
+  <p:tag name="_I2P_PATH_" val="C:\Irit2Powerpoint\Irit2Powerpoint\docs\example\fltrtest.itd"/>
+  <p:tag name="_I2P_IMPORT_SETTINGS_" val="-Z -10 10 &quot;C:\Irit2Powerpoint\Irit2Powerpoint\docs\example\fltrtest.itd&quot;"/>
+</p:tagLst>
+</file>
+
+<file path=ppt/tags/tag4.xml><?xml version="1.0" encoding="utf-8"?>
+<p:tagLst xmlns:a="http://schemas.openxmlformats.org/drawingml/2006/main" xmlns:r="http://schemas.openxmlformats.org/officeDocument/2006/relationships" xmlns:p="http://schemas.openxmlformats.org/presentationml/2006/main">
+  <p:tag name="_I2P_DUMMY_" val="true"/>
+  <p:tag name="_I2P_PATH_" val="C:\Irit2Powerpoint\Irit2Powerpoint\docs\example\duck3.itd"/>
+  <p:tag name="_I2P_IMPORT_SETTINGS_" val="&quot;C:\Irit2Powerpoint\Irit2Powerpoint\docs\example\duck3.itd&quot;"/>
 </p:tagLst>
 </file>
 
@@ -7896,34 +8669,34 @@
         <a:sysClr val="window" lastClr="FFFFFF"/>
       </a:lt1>
       <a:dk2>
-        <a:srgbClr val="9D360E"/>
+        <a:srgbClr val="1F8094"/>
       </a:dk2>
       <a:lt2>
         <a:srgbClr val="E7E6E6"/>
       </a:lt2>
       <a:accent1>
-        <a:srgbClr val="F09415"/>
+        <a:srgbClr val="39CDE7"/>
       </a:accent1>
       <a:accent2>
-        <a:srgbClr val="C1B56B"/>
+        <a:srgbClr val="60DE72"/>
       </a:accent2>
       <a:accent3>
-        <a:srgbClr val="4BAF73"/>
+        <a:srgbClr val="DDCC64"/>
       </a:accent3>
       <a:accent4>
-        <a:srgbClr val="5AA6C0"/>
+        <a:srgbClr val="F49D50"/>
       </a:accent4>
       <a:accent5>
-        <a:srgbClr val="D17DF9"/>
+        <a:srgbClr val="E44951"/>
       </a:accent5>
       <a:accent6>
-        <a:srgbClr val="FA7E5C"/>
+        <a:srgbClr val="D666F9"/>
       </a:accent6>
       <a:hlink>
-        <a:srgbClr val="FFAE3E"/>
+        <a:srgbClr val="4BF7ED"/>
       </a:hlink>
       <a:folHlink>
-        <a:srgbClr val="FCC77E"/>
+        <a:srgbClr val="95E9F4"/>
       </a:folHlink>
     </a:clrScheme>
     <a:fontScheme name="Berlin">
@@ -8102,7 +8875,7 @@
               <a:schemeClr val="phClr">
                 <a:tint val="96000"/>
                 <a:shade val="100000"/>
-                <a:hueMod val="270000"/>
+                <a:hueMod val="92000"/>
                 <a:satMod val="200000"/>
                 <a:lumMod val="128000"/>
               </a:schemeClr>
@@ -8118,8 +8891,8 @@
             <a:gs pos="100000">
               <a:schemeClr val="phClr">
                 <a:shade val="78000"/>
-                <a:hueMod val="44000"/>
-                <a:satMod val="200000"/>
+                <a:hueMod val="118000"/>
+                <a:satMod val="120000"/>
                 <a:lumMod val="69000"/>
               </a:schemeClr>
             </a:gs>
@@ -8133,7 +8906,7 @@
   <a:extraClrSchemeLst/>
   <a:extLst>
     <a:ext uri="{05A4C25C-085E-4340-85A3-A5531E510DB2}">
-      <thm15:themeFamily xmlns:thm15="http://schemas.microsoft.com/office/thememl/2012/main" name="Berlin" id="{7B5DBA9E-B069-418E-9360-A61BDD0615A4}" vid="{C0CBE056-4EF4-4D92-969E-947779DA7AAA}"/>
+      <thm15:themeFamily xmlns:thm15="http://schemas.microsoft.com/office/thememl/2012/main" name="Berlin" id="{7B5DBA9E-B069-418E-9360-A61BDD0615A4}" vid="{C7DC10E3-4FF5-456B-A359-A0F378C1E5FB}"/>
     </a:ext>
   </a:extLst>
 </a:theme>
